--- a/Projektmunka.pptx
+++ b/Projektmunka.pptx
@@ -118,6 +118,11 @@
       </a:defRPr>
     </a:lvl9pPr>
   </p:defaultTextStyle>
+  <p:extLst>
+    <p:ext uri="{EFAFB233-063F-42B5-8137-9DF3F51BA10A}">
+      <p15:sldGuideLst xmlns:p15="http://schemas.microsoft.com/office/powerpoint/2012/main"/>
+    </p:ext>
+  </p:extLst>
 </p:presentation>
 </file>
 
@@ -168,6 +173,11 @@
               </a:ln>
               <a:effectLst/>
             </c:spPr>
+            <c:extLst>
+              <c:ext xmlns:c16="http://schemas.microsoft.com/office/drawing/2014/chart" uri="{C3380CC4-5D6E-409C-BE32-E72D297353CC}">
+                <c16:uniqueId val="{00000001-5DCD-4359-A9E8-19BF41B42383}"/>
+              </c:ext>
+            </c:extLst>
           </c:dPt>
           <c:dPt>
             <c:idx val="1"/>
@@ -183,6 +193,11 @@
               </a:ln>
               <a:effectLst/>
             </c:spPr>
+            <c:extLst>
+              <c:ext xmlns:c16="http://schemas.microsoft.com/office/drawing/2014/chart" uri="{C3380CC4-5D6E-409C-BE32-E72D297353CC}">
+                <c16:uniqueId val="{00000003-5DCD-4359-A9E8-19BF41B42383}"/>
+              </c:ext>
+            </c:extLst>
           </c:dPt>
           <c:dPt>
             <c:idx val="2"/>
@@ -198,6 +213,11 @@
               </a:ln>
               <a:effectLst/>
             </c:spPr>
+            <c:extLst>
+              <c:ext xmlns:c16="http://schemas.microsoft.com/office/drawing/2014/chart" uri="{C3380CC4-5D6E-409C-BE32-E72D297353CC}">
+                <c16:uniqueId val="{00000005-5DCD-4359-A9E8-19BF41B42383}"/>
+              </c:ext>
+            </c:extLst>
           </c:dPt>
           <c:dPt>
             <c:idx val="3"/>
@@ -213,6 +233,11 @@
               </a:ln>
               <a:effectLst/>
             </c:spPr>
+            <c:extLst>
+              <c:ext xmlns:c16="http://schemas.microsoft.com/office/drawing/2014/chart" uri="{C3380CC4-5D6E-409C-BE32-E72D297353CC}">
+                <c16:uniqueId val="{00000007-5DCD-4359-A9E8-19BF41B42383}"/>
+              </c:ext>
+            </c:extLst>
           </c:dPt>
           <c:cat>
             <c:strRef>
@@ -282,7 +307,6 @@
     </c:plotArea>
     <c:legend>
       <c:legendPos val="b"/>
-      <c:layout/>
       <c:overlay val="0"/>
       <c:spPr>
         <a:noFill/>
@@ -526,7 +550,6 @@
     </c:plotArea>
     <c:legend>
       <c:legendPos val="b"/>
-      <c:layout/>
       <c:overlay val="0"/>
       <c:spPr>
         <a:noFill/>
@@ -1715,7 +1738,13 @@
     </cdr:to>
     <cdr:cxnSp macro="">
       <cdr:nvCxnSpPr>
-        <cdr:cNvPr id="3" name="Szögletes összekötő 2"/>
+        <cdr:cNvPr id="3" name="Szögletes összekötő 2">
+          <a:extLst xmlns:a="http://schemas.openxmlformats.org/drawingml/2006/main">
+            <a:ext uri="{FF2B5EF4-FFF2-40B4-BE49-F238E27FC236}">
+              <a16:creationId xmlns:a16="http://schemas.microsoft.com/office/drawing/2014/main" id="{26AB4FAA-99D4-EB91-D331-B79BA71DE84D}"/>
+            </a:ext>
+          </a:extLst>
+        </cdr:cNvPr>
         <cdr:cNvCxnSpPr/>
       </cdr:nvCxnSpPr>
       <cdr:spPr>
@@ -1759,7 +1788,13 @@
     </cdr:to>
     <cdr:cxnSp macro="">
       <cdr:nvCxnSpPr>
-        <cdr:cNvPr id="7" name="Szögletes összekötő 6"/>
+        <cdr:cNvPr id="7" name="Szögletes összekötő 6">
+          <a:extLst xmlns:a="http://schemas.openxmlformats.org/drawingml/2006/main">
+            <a:ext uri="{FF2B5EF4-FFF2-40B4-BE49-F238E27FC236}">
+              <a16:creationId xmlns:a16="http://schemas.microsoft.com/office/drawing/2014/main" id="{063A5DA8-238F-54C5-AEA0-D84EFC8CE705}"/>
+            </a:ext>
+          </a:extLst>
+        </cdr:cNvPr>
         <cdr:cNvCxnSpPr/>
       </cdr:nvCxnSpPr>
       <cdr:spPr>
@@ -1806,7 +1841,13 @@
     </cdr:to>
     <cdr:cxnSp macro="">
       <cdr:nvCxnSpPr>
-        <cdr:cNvPr id="9" name="Szögletes összekötő 8"/>
+        <cdr:cNvPr id="9" name="Szögletes összekötő 8">
+          <a:extLst xmlns:a="http://schemas.openxmlformats.org/drawingml/2006/main">
+            <a:ext uri="{FF2B5EF4-FFF2-40B4-BE49-F238E27FC236}">
+              <a16:creationId xmlns:a16="http://schemas.microsoft.com/office/drawing/2014/main" id="{521B4BE4-7621-7EBF-9F30-9D24F7661D41}"/>
+            </a:ext>
+          </a:extLst>
+        </cdr:cNvPr>
         <cdr:cNvCxnSpPr/>
       </cdr:nvCxnSpPr>
       <cdr:spPr>
@@ -1851,7 +1892,13 @@
     </cdr:to>
     <cdr:cxnSp macro="">
       <cdr:nvCxnSpPr>
-        <cdr:cNvPr id="11" name="Egyenes összekötő nyíllal 10"/>
+        <cdr:cNvPr id="11" name="Egyenes összekötő nyíllal 10">
+          <a:extLst xmlns:a="http://schemas.openxmlformats.org/drawingml/2006/main">
+            <a:ext uri="{FF2B5EF4-FFF2-40B4-BE49-F238E27FC236}">
+              <a16:creationId xmlns:a16="http://schemas.microsoft.com/office/drawing/2014/main" id="{418B47D7-C97D-321C-8EC3-47ED248D7311}"/>
+            </a:ext>
+          </a:extLst>
+        </cdr:cNvPr>
         <cdr:cNvCxnSpPr/>
       </cdr:nvCxnSpPr>
       <cdr:spPr>
@@ -1901,7 +1948,13 @@
     </cdr:to>
     <cdr:cxnSp macro="">
       <cdr:nvCxnSpPr>
-        <cdr:cNvPr id="3" name="Szögletes összekötő 2"/>
+        <cdr:cNvPr id="3" name="Szögletes összekötő 2">
+          <a:extLst xmlns:a="http://schemas.openxmlformats.org/drawingml/2006/main">
+            <a:ext uri="{FF2B5EF4-FFF2-40B4-BE49-F238E27FC236}">
+              <a16:creationId xmlns:a16="http://schemas.microsoft.com/office/drawing/2014/main" id="{AD599FDC-A49D-705D-6399-82BFBE0FFCA3}"/>
+            </a:ext>
+          </a:extLst>
+        </cdr:cNvPr>
         <cdr:cNvCxnSpPr/>
       </cdr:nvCxnSpPr>
       <cdr:spPr>
@@ -1948,7 +2001,13 @@
     </cdr:to>
     <cdr:cxnSp macro="">
       <cdr:nvCxnSpPr>
-        <cdr:cNvPr id="7" name="Szögletes összekötő 6"/>
+        <cdr:cNvPr id="7" name="Szögletes összekötő 6">
+          <a:extLst xmlns:a="http://schemas.openxmlformats.org/drawingml/2006/main">
+            <a:ext uri="{FF2B5EF4-FFF2-40B4-BE49-F238E27FC236}">
+              <a16:creationId xmlns:a16="http://schemas.microsoft.com/office/drawing/2014/main" id="{5FCF6237-FC91-EC74-8A4E-136037FC1100}"/>
+            </a:ext>
+          </a:extLst>
+        </cdr:cNvPr>
         <cdr:cNvCxnSpPr/>
       </cdr:nvCxnSpPr>
       <cdr:spPr>
@@ -1993,7 +2052,13 @@
     </cdr:to>
     <cdr:cxnSp macro="">
       <cdr:nvCxnSpPr>
-        <cdr:cNvPr id="9" name="Szögletes összekötő 8"/>
+        <cdr:cNvPr id="9" name="Szögletes összekötő 8">
+          <a:extLst xmlns:a="http://schemas.openxmlformats.org/drawingml/2006/main">
+            <a:ext uri="{FF2B5EF4-FFF2-40B4-BE49-F238E27FC236}">
+              <a16:creationId xmlns:a16="http://schemas.microsoft.com/office/drawing/2014/main" id="{45463167-2692-DEEF-5962-01CFEFD44F76}"/>
+            </a:ext>
+          </a:extLst>
+        </cdr:cNvPr>
         <cdr:cNvCxnSpPr/>
       </cdr:nvCxnSpPr>
       <cdr:spPr>
@@ -2038,7 +2103,13 @@
     </cdr:to>
     <cdr:cxnSp macro="">
       <cdr:nvCxnSpPr>
-        <cdr:cNvPr id="11" name="Egyenes összekötő nyíllal 10"/>
+        <cdr:cNvPr id="11" name="Egyenes összekötő nyíllal 10">
+          <a:extLst xmlns:a="http://schemas.openxmlformats.org/drawingml/2006/main">
+            <a:ext uri="{FF2B5EF4-FFF2-40B4-BE49-F238E27FC236}">
+              <a16:creationId xmlns:a16="http://schemas.microsoft.com/office/drawing/2014/main" id="{B1535792-97FF-53B0-8906-1A650C5480B3}"/>
+            </a:ext>
+          </a:extLst>
+        </cdr:cNvPr>
         <cdr:cNvCxnSpPr/>
       </cdr:nvCxnSpPr>
       <cdr:spPr>
@@ -2416,7 +2487,7 @@
           </a:lstStyle>
           <a:p>
             <a:r>
-              <a:rPr lang="hu-HU" smtClean="0"/>
+              <a:rPr lang="hu-HU"/>
               <a:t>Mintacím szerkesztése</a:t>
             </a:r>
             <a:endParaRPr lang="en-US" dirty="0"/>
@@ -2489,7 +2560,7 @@
           </a:lstStyle>
           <a:p>
             <a:r>
-              <a:rPr lang="hu-HU" smtClean="0"/>
+              <a:rPr lang="hu-HU"/>
               <a:t>Kattintson ide az alcím mintájának szerkesztéséhez</a:t>
             </a:r>
             <a:endParaRPr lang="en-US" dirty="0"/>
@@ -2528,7 +2599,7 @@
           <a:p>
             <a:fld id="{90B8310B-0A88-4A2E-BD5E-2628CCF65050}" type="datetimeFigureOut">
               <a:rPr lang="hu-HU" smtClean="0"/>
-              <a:t>2024. 02. 07.</a:t>
+              <a:t>2024. 02. 09.</a:t>
             </a:fld>
             <a:endParaRPr lang="hu-HU"/>
           </a:p>
@@ -2698,7 +2769,7 @@
           </a:lstStyle>
           <a:p>
             <a:r>
-              <a:rPr lang="hu-HU" smtClean="0"/>
+              <a:rPr lang="hu-HU"/>
               <a:t>Mintacím szerkesztése</a:t>
             </a:r>
             <a:endParaRPr lang="en-US" dirty="0"/>
@@ -2771,7 +2842,7 @@
           </a:lstStyle>
           <a:p>
             <a:r>
-              <a:rPr lang="hu-HU" smtClean="0"/>
+              <a:rPr lang="hu-HU"/>
               <a:t>Kép beszúrásához kattintson az ikonra</a:t>
             </a:r>
             <a:endParaRPr lang="en-US" dirty="0"/>
@@ -2837,7 +2908,7 @@
           <a:p>
             <a:pPr lvl="0"/>
             <a:r>
-              <a:rPr lang="hu-HU" smtClean="0"/>
+              <a:rPr lang="hu-HU"/>
               <a:t>Mintaszöveg szerkesztése</a:t>
             </a:r>
           </a:p>
@@ -2860,7 +2931,7 @@
           <a:p>
             <a:fld id="{90B8310B-0A88-4A2E-BD5E-2628CCF65050}" type="datetimeFigureOut">
               <a:rPr lang="hu-HU" smtClean="0"/>
-              <a:t>2024. 02. 07.</a:t>
+              <a:t>2024. 02. 09.</a:t>
             </a:fld>
             <a:endParaRPr lang="hu-HU"/>
           </a:p>
@@ -2965,7 +3036,7 @@
           </a:lstStyle>
           <a:p>
             <a:r>
-              <a:rPr lang="hu-HU" smtClean="0"/>
+              <a:rPr lang="hu-HU"/>
               <a:t>Mintacím szerkesztése</a:t>
             </a:r>
             <a:endParaRPr lang="en-US" dirty="0"/>
@@ -3033,7 +3104,7 @@
           <a:p>
             <a:pPr lvl="0"/>
             <a:r>
-              <a:rPr lang="hu-HU" smtClean="0"/>
+              <a:rPr lang="hu-HU"/>
               <a:t>Mintaszöveg szerkesztése</a:t>
             </a:r>
           </a:p>
@@ -3056,7 +3127,7 @@
           <a:p>
             <a:fld id="{90B8310B-0A88-4A2E-BD5E-2628CCF65050}" type="datetimeFigureOut">
               <a:rPr lang="hu-HU" smtClean="0"/>
-              <a:t>2024. 02. 07.</a:t>
+              <a:t>2024. 02. 09.</a:t>
             </a:fld>
             <a:endParaRPr lang="hu-HU"/>
           </a:p>
@@ -3161,7 +3232,7 @@
           </a:lstStyle>
           <a:p>
             <a:r>
-              <a:rPr lang="hu-HU" smtClean="0"/>
+              <a:rPr lang="hu-HU"/>
               <a:t>Mintacím szerkesztése</a:t>
             </a:r>
             <a:endParaRPr lang="en-US" dirty="0"/>
@@ -3236,7 +3307,7 @@
           <a:p>
             <a:pPr lvl="0"/>
             <a:r>
-              <a:rPr lang="hu-HU" smtClean="0"/>
+              <a:rPr lang="hu-HU"/>
               <a:t>Mintaszöveg szerkesztése</a:t>
             </a:r>
           </a:p>
@@ -3303,7 +3374,7 @@
           <a:p>
             <a:pPr lvl="0"/>
             <a:r>
-              <a:rPr lang="hu-HU" smtClean="0"/>
+              <a:rPr lang="hu-HU"/>
               <a:t>Mintaszöveg szerkesztése</a:t>
             </a:r>
           </a:p>
@@ -3326,7 +3397,7 @@
           <a:p>
             <a:fld id="{90B8310B-0A88-4A2E-BD5E-2628CCF65050}" type="datetimeFigureOut">
               <a:rPr lang="hu-HU" smtClean="0"/>
-              <a:t>2024. 02. 07.</a:t>
+              <a:t>2024. 02. 09.</a:t>
             </a:fld>
             <a:endParaRPr lang="hu-HU"/>
           </a:p>
@@ -3663,7 +3734,7 @@
           </a:lstStyle>
           <a:p>
             <a:r>
-              <a:rPr lang="hu-HU" smtClean="0"/>
+              <a:rPr lang="hu-HU"/>
               <a:t>Mintacím szerkesztése</a:t>
             </a:r>
             <a:endParaRPr lang="en-US" dirty="0"/>
@@ -3731,7 +3802,7 @@
           <a:p>
             <a:pPr lvl="0"/>
             <a:r>
-              <a:rPr lang="hu-HU" smtClean="0"/>
+              <a:rPr lang="hu-HU"/>
               <a:t>Mintaszöveg szerkesztése</a:t>
             </a:r>
           </a:p>
@@ -3754,7 +3825,7 @@
           <a:p>
             <a:fld id="{90B8310B-0A88-4A2E-BD5E-2628CCF65050}" type="datetimeFigureOut">
               <a:rPr lang="hu-HU" smtClean="0"/>
-              <a:t>2024. 02. 07.</a:t>
+              <a:t>2024. 02. 09.</a:t>
             </a:fld>
             <a:endParaRPr lang="hu-HU"/>
           </a:p>
@@ -3857,7 +3928,7 @@
           </a:lstStyle>
           <a:p>
             <a:r>
-              <a:rPr lang="hu-HU" smtClean="0"/>
+              <a:rPr lang="hu-HU"/>
               <a:t>Mintacím szerkesztése</a:t>
             </a:r>
             <a:endParaRPr lang="en-US" dirty="0"/>
@@ -3932,7 +4003,7 @@
           <a:p>
             <a:pPr lvl="0"/>
             <a:r>
-              <a:rPr lang="hu-HU" smtClean="0"/>
+              <a:rPr lang="hu-HU"/>
               <a:t>Mintaszöveg szerkesztése</a:t>
             </a:r>
           </a:p>
@@ -3999,7 +4070,7 @@
           <a:p>
             <a:pPr lvl="0"/>
             <a:r>
-              <a:rPr lang="hu-HU" smtClean="0"/>
+              <a:rPr lang="hu-HU"/>
               <a:t>Mintaszöveg szerkesztése</a:t>
             </a:r>
           </a:p>
@@ -4073,7 +4144,7 @@
           <a:p>
             <a:pPr lvl="0"/>
             <a:r>
-              <a:rPr lang="hu-HU" smtClean="0"/>
+              <a:rPr lang="hu-HU"/>
               <a:t>Mintaszöveg szerkesztése</a:t>
             </a:r>
           </a:p>
@@ -4140,7 +4211,7 @@
           <a:p>
             <a:pPr lvl="0"/>
             <a:r>
-              <a:rPr lang="hu-HU" smtClean="0"/>
+              <a:rPr lang="hu-HU"/>
               <a:t>Mintaszöveg szerkesztése</a:t>
             </a:r>
           </a:p>
@@ -4214,7 +4285,7 @@
           <a:p>
             <a:pPr lvl="0"/>
             <a:r>
-              <a:rPr lang="hu-HU" smtClean="0"/>
+              <a:rPr lang="hu-HU"/>
               <a:t>Mintaszöveg szerkesztése</a:t>
             </a:r>
           </a:p>
@@ -4281,7 +4352,7 @@
           <a:p>
             <a:pPr lvl="0"/>
             <a:r>
-              <a:rPr lang="hu-HU" smtClean="0"/>
+              <a:rPr lang="hu-HU"/>
               <a:t>Mintaszöveg szerkesztése</a:t>
             </a:r>
           </a:p>
@@ -4304,7 +4375,7 @@
           <a:p>
             <a:fld id="{90B8310B-0A88-4A2E-BD5E-2628CCF65050}" type="datetimeFigureOut">
               <a:rPr lang="hu-HU" smtClean="0"/>
-              <a:t>2024. 02. 07.</a:t>
+              <a:t>2024. 02. 09.</a:t>
             </a:fld>
             <a:endParaRPr lang="hu-HU"/>
           </a:p>
@@ -4407,7 +4478,7 @@
           </a:lstStyle>
           <a:p>
             <a:r>
-              <a:rPr lang="hu-HU" smtClean="0"/>
+              <a:rPr lang="hu-HU"/>
               <a:t>Mintacím szerkesztése</a:t>
             </a:r>
             <a:endParaRPr lang="en-US" dirty="0"/>
@@ -4482,7 +4553,7 @@
           <a:p>
             <a:pPr lvl="0"/>
             <a:r>
-              <a:rPr lang="hu-HU" smtClean="0"/>
+              <a:rPr lang="hu-HU"/>
               <a:t>Mintaszöveg szerkesztése</a:t>
             </a:r>
           </a:p>
@@ -4561,7 +4632,7 @@
           </a:lstStyle>
           <a:p>
             <a:r>
-              <a:rPr lang="hu-HU" smtClean="0"/>
+              <a:rPr lang="hu-HU"/>
               <a:t>Kép beszúrásához kattintson az ikonra</a:t>
             </a:r>
             <a:endParaRPr lang="en-US" dirty="0"/>
@@ -4629,7 +4700,7 @@
           <a:p>
             <a:pPr lvl="0"/>
             <a:r>
-              <a:rPr lang="hu-HU" smtClean="0"/>
+              <a:rPr lang="hu-HU"/>
               <a:t>Mintaszöveg szerkesztése</a:t>
             </a:r>
           </a:p>
@@ -4703,7 +4774,7 @@
           <a:p>
             <a:pPr lvl="0"/>
             <a:r>
-              <a:rPr lang="hu-HU" smtClean="0"/>
+              <a:rPr lang="hu-HU"/>
               <a:t>Mintaszöveg szerkesztése</a:t>
             </a:r>
           </a:p>
@@ -4782,7 +4853,7 @@
           </a:lstStyle>
           <a:p>
             <a:r>
-              <a:rPr lang="hu-HU" smtClean="0"/>
+              <a:rPr lang="hu-HU"/>
               <a:t>Kép beszúrásához kattintson az ikonra</a:t>
             </a:r>
             <a:endParaRPr lang="en-US" dirty="0"/>
@@ -4850,7 +4921,7 @@
           <a:p>
             <a:pPr lvl="0"/>
             <a:r>
-              <a:rPr lang="hu-HU" smtClean="0"/>
+              <a:rPr lang="hu-HU"/>
               <a:t>Mintaszöveg szerkesztése</a:t>
             </a:r>
           </a:p>
@@ -4924,7 +4995,7 @@
           <a:p>
             <a:pPr lvl="0"/>
             <a:r>
-              <a:rPr lang="hu-HU" smtClean="0"/>
+              <a:rPr lang="hu-HU"/>
               <a:t>Mintaszöveg szerkesztése</a:t>
             </a:r>
           </a:p>
@@ -5003,7 +5074,7 @@
           </a:lstStyle>
           <a:p>
             <a:r>
-              <a:rPr lang="hu-HU" smtClean="0"/>
+              <a:rPr lang="hu-HU"/>
               <a:t>Kép beszúrásához kattintson az ikonra</a:t>
             </a:r>
             <a:endParaRPr lang="en-US" dirty="0"/>
@@ -5071,7 +5142,7 @@
           <a:p>
             <a:pPr lvl="0"/>
             <a:r>
-              <a:rPr lang="hu-HU" smtClean="0"/>
+              <a:rPr lang="hu-HU"/>
               <a:t>Mintaszöveg szerkesztése</a:t>
             </a:r>
           </a:p>
@@ -5094,7 +5165,7 @@
           <a:p>
             <a:fld id="{90B8310B-0A88-4A2E-BD5E-2628CCF65050}" type="datetimeFigureOut">
               <a:rPr lang="hu-HU" smtClean="0"/>
-              <a:t>2024. 02. 07.</a:t>
+              <a:t>2024. 02. 09.</a:t>
             </a:fld>
             <a:endParaRPr lang="hu-HU"/>
           </a:p>
@@ -5192,7 +5263,7 @@
           </a:lstStyle>
           <a:p>
             <a:r>
-              <a:rPr lang="hu-HU" smtClean="0"/>
+              <a:rPr lang="hu-HU"/>
               <a:t>Mintacím szerkesztése</a:t>
             </a:r>
             <a:endParaRPr lang="en-US" dirty="0"/>
@@ -5221,35 +5292,35 @@
           <a:p>
             <a:pPr lvl="0"/>
             <a:r>
-              <a:rPr lang="hu-HU" smtClean="0"/>
+              <a:rPr lang="hu-HU"/>
               <a:t>Mintaszöveg szerkesztése</a:t>
             </a:r>
           </a:p>
           <a:p>
             <a:pPr lvl="1"/>
             <a:r>
-              <a:rPr lang="hu-HU" smtClean="0"/>
+              <a:rPr lang="hu-HU"/>
               <a:t>Második szint</a:t>
             </a:r>
           </a:p>
           <a:p>
             <a:pPr lvl="2"/>
             <a:r>
-              <a:rPr lang="hu-HU" smtClean="0"/>
+              <a:rPr lang="hu-HU"/>
               <a:t>Harmadik szint</a:t>
             </a:r>
           </a:p>
           <a:p>
             <a:pPr lvl="3"/>
             <a:r>
-              <a:rPr lang="hu-HU" smtClean="0"/>
+              <a:rPr lang="hu-HU"/>
               <a:t>Negyedik szint</a:t>
             </a:r>
           </a:p>
           <a:p>
             <a:pPr lvl="4"/>
             <a:r>
-              <a:rPr lang="hu-HU" smtClean="0"/>
+              <a:rPr lang="hu-HU"/>
               <a:t>Ötödik szint</a:t>
             </a:r>
             <a:endParaRPr lang="en-US" dirty="0"/>
@@ -5273,7 +5344,7 @@
           <a:p>
             <a:fld id="{90B8310B-0A88-4A2E-BD5E-2628CCF65050}" type="datetimeFigureOut">
               <a:rPr lang="hu-HU" smtClean="0"/>
-              <a:t>2024. 02. 07.</a:t>
+              <a:t>2024. 02. 09.</a:t>
             </a:fld>
             <a:endParaRPr lang="hu-HU"/>
           </a:p>
@@ -5376,7 +5447,7 @@
           </a:lstStyle>
           <a:p>
             <a:r>
-              <a:rPr lang="hu-HU" smtClean="0"/>
+              <a:rPr lang="hu-HU"/>
               <a:t>Mintacím szerkesztése</a:t>
             </a:r>
             <a:endParaRPr lang="en-US" dirty="0"/>
@@ -5405,35 +5476,35 @@
           <a:p>
             <a:pPr lvl="0"/>
             <a:r>
-              <a:rPr lang="hu-HU" smtClean="0"/>
+              <a:rPr lang="hu-HU"/>
               <a:t>Mintaszöveg szerkesztése</a:t>
             </a:r>
           </a:p>
           <a:p>
             <a:pPr lvl="1"/>
             <a:r>
-              <a:rPr lang="hu-HU" smtClean="0"/>
+              <a:rPr lang="hu-HU"/>
               <a:t>Második szint</a:t>
             </a:r>
           </a:p>
           <a:p>
             <a:pPr lvl="2"/>
             <a:r>
-              <a:rPr lang="hu-HU" smtClean="0"/>
+              <a:rPr lang="hu-HU"/>
               <a:t>Harmadik szint</a:t>
             </a:r>
           </a:p>
           <a:p>
             <a:pPr lvl="3"/>
             <a:r>
-              <a:rPr lang="hu-HU" smtClean="0"/>
+              <a:rPr lang="hu-HU"/>
               <a:t>Negyedik szint</a:t>
             </a:r>
           </a:p>
           <a:p>
             <a:pPr lvl="4"/>
             <a:r>
-              <a:rPr lang="hu-HU" smtClean="0"/>
+              <a:rPr lang="hu-HU"/>
               <a:t>Ötödik szint</a:t>
             </a:r>
             <a:endParaRPr lang="en-US" dirty="0"/>
@@ -5457,7 +5528,7 @@
           <a:p>
             <a:fld id="{90B8310B-0A88-4A2E-BD5E-2628CCF65050}" type="datetimeFigureOut">
               <a:rPr lang="hu-HU" smtClean="0"/>
-              <a:t>2024. 02. 07.</a:t>
+              <a:t>2024. 02. 09.</a:t>
             </a:fld>
             <a:endParaRPr lang="hu-HU"/>
           </a:p>
@@ -5551,10 +5622,9 @@
           <a:lstStyle/>
           <a:p>
             <a:r>
-              <a:rPr lang="hu-HU" smtClean="0"/>
+              <a:rPr lang="hu-HU"/>
               <a:t>Mintacím szerkesztése</a:t>
             </a:r>
-            <a:endParaRPr lang="hu-HU"/>
           </a:p>
         </p:txBody>
       </p:sp>
@@ -5575,38 +5645,37 @@
           <a:p>
             <a:pPr lvl="0"/>
             <a:r>
-              <a:rPr lang="hu-HU" smtClean="0"/>
+              <a:rPr lang="hu-HU"/>
               <a:t>Mintaszöveg szerkesztése</a:t>
             </a:r>
           </a:p>
           <a:p>
             <a:pPr lvl="1"/>
             <a:r>
-              <a:rPr lang="hu-HU" smtClean="0"/>
+              <a:rPr lang="hu-HU"/>
               <a:t>Második szint</a:t>
             </a:r>
           </a:p>
           <a:p>
             <a:pPr lvl="2"/>
             <a:r>
-              <a:rPr lang="hu-HU" smtClean="0"/>
+              <a:rPr lang="hu-HU"/>
               <a:t>Harmadik szint</a:t>
             </a:r>
           </a:p>
           <a:p>
             <a:pPr lvl="3"/>
             <a:r>
-              <a:rPr lang="hu-HU" smtClean="0"/>
+              <a:rPr lang="hu-HU"/>
               <a:t>Negyedik szint</a:t>
             </a:r>
           </a:p>
           <a:p>
             <a:pPr lvl="4"/>
             <a:r>
-              <a:rPr lang="hu-HU" smtClean="0"/>
+              <a:rPr lang="hu-HU"/>
               <a:t>Ötödik szint</a:t>
             </a:r>
-            <a:endParaRPr lang="hu-HU"/>
           </a:p>
         </p:txBody>
       </p:sp>
@@ -5627,7 +5696,7 @@
           <a:p>
             <a:fld id="{90B8310B-0A88-4A2E-BD5E-2628CCF65050}" type="datetimeFigureOut">
               <a:rPr lang="hu-HU" smtClean="0"/>
-              <a:t>2024. 02. 07.</a:t>
+              <a:t>2024. 02. 09.</a:t>
             </a:fld>
             <a:endParaRPr lang="hu-HU"/>
           </a:p>
@@ -5721,7 +5790,7 @@
           <a:lstStyle/>
           <a:p>
             <a:r>
-              <a:rPr lang="hu-HU" smtClean="0"/>
+              <a:rPr lang="hu-HU"/>
               <a:t>Mintacím szerkesztése</a:t>
             </a:r>
             <a:endParaRPr lang="en-US" dirty="0"/>
@@ -5750,35 +5819,35 @@
           <a:p>
             <a:pPr lvl="0"/>
             <a:r>
-              <a:rPr lang="hu-HU" smtClean="0"/>
+              <a:rPr lang="hu-HU"/>
               <a:t>Mintaszöveg szerkesztése</a:t>
             </a:r>
           </a:p>
           <a:p>
             <a:pPr lvl="1"/>
             <a:r>
-              <a:rPr lang="hu-HU" smtClean="0"/>
+              <a:rPr lang="hu-HU"/>
               <a:t>Második szint</a:t>
             </a:r>
           </a:p>
           <a:p>
             <a:pPr lvl="2"/>
             <a:r>
-              <a:rPr lang="hu-HU" smtClean="0"/>
+              <a:rPr lang="hu-HU"/>
               <a:t>Harmadik szint</a:t>
             </a:r>
           </a:p>
           <a:p>
             <a:pPr lvl="3"/>
             <a:r>
-              <a:rPr lang="hu-HU" smtClean="0"/>
+              <a:rPr lang="hu-HU"/>
               <a:t>Negyedik szint</a:t>
             </a:r>
           </a:p>
           <a:p>
             <a:pPr lvl="4"/>
             <a:r>
-              <a:rPr lang="hu-HU" smtClean="0"/>
+              <a:rPr lang="hu-HU"/>
               <a:t>Ötödik szint</a:t>
             </a:r>
             <a:endParaRPr lang="en-US" dirty="0"/>
@@ -5802,7 +5871,7 @@
           <a:p>
             <a:fld id="{90B8310B-0A88-4A2E-BD5E-2628CCF65050}" type="datetimeFigureOut">
               <a:rPr lang="hu-HU" smtClean="0"/>
-              <a:t>2024. 02. 07.</a:t>
+              <a:t>2024. 02. 09.</a:t>
             </a:fld>
             <a:endParaRPr lang="hu-HU"/>
           </a:p>
@@ -5907,7 +5976,7 @@
           </a:lstStyle>
           <a:p>
             <a:r>
-              <a:rPr lang="hu-HU" smtClean="0"/>
+              <a:rPr lang="hu-HU"/>
               <a:t>Mintacím szerkesztése</a:t>
             </a:r>
             <a:endParaRPr lang="en-US" dirty="0"/>
@@ -6029,7 +6098,7 @@
           <a:p>
             <a:pPr lvl="0"/>
             <a:r>
-              <a:rPr lang="hu-HU" smtClean="0"/>
+              <a:rPr lang="hu-HU"/>
               <a:t>Mintaszöveg szerkesztése</a:t>
             </a:r>
           </a:p>
@@ -6052,7 +6121,7 @@
           <a:p>
             <a:fld id="{90B8310B-0A88-4A2E-BD5E-2628CCF65050}" type="datetimeFigureOut">
               <a:rPr lang="hu-HU" smtClean="0"/>
-              <a:t>2024. 02. 07.</a:t>
+              <a:t>2024. 02. 09.</a:t>
             </a:fld>
             <a:endParaRPr lang="hu-HU"/>
           </a:p>
@@ -6151,7 +6220,7 @@
           <a:lstStyle/>
           <a:p>
             <a:r>
-              <a:rPr lang="hu-HU" smtClean="0"/>
+              <a:rPr lang="hu-HU"/>
               <a:t>Mintacím szerkesztése</a:t>
             </a:r>
             <a:endParaRPr lang="en-US" dirty="0"/>
@@ -6180,35 +6249,35 @@
           <a:p>
             <a:pPr lvl="0"/>
             <a:r>
-              <a:rPr lang="hu-HU" smtClean="0"/>
+              <a:rPr lang="hu-HU"/>
               <a:t>Mintaszöveg szerkesztése</a:t>
             </a:r>
           </a:p>
           <a:p>
             <a:pPr lvl="1"/>
             <a:r>
-              <a:rPr lang="hu-HU" smtClean="0"/>
+              <a:rPr lang="hu-HU"/>
               <a:t>Második szint</a:t>
             </a:r>
           </a:p>
           <a:p>
             <a:pPr lvl="2"/>
             <a:r>
-              <a:rPr lang="hu-HU" smtClean="0"/>
+              <a:rPr lang="hu-HU"/>
               <a:t>Harmadik szint</a:t>
             </a:r>
           </a:p>
           <a:p>
             <a:pPr lvl="3"/>
             <a:r>
-              <a:rPr lang="hu-HU" smtClean="0"/>
+              <a:rPr lang="hu-HU"/>
               <a:t>Negyedik szint</a:t>
             </a:r>
           </a:p>
           <a:p>
             <a:pPr lvl="4"/>
             <a:r>
-              <a:rPr lang="hu-HU" smtClean="0"/>
+              <a:rPr lang="hu-HU"/>
               <a:t>Ötödik szint</a:t>
             </a:r>
             <a:endParaRPr lang="en-US" dirty="0"/>
@@ -6237,35 +6306,35 @@
           <a:p>
             <a:pPr lvl="0"/>
             <a:r>
-              <a:rPr lang="hu-HU" smtClean="0"/>
+              <a:rPr lang="hu-HU"/>
               <a:t>Mintaszöveg szerkesztése</a:t>
             </a:r>
           </a:p>
           <a:p>
             <a:pPr lvl="1"/>
             <a:r>
-              <a:rPr lang="hu-HU" smtClean="0"/>
+              <a:rPr lang="hu-HU"/>
               <a:t>Második szint</a:t>
             </a:r>
           </a:p>
           <a:p>
             <a:pPr lvl="2"/>
             <a:r>
-              <a:rPr lang="hu-HU" smtClean="0"/>
+              <a:rPr lang="hu-HU"/>
               <a:t>Harmadik szint</a:t>
             </a:r>
           </a:p>
           <a:p>
             <a:pPr lvl="3"/>
             <a:r>
-              <a:rPr lang="hu-HU" smtClean="0"/>
+              <a:rPr lang="hu-HU"/>
               <a:t>Negyedik szint</a:t>
             </a:r>
           </a:p>
           <a:p>
             <a:pPr lvl="4"/>
             <a:r>
-              <a:rPr lang="hu-HU" smtClean="0"/>
+              <a:rPr lang="hu-HU"/>
               <a:t>Ötödik szint</a:t>
             </a:r>
             <a:endParaRPr lang="en-US" dirty="0"/>
@@ -6289,7 +6358,7 @@
           <a:p>
             <a:fld id="{90B8310B-0A88-4A2E-BD5E-2628CCF65050}" type="datetimeFigureOut">
               <a:rPr lang="hu-HU" smtClean="0"/>
-              <a:t>2024. 02. 07.</a:t>
+              <a:t>2024. 02. 09.</a:t>
             </a:fld>
             <a:endParaRPr lang="hu-HU"/>
           </a:p>
@@ -6388,7 +6457,7 @@
           <a:lstStyle/>
           <a:p>
             <a:r>
-              <a:rPr lang="hu-HU" smtClean="0"/>
+              <a:rPr lang="hu-HU"/>
               <a:t>Mintacím szerkesztése</a:t>
             </a:r>
             <a:endParaRPr lang="en-US" dirty="0"/>
@@ -6463,7 +6532,7 @@
           <a:p>
             <a:pPr lvl="0"/>
             <a:r>
-              <a:rPr lang="hu-HU" smtClean="0"/>
+              <a:rPr lang="hu-HU"/>
               <a:t>Mintaszöveg szerkesztése</a:t>
             </a:r>
           </a:p>
@@ -6491,35 +6560,35 @@
           <a:p>
             <a:pPr lvl="0"/>
             <a:r>
-              <a:rPr lang="hu-HU" smtClean="0"/>
+              <a:rPr lang="hu-HU"/>
               <a:t>Mintaszöveg szerkesztése</a:t>
             </a:r>
           </a:p>
           <a:p>
             <a:pPr lvl="1"/>
             <a:r>
-              <a:rPr lang="hu-HU" smtClean="0"/>
+              <a:rPr lang="hu-HU"/>
               <a:t>Második szint</a:t>
             </a:r>
           </a:p>
           <a:p>
             <a:pPr lvl="2"/>
             <a:r>
-              <a:rPr lang="hu-HU" smtClean="0"/>
+              <a:rPr lang="hu-HU"/>
               <a:t>Harmadik szint</a:t>
             </a:r>
           </a:p>
           <a:p>
             <a:pPr lvl="3"/>
             <a:r>
-              <a:rPr lang="hu-HU" smtClean="0"/>
+              <a:rPr lang="hu-HU"/>
               <a:t>Negyedik szint</a:t>
             </a:r>
           </a:p>
           <a:p>
             <a:pPr lvl="4"/>
             <a:r>
-              <a:rPr lang="hu-HU" smtClean="0"/>
+              <a:rPr lang="hu-HU"/>
               <a:t>Ötödik szint</a:t>
             </a:r>
             <a:endParaRPr lang="en-US" dirty="0"/>
@@ -6594,7 +6663,7 @@
           <a:p>
             <a:pPr lvl="0"/>
             <a:r>
-              <a:rPr lang="hu-HU" smtClean="0"/>
+              <a:rPr lang="hu-HU"/>
               <a:t>Mintaszöveg szerkesztése</a:t>
             </a:r>
           </a:p>
@@ -6622,35 +6691,35 @@
           <a:p>
             <a:pPr lvl="0"/>
             <a:r>
-              <a:rPr lang="hu-HU" smtClean="0"/>
+              <a:rPr lang="hu-HU"/>
               <a:t>Mintaszöveg szerkesztése</a:t>
             </a:r>
           </a:p>
           <a:p>
             <a:pPr lvl="1"/>
             <a:r>
-              <a:rPr lang="hu-HU" smtClean="0"/>
+              <a:rPr lang="hu-HU"/>
               <a:t>Második szint</a:t>
             </a:r>
           </a:p>
           <a:p>
             <a:pPr lvl="2"/>
             <a:r>
-              <a:rPr lang="hu-HU" smtClean="0"/>
+              <a:rPr lang="hu-HU"/>
               <a:t>Harmadik szint</a:t>
             </a:r>
           </a:p>
           <a:p>
             <a:pPr lvl="3"/>
             <a:r>
-              <a:rPr lang="hu-HU" smtClean="0"/>
+              <a:rPr lang="hu-HU"/>
               <a:t>Negyedik szint</a:t>
             </a:r>
           </a:p>
           <a:p>
             <a:pPr lvl="4"/>
             <a:r>
-              <a:rPr lang="hu-HU" smtClean="0"/>
+              <a:rPr lang="hu-HU"/>
               <a:t>Ötödik szint</a:t>
             </a:r>
             <a:endParaRPr lang="en-US" dirty="0"/>
@@ -6674,7 +6743,7 @@
           <a:p>
             <a:fld id="{90B8310B-0A88-4A2E-BD5E-2628CCF65050}" type="datetimeFigureOut">
               <a:rPr lang="hu-HU" smtClean="0"/>
-              <a:t>2024. 02. 07.</a:t>
+              <a:t>2024. 02. 09.</a:t>
             </a:fld>
             <a:endParaRPr lang="hu-HU"/>
           </a:p>
@@ -6768,7 +6837,7 @@
           <a:lstStyle/>
           <a:p>
             <a:r>
-              <a:rPr lang="hu-HU" smtClean="0"/>
+              <a:rPr lang="hu-HU"/>
               <a:t>Mintacím szerkesztése</a:t>
             </a:r>
             <a:endParaRPr lang="en-US" dirty="0"/>
@@ -6792,7 +6861,7 @@
           <a:p>
             <a:fld id="{90B8310B-0A88-4A2E-BD5E-2628CCF65050}" type="datetimeFigureOut">
               <a:rPr lang="hu-HU" smtClean="0"/>
-              <a:t>2024. 02. 07.</a:t>
+              <a:t>2024. 02. 09.</a:t>
             </a:fld>
             <a:endParaRPr lang="hu-HU"/>
           </a:p>
@@ -6887,7 +6956,7 @@
           <a:p>
             <a:fld id="{90B8310B-0A88-4A2E-BD5E-2628CCF65050}" type="datetimeFigureOut">
               <a:rPr lang="hu-HU" smtClean="0"/>
-              <a:t>2024. 02. 07.</a:t>
+              <a:t>2024. 02. 09.</a:t>
             </a:fld>
             <a:endParaRPr lang="hu-HU"/>
           </a:p>
@@ -6992,7 +7061,7 @@
           </a:lstStyle>
           <a:p>
             <a:r>
-              <a:rPr lang="hu-HU" smtClean="0"/>
+              <a:rPr lang="hu-HU"/>
               <a:t>Mintacím szerkesztése</a:t>
             </a:r>
             <a:endParaRPr lang="en-US" dirty="0"/>
@@ -7021,35 +7090,35 @@
           <a:p>
             <a:pPr lvl="0"/>
             <a:r>
-              <a:rPr lang="hu-HU" smtClean="0"/>
+              <a:rPr lang="hu-HU"/>
               <a:t>Mintaszöveg szerkesztése</a:t>
             </a:r>
           </a:p>
           <a:p>
             <a:pPr lvl="1"/>
             <a:r>
-              <a:rPr lang="hu-HU" smtClean="0"/>
+              <a:rPr lang="hu-HU"/>
               <a:t>Második szint</a:t>
             </a:r>
           </a:p>
           <a:p>
             <a:pPr lvl="2"/>
             <a:r>
-              <a:rPr lang="hu-HU" smtClean="0"/>
+              <a:rPr lang="hu-HU"/>
               <a:t>Harmadik szint</a:t>
             </a:r>
           </a:p>
           <a:p>
             <a:pPr lvl="3"/>
             <a:r>
-              <a:rPr lang="hu-HU" smtClean="0"/>
+              <a:rPr lang="hu-HU"/>
               <a:t>Negyedik szint</a:t>
             </a:r>
           </a:p>
           <a:p>
             <a:pPr lvl="4"/>
             <a:r>
-              <a:rPr lang="hu-HU" smtClean="0"/>
+              <a:rPr lang="hu-HU"/>
               <a:t>Ötödik szint</a:t>
             </a:r>
             <a:endParaRPr lang="en-US" dirty="0"/>
@@ -7117,7 +7186,7 @@
           <a:p>
             <a:pPr lvl="0"/>
             <a:r>
-              <a:rPr lang="hu-HU" smtClean="0"/>
+              <a:rPr lang="hu-HU"/>
               <a:t>Mintaszöveg szerkesztése</a:t>
             </a:r>
           </a:p>
@@ -7140,7 +7209,7 @@
           <a:p>
             <a:fld id="{90B8310B-0A88-4A2E-BD5E-2628CCF65050}" type="datetimeFigureOut">
               <a:rPr lang="hu-HU" smtClean="0"/>
-              <a:t>2024. 02. 07.</a:t>
+              <a:t>2024. 02. 09.</a:t>
             </a:fld>
             <a:endParaRPr lang="hu-HU"/>
           </a:p>
@@ -7245,7 +7314,7 @@
           </a:lstStyle>
           <a:p>
             <a:r>
-              <a:rPr lang="hu-HU" smtClean="0"/>
+              <a:rPr lang="hu-HU"/>
               <a:t>Mintacím szerkesztése</a:t>
             </a:r>
             <a:endParaRPr lang="en-US" dirty="0"/>
@@ -7318,7 +7387,7 @@
           </a:lstStyle>
           <a:p>
             <a:r>
-              <a:rPr lang="hu-HU" smtClean="0"/>
+              <a:rPr lang="hu-HU"/>
               <a:t>Kép beszúrásához kattintson az ikonra</a:t>
             </a:r>
             <a:endParaRPr lang="en-US" dirty="0"/>
@@ -7386,7 +7455,7 @@
           <a:p>
             <a:pPr lvl="0"/>
             <a:r>
-              <a:rPr lang="hu-HU" smtClean="0"/>
+              <a:rPr lang="hu-HU"/>
               <a:t>Mintaszöveg szerkesztése</a:t>
             </a:r>
           </a:p>
@@ -7409,7 +7478,7 @@
           <a:p>
             <a:fld id="{90B8310B-0A88-4A2E-BD5E-2628CCF65050}" type="datetimeFigureOut">
               <a:rPr lang="hu-HU" smtClean="0"/>
-              <a:t>2024. 02. 07.</a:t>
+              <a:t>2024. 02. 09.</a:t>
             </a:fld>
             <a:endParaRPr lang="hu-HU"/>
           </a:p>
@@ -7708,7 +7777,7 @@
           <a:lstStyle/>
           <a:p>
             <a:r>
-              <a:rPr lang="hu-HU" smtClean="0"/>
+              <a:rPr lang="hu-HU"/>
               <a:t>Mintacím szerkesztése</a:t>
             </a:r>
             <a:endParaRPr lang="en-US" dirty="0"/>
@@ -7742,35 +7811,35 @@
           <a:p>
             <a:pPr lvl="0"/>
             <a:r>
-              <a:rPr lang="hu-HU" smtClean="0"/>
+              <a:rPr lang="hu-HU"/>
               <a:t>Mintaszöveg szerkesztése</a:t>
             </a:r>
           </a:p>
           <a:p>
             <a:pPr lvl="1"/>
             <a:r>
-              <a:rPr lang="hu-HU" smtClean="0"/>
+              <a:rPr lang="hu-HU"/>
               <a:t>Második szint</a:t>
             </a:r>
           </a:p>
           <a:p>
             <a:pPr lvl="2"/>
             <a:r>
-              <a:rPr lang="hu-HU" smtClean="0"/>
+              <a:rPr lang="hu-HU"/>
               <a:t>Harmadik szint</a:t>
             </a:r>
           </a:p>
           <a:p>
             <a:pPr lvl="3"/>
             <a:r>
-              <a:rPr lang="hu-HU" smtClean="0"/>
+              <a:rPr lang="hu-HU"/>
               <a:t>Negyedik szint</a:t>
             </a:r>
           </a:p>
           <a:p>
             <a:pPr lvl="4"/>
             <a:r>
-              <a:rPr lang="hu-HU" smtClean="0"/>
+              <a:rPr lang="hu-HU"/>
               <a:t>Ötödik szint</a:t>
             </a:r>
             <a:endParaRPr lang="en-US" dirty="0"/>
@@ -7812,7 +7881,7 @@
           <a:p>
             <a:fld id="{90B8310B-0A88-4A2E-BD5E-2628CCF65050}" type="datetimeFigureOut">
               <a:rPr lang="hu-HU" smtClean="0"/>
-              <a:t>2024. 02. 07.</a:t>
+              <a:t>2024. 02. 09.</a:t>
             </a:fld>
             <a:endParaRPr lang="hu-HU"/>
           </a:p>
@@ -8286,10 +8355,9 @@
           <a:lstStyle/>
           <a:p>
             <a:r>
-              <a:rPr lang="hu-HU" dirty="0" smtClean="0"/>
+              <a:rPr lang="hu-HU" dirty="0"/>
               <a:t>Projektmunka</a:t>
             </a:r>
-            <a:endParaRPr lang="hu-HU" dirty="0"/>
           </a:p>
         </p:txBody>
       </p:sp>
@@ -8309,11 +8377,11 @@
           <a:lstStyle/>
           <a:p>
             <a:r>
-              <a:rPr lang="hu-HU" dirty="0" smtClean="0"/>
+              <a:rPr lang="hu-HU" dirty="0"/>
               <a:t>Szókitaláló program - </a:t>
             </a:r>
             <a:r>
-              <a:rPr lang="hu-HU" dirty="0" err="1" smtClean="0"/>
+              <a:rPr lang="hu-HU" dirty="0" err="1"/>
               <a:t>python</a:t>
             </a:r>
             <a:endParaRPr lang="hu-HU" dirty="0"/>
@@ -8330,13 +8398,13 @@
   <p:clrMapOvr>
     <a:masterClrMapping/>
   </p:clrMapOvr>
-  <mc:AlternateContent xmlns:mc="http://schemas.openxmlformats.org/markup-compatibility/2006">
-    <mc:Choice xmlns:p14="http://schemas.microsoft.com/office/powerpoint/2010/main" Requires="p14">
+  <mc:AlternateContent xmlns:mc="http://schemas.openxmlformats.org/markup-compatibility/2006" xmlns:p14="http://schemas.microsoft.com/office/powerpoint/2010/main">
+    <mc:Choice Requires="p14">
       <p:transition spd="slow" p14:dur="4000">
         <p14:vortex dir="r"/>
       </p:transition>
     </mc:Choice>
-    <mc:Fallback>
+    <mc:Fallback xmlns="">
       <p:transition spd="slow">
         <p:fade/>
       </p:transition>
@@ -8618,10 +8686,9 @@
           <a:lstStyle/>
           <a:p>
             <a:r>
-              <a:rPr lang="hu-HU" dirty="0" smtClean="0"/>
+              <a:rPr lang="hu-HU" dirty="0"/>
               <a:t>A játék:</a:t>
             </a:r>
-            <a:endParaRPr lang="hu-HU" dirty="0"/>
           </a:p>
         </p:txBody>
       </p:sp>
@@ -8651,11 +8718,11 @@
               <a:buNone/>
             </a:pPr>
             <a:r>
-              <a:rPr lang="hu-HU" sz="4200" dirty="0" smtClean="0"/>
+              <a:rPr lang="hu-HU" sz="4200" dirty="0"/>
               <a:t>KEZDŐKÉPERNYŐ</a:t>
             </a:r>
             <a:r>
-              <a:rPr lang="hu-HU" sz="4100" dirty="0" smtClean="0"/>
+              <a:rPr lang="hu-HU" sz="4100" dirty="0"/>
               <a:t>:</a:t>
             </a:r>
           </a:p>
@@ -8664,14 +8731,13 @@
               <a:buNone/>
             </a:pPr>
             <a:r>
-              <a:rPr lang="hu-HU" sz="3100" dirty="0" smtClean="0"/>
+              <a:rPr lang="hu-HU" sz="3100" dirty="0"/>
               <a:t>BELÉPÉS/REGISZTRÁLÁS UTÁN KEZDHETI A JÁTÉKOT</a:t>
             </a:r>
             <a:r>
-              <a:rPr lang="hu-HU" sz="5100" dirty="0" smtClean="0"/>
+              <a:rPr lang="hu-HU" sz="5100" dirty="0"/>
               <a:t>.</a:t>
             </a:r>
-            <a:endParaRPr lang="hu-HU" sz="5100" dirty="0"/>
           </a:p>
         </p:txBody>
       </p:sp>
@@ -8715,9 +8781,353 @@
   <p:timing>
     <p:tnLst>
       <p:par>
-        <p:cTn id="1" dur="indefinite" restart="never" nodeType="tmRoot"/>
+        <p:cTn id="1" dur="indefinite" restart="never" nodeType="tmRoot">
+          <p:childTnLst>
+            <p:seq concurrent="1" nextAc="seek">
+              <p:cTn id="2" dur="indefinite" nodeType="mainSeq">
+                <p:childTnLst>
+                  <p:par>
+                    <p:cTn id="3" fill="hold">
+                      <p:stCondLst>
+                        <p:cond delay="indefinite"/>
+                      </p:stCondLst>
+                      <p:childTnLst>
+                        <p:par>
+                          <p:cTn id="4" fill="hold">
+                            <p:stCondLst>
+                              <p:cond delay="0"/>
+                            </p:stCondLst>
+                            <p:childTnLst>
+                              <p:par>
+                                <p:cTn id="5" presetID="14" presetClass="entr" presetSubtype="10" fill="hold" grpId="0" nodeType="clickEffect">
+                                  <p:stCondLst>
+                                    <p:cond delay="0"/>
+                                  </p:stCondLst>
+                                  <p:childTnLst>
+                                    <p:set>
+                                      <p:cBhvr>
+                                        <p:cTn id="6" dur="1" fill="hold">
+                                          <p:stCondLst>
+                                            <p:cond delay="0"/>
+                                          </p:stCondLst>
+                                        </p:cTn>
+                                        <p:tgtEl>
+                                          <p:spTgt spid="2"/>
+                                        </p:tgtEl>
+                                        <p:attrNameLst>
+                                          <p:attrName>style.visibility</p:attrName>
+                                        </p:attrNameLst>
+                                      </p:cBhvr>
+                                      <p:to>
+                                        <p:strVal val="visible"/>
+                                      </p:to>
+                                    </p:set>
+                                    <p:animEffect transition="in" filter="randombar(horizontal)">
+                                      <p:cBhvr>
+                                        <p:cTn id="7" dur="500"/>
+                                        <p:tgtEl>
+                                          <p:spTgt spid="2"/>
+                                        </p:tgtEl>
+                                      </p:cBhvr>
+                                    </p:animEffect>
+                                  </p:childTnLst>
+                                </p:cTn>
+                              </p:par>
+                            </p:childTnLst>
+                          </p:cTn>
+                        </p:par>
+                      </p:childTnLst>
+                    </p:cTn>
+                  </p:par>
+                  <p:par>
+                    <p:cTn id="8" fill="hold">
+                      <p:stCondLst>
+                        <p:cond delay="indefinite"/>
+                      </p:stCondLst>
+                      <p:childTnLst>
+                        <p:par>
+                          <p:cTn id="9" fill="hold">
+                            <p:stCondLst>
+                              <p:cond delay="0"/>
+                            </p:stCondLst>
+                            <p:childTnLst>
+                              <p:par>
+                                <p:cTn id="10" presetID="45" presetClass="entr" presetSubtype="0" fill="hold" nodeType="clickEffect">
+                                  <p:stCondLst>
+                                    <p:cond delay="0"/>
+                                  </p:stCondLst>
+                                  <p:childTnLst>
+                                    <p:set>
+                                      <p:cBhvr>
+                                        <p:cTn id="11" dur="1" fill="hold">
+                                          <p:stCondLst>
+                                            <p:cond delay="0"/>
+                                          </p:stCondLst>
+                                        </p:cTn>
+                                        <p:tgtEl>
+                                          <p:spTgt spid="3">
+                                            <p:txEl>
+                                              <p:pRg st="0" end="0"/>
+                                            </p:txEl>
+                                          </p:spTgt>
+                                        </p:tgtEl>
+                                        <p:attrNameLst>
+                                          <p:attrName>style.visibility</p:attrName>
+                                        </p:attrNameLst>
+                                      </p:cBhvr>
+                                      <p:to>
+                                        <p:strVal val="visible"/>
+                                      </p:to>
+                                    </p:set>
+                                    <p:animEffect transition="in" filter="fade">
+                                      <p:cBhvr>
+                                        <p:cTn id="12" dur="2000"/>
+                                        <p:tgtEl>
+                                          <p:spTgt spid="3">
+                                            <p:txEl>
+                                              <p:pRg st="0" end="0"/>
+                                            </p:txEl>
+                                          </p:spTgt>
+                                        </p:tgtEl>
+                                      </p:cBhvr>
+                                    </p:animEffect>
+                                    <p:anim calcmode="lin" valueType="num">
+                                      <p:cBhvr>
+                                        <p:cTn id="13" dur="2000" fill="hold"/>
+                                        <p:tgtEl>
+                                          <p:spTgt spid="3">
+                                            <p:txEl>
+                                              <p:pRg st="0" end="0"/>
+                                            </p:txEl>
+                                          </p:spTgt>
+                                        </p:tgtEl>
+                                        <p:attrNameLst>
+                                          <p:attrName>ppt_w</p:attrName>
+                                        </p:attrNameLst>
+                                      </p:cBhvr>
+                                      <p:tavLst>
+                                        <p:tav tm="0" fmla="#ppt_w*sin(2.5*pi*$)">
+                                          <p:val>
+                                            <p:fltVal val="0"/>
+                                          </p:val>
+                                        </p:tav>
+                                        <p:tav tm="100000">
+                                          <p:val>
+                                            <p:fltVal val="1"/>
+                                          </p:val>
+                                        </p:tav>
+                                      </p:tavLst>
+                                    </p:anim>
+                                    <p:anim calcmode="lin" valueType="num">
+                                      <p:cBhvr>
+                                        <p:cTn id="14" dur="2000" fill="hold"/>
+                                        <p:tgtEl>
+                                          <p:spTgt spid="3">
+                                            <p:txEl>
+                                              <p:pRg st="0" end="0"/>
+                                            </p:txEl>
+                                          </p:spTgt>
+                                        </p:tgtEl>
+                                        <p:attrNameLst>
+                                          <p:attrName>ppt_h</p:attrName>
+                                        </p:attrNameLst>
+                                      </p:cBhvr>
+                                      <p:tavLst>
+                                        <p:tav tm="0">
+                                          <p:val>
+                                            <p:strVal val="#ppt_h"/>
+                                          </p:val>
+                                        </p:tav>
+                                        <p:tav tm="100000">
+                                          <p:val>
+                                            <p:strVal val="#ppt_h"/>
+                                          </p:val>
+                                        </p:tav>
+                                      </p:tavLst>
+                                    </p:anim>
+                                  </p:childTnLst>
+                                </p:cTn>
+                              </p:par>
+                              <p:par>
+                                <p:cTn id="15" presetID="45" presetClass="entr" presetSubtype="0" fill="hold" nodeType="withEffect">
+                                  <p:stCondLst>
+                                    <p:cond delay="0"/>
+                                  </p:stCondLst>
+                                  <p:childTnLst>
+                                    <p:set>
+                                      <p:cBhvr>
+                                        <p:cTn id="16" dur="1" fill="hold">
+                                          <p:stCondLst>
+                                            <p:cond delay="0"/>
+                                          </p:stCondLst>
+                                        </p:cTn>
+                                        <p:tgtEl>
+                                          <p:spTgt spid="3">
+                                            <p:txEl>
+                                              <p:pRg st="1" end="1"/>
+                                            </p:txEl>
+                                          </p:spTgt>
+                                        </p:tgtEl>
+                                        <p:attrNameLst>
+                                          <p:attrName>style.visibility</p:attrName>
+                                        </p:attrNameLst>
+                                      </p:cBhvr>
+                                      <p:to>
+                                        <p:strVal val="visible"/>
+                                      </p:to>
+                                    </p:set>
+                                    <p:animEffect transition="in" filter="fade">
+                                      <p:cBhvr>
+                                        <p:cTn id="17" dur="2000"/>
+                                        <p:tgtEl>
+                                          <p:spTgt spid="3">
+                                            <p:txEl>
+                                              <p:pRg st="1" end="1"/>
+                                            </p:txEl>
+                                          </p:spTgt>
+                                        </p:tgtEl>
+                                      </p:cBhvr>
+                                    </p:animEffect>
+                                    <p:anim calcmode="lin" valueType="num">
+                                      <p:cBhvr>
+                                        <p:cTn id="18" dur="2000" fill="hold"/>
+                                        <p:tgtEl>
+                                          <p:spTgt spid="3">
+                                            <p:txEl>
+                                              <p:pRg st="1" end="1"/>
+                                            </p:txEl>
+                                          </p:spTgt>
+                                        </p:tgtEl>
+                                        <p:attrNameLst>
+                                          <p:attrName>ppt_w</p:attrName>
+                                        </p:attrNameLst>
+                                      </p:cBhvr>
+                                      <p:tavLst>
+                                        <p:tav tm="0" fmla="#ppt_w*sin(2.5*pi*$)">
+                                          <p:val>
+                                            <p:fltVal val="0"/>
+                                          </p:val>
+                                        </p:tav>
+                                        <p:tav tm="100000">
+                                          <p:val>
+                                            <p:fltVal val="1"/>
+                                          </p:val>
+                                        </p:tav>
+                                      </p:tavLst>
+                                    </p:anim>
+                                    <p:anim calcmode="lin" valueType="num">
+                                      <p:cBhvr>
+                                        <p:cTn id="19" dur="2000" fill="hold"/>
+                                        <p:tgtEl>
+                                          <p:spTgt spid="3">
+                                            <p:txEl>
+                                              <p:pRg st="1" end="1"/>
+                                            </p:txEl>
+                                          </p:spTgt>
+                                        </p:tgtEl>
+                                        <p:attrNameLst>
+                                          <p:attrName>ppt_h</p:attrName>
+                                        </p:attrNameLst>
+                                      </p:cBhvr>
+                                      <p:tavLst>
+                                        <p:tav tm="0">
+                                          <p:val>
+                                            <p:strVal val="#ppt_h"/>
+                                          </p:val>
+                                        </p:tav>
+                                        <p:tav tm="100000">
+                                          <p:val>
+                                            <p:strVal val="#ppt_h"/>
+                                          </p:val>
+                                        </p:tav>
+                                      </p:tavLst>
+                                    </p:anim>
+                                  </p:childTnLst>
+                                </p:cTn>
+                              </p:par>
+                            </p:childTnLst>
+                          </p:cTn>
+                        </p:par>
+                      </p:childTnLst>
+                    </p:cTn>
+                  </p:par>
+                  <p:par>
+                    <p:cTn id="20" fill="hold">
+                      <p:stCondLst>
+                        <p:cond delay="indefinite"/>
+                      </p:stCondLst>
+                      <p:childTnLst>
+                        <p:par>
+                          <p:cTn id="21" fill="hold">
+                            <p:stCondLst>
+                              <p:cond delay="0"/>
+                            </p:stCondLst>
+                            <p:childTnLst>
+                              <p:par>
+                                <p:cTn id="22" presetID="21" presetClass="entr" presetSubtype="1" fill="hold" nodeType="clickEffect">
+                                  <p:stCondLst>
+                                    <p:cond delay="0"/>
+                                  </p:stCondLst>
+                                  <p:childTnLst>
+                                    <p:set>
+                                      <p:cBhvr>
+                                        <p:cTn id="23" dur="1" fill="hold">
+                                          <p:stCondLst>
+                                            <p:cond delay="0"/>
+                                          </p:stCondLst>
+                                        </p:cTn>
+                                        <p:tgtEl>
+                                          <p:spTgt spid="4"/>
+                                        </p:tgtEl>
+                                        <p:attrNameLst>
+                                          <p:attrName>style.visibility</p:attrName>
+                                        </p:attrNameLst>
+                                      </p:cBhvr>
+                                      <p:to>
+                                        <p:strVal val="visible"/>
+                                      </p:to>
+                                    </p:set>
+                                    <p:animEffect transition="in" filter="wheel(1)">
+                                      <p:cBhvr>
+                                        <p:cTn id="24" dur="2000"/>
+                                        <p:tgtEl>
+                                          <p:spTgt spid="4"/>
+                                        </p:tgtEl>
+                                      </p:cBhvr>
+                                    </p:animEffect>
+                                  </p:childTnLst>
+                                </p:cTn>
+                              </p:par>
+                            </p:childTnLst>
+                          </p:cTn>
+                        </p:par>
+                      </p:childTnLst>
+                    </p:cTn>
+                  </p:par>
+                </p:childTnLst>
+              </p:cTn>
+              <p:prevCondLst>
+                <p:cond evt="onPrev" delay="0">
+                  <p:tgtEl>
+                    <p:sldTgt/>
+                  </p:tgtEl>
+                </p:cond>
+              </p:prevCondLst>
+              <p:nextCondLst>
+                <p:cond evt="onNext" delay="0">
+                  <p:tgtEl>
+                    <p:sldTgt/>
+                  </p:tgtEl>
+                </p:cond>
+              </p:nextCondLst>
+            </p:seq>
+          </p:childTnLst>
+        </p:cTn>
       </p:par>
     </p:tnLst>
+    <p:bldLst>
+      <p:bldP spid="2" grpId="0"/>
+    </p:bldLst>
   </p:timing>
 </p:sld>
 </file>
@@ -8758,7 +9168,7 @@
         </p:spPr>
         <p:txBody>
           <a:bodyPr>
-            <a:normAutofit lnSpcReduction="10000"/>
+            <a:normAutofit/>
           </a:bodyPr>
           <a:lstStyle>
             <a:lvl1pPr marL="228600" indent="-228600" algn="l" defTabSz="914400" rtl="0" eaLnBrk="1" latinLnBrk="0" hangingPunct="1">
@@ -8975,7 +9385,7 @@
               <a:buNone/>
             </a:pPr>
             <a:r>
-              <a:rPr lang="hu-HU" sz="3600" dirty="0" smtClean="0"/>
+              <a:rPr lang="hu-HU" sz="3600" dirty="0"/>
               <a:t>Beléptető rendszer:</a:t>
             </a:r>
           </a:p>
@@ -8985,10 +9395,9 @@
               <a:buNone/>
             </a:pPr>
             <a:r>
-              <a:rPr lang="hu-HU" sz="2400" cap="none" dirty="0" smtClean="0"/>
+              <a:rPr lang="hu-HU" sz="2400" cap="none" dirty="0"/>
               <a:t>Ha regisztrált a rendszer felfogja ismerni a felhasználót(/email címet) és jelszavát és kiírja ha esetleg rossz jelszót írt be.</a:t>
             </a:r>
-            <a:endParaRPr lang="hu-HU" sz="2400" cap="none" dirty="0" smtClean="0"/>
           </a:p>
         </p:txBody>
       </p:sp>
@@ -9063,10 +9472,9 @@
           <a:lstStyle/>
           <a:p>
             <a:r>
-              <a:rPr lang="hu-HU" sz="2400" dirty="0" smtClean="0"/>
+              <a:rPr lang="hu-HU" sz="2400" dirty="0"/>
               <a:t>Sikertelen bejelentkezés:</a:t>
             </a:r>
-            <a:endParaRPr lang="hu-HU" sz="2400" dirty="0"/>
           </a:p>
         </p:txBody>
       </p:sp>
@@ -9093,10 +9501,9 @@
           <a:lstStyle/>
           <a:p>
             <a:r>
-              <a:rPr lang="hu-HU" sz="2400" dirty="0" smtClean="0"/>
+              <a:rPr lang="hu-HU" sz="2400" dirty="0"/>
               <a:t>Sikeres bejelentkezés:</a:t>
             </a:r>
-            <a:endParaRPr lang="hu-HU" sz="2400" dirty="0"/>
           </a:p>
         </p:txBody>
       </p:sp>
@@ -9110,13 +9517,13 @@
   <p:clrMapOvr>
     <a:masterClrMapping/>
   </p:clrMapOvr>
-  <mc:AlternateContent xmlns:mc="http://schemas.openxmlformats.org/markup-compatibility/2006">
-    <mc:Choice xmlns:p15="http://schemas.microsoft.com/office/powerpoint/2012/main" Requires="p15">
+  <mc:AlternateContent xmlns:mc="http://schemas.openxmlformats.org/markup-compatibility/2006" xmlns:p15="http://schemas.microsoft.com/office/powerpoint/2012/main">
+    <mc:Choice Requires="p15">
       <p:transition xmlns:p14="http://schemas.microsoft.com/office/powerpoint/2010/main" spd="slow" p14:dur="2000">
         <p15:prstTrans prst="fracture"/>
       </p:transition>
     </mc:Choice>
-    <mc:Fallback>
+    <mc:Fallback xmlns="">
       <p:transition spd="slow">
         <p:fade/>
       </p:transition>
@@ -9125,7 +9532,470 @@
   <p:timing>
     <p:tnLst>
       <p:par>
-        <p:cTn id="1" dur="indefinite" restart="never" nodeType="tmRoot"/>
+        <p:cTn id="1" dur="indefinite" restart="never" nodeType="tmRoot">
+          <p:childTnLst>
+            <p:seq concurrent="1" nextAc="seek">
+              <p:cTn id="2" dur="indefinite" nodeType="mainSeq">
+                <p:childTnLst>
+                  <p:par>
+                    <p:cTn id="3" fill="hold">
+                      <p:stCondLst>
+                        <p:cond delay="indefinite"/>
+                      </p:stCondLst>
+                      <p:childTnLst>
+                        <p:par>
+                          <p:cTn id="4" fill="hold">
+                            <p:stCondLst>
+                              <p:cond delay="0"/>
+                            </p:stCondLst>
+                            <p:childTnLst>
+                              <p:par>
+                                <p:cTn id="5" presetID="42" presetClass="entr" presetSubtype="0" fill="hold" nodeType="clickEffect">
+                                  <p:stCondLst>
+                                    <p:cond delay="0"/>
+                                  </p:stCondLst>
+                                  <p:childTnLst>
+                                    <p:set>
+                                      <p:cBhvr>
+                                        <p:cTn id="6" dur="1" fill="hold">
+                                          <p:stCondLst>
+                                            <p:cond delay="0"/>
+                                          </p:stCondLst>
+                                        </p:cTn>
+                                        <p:tgtEl>
+                                          <p:spTgt spid="4">
+                                            <p:txEl>
+                                              <p:pRg st="0" end="0"/>
+                                            </p:txEl>
+                                          </p:spTgt>
+                                        </p:tgtEl>
+                                        <p:attrNameLst>
+                                          <p:attrName>style.visibility</p:attrName>
+                                        </p:attrNameLst>
+                                      </p:cBhvr>
+                                      <p:to>
+                                        <p:strVal val="visible"/>
+                                      </p:to>
+                                    </p:set>
+                                    <p:animEffect transition="in" filter="fade">
+                                      <p:cBhvr>
+                                        <p:cTn id="7" dur="1000"/>
+                                        <p:tgtEl>
+                                          <p:spTgt spid="4">
+                                            <p:txEl>
+                                              <p:pRg st="0" end="0"/>
+                                            </p:txEl>
+                                          </p:spTgt>
+                                        </p:tgtEl>
+                                      </p:cBhvr>
+                                    </p:animEffect>
+                                    <p:anim calcmode="lin" valueType="num">
+                                      <p:cBhvr>
+                                        <p:cTn id="8" dur="1000" fill="hold"/>
+                                        <p:tgtEl>
+                                          <p:spTgt spid="4">
+                                            <p:txEl>
+                                              <p:pRg st="0" end="0"/>
+                                            </p:txEl>
+                                          </p:spTgt>
+                                        </p:tgtEl>
+                                        <p:attrNameLst>
+                                          <p:attrName>ppt_x</p:attrName>
+                                        </p:attrNameLst>
+                                      </p:cBhvr>
+                                      <p:tavLst>
+                                        <p:tav tm="0">
+                                          <p:val>
+                                            <p:strVal val="#ppt_x"/>
+                                          </p:val>
+                                        </p:tav>
+                                        <p:tav tm="100000">
+                                          <p:val>
+                                            <p:strVal val="#ppt_x"/>
+                                          </p:val>
+                                        </p:tav>
+                                      </p:tavLst>
+                                    </p:anim>
+                                    <p:anim calcmode="lin" valueType="num">
+                                      <p:cBhvr>
+                                        <p:cTn id="9" dur="1000" fill="hold"/>
+                                        <p:tgtEl>
+                                          <p:spTgt spid="4">
+                                            <p:txEl>
+                                              <p:pRg st="0" end="0"/>
+                                            </p:txEl>
+                                          </p:spTgt>
+                                        </p:tgtEl>
+                                        <p:attrNameLst>
+                                          <p:attrName>ppt_y</p:attrName>
+                                        </p:attrNameLst>
+                                      </p:cBhvr>
+                                      <p:tavLst>
+                                        <p:tav tm="0">
+                                          <p:val>
+                                            <p:strVal val="#ppt_y+.1"/>
+                                          </p:val>
+                                        </p:tav>
+                                        <p:tav tm="100000">
+                                          <p:val>
+                                            <p:strVal val="#ppt_y"/>
+                                          </p:val>
+                                        </p:tav>
+                                      </p:tavLst>
+                                    </p:anim>
+                                  </p:childTnLst>
+                                </p:cTn>
+                              </p:par>
+                              <p:par>
+                                <p:cTn id="10" presetID="42" presetClass="entr" presetSubtype="0" fill="hold" nodeType="withEffect">
+                                  <p:stCondLst>
+                                    <p:cond delay="0"/>
+                                  </p:stCondLst>
+                                  <p:childTnLst>
+                                    <p:set>
+                                      <p:cBhvr>
+                                        <p:cTn id="11" dur="1" fill="hold">
+                                          <p:stCondLst>
+                                            <p:cond delay="0"/>
+                                          </p:stCondLst>
+                                        </p:cTn>
+                                        <p:tgtEl>
+                                          <p:spTgt spid="4">
+                                            <p:txEl>
+                                              <p:pRg st="1" end="1"/>
+                                            </p:txEl>
+                                          </p:spTgt>
+                                        </p:tgtEl>
+                                        <p:attrNameLst>
+                                          <p:attrName>style.visibility</p:attrName>
+                                        </p:attrNameLst>
+                                      </p:cBhvr>
+                                      <p:to>
+                                        <p:strVal val="visible"/>
+                                      </p:to>
+                                    </p:set>
+                                    <p:animEffect transition="in" filter="fade">
+                                      <p:cBhvr>
+                                        <p:cTn id="12" dur="1000"/>
+                                        <p:tgtEl>
+                                          <p:spTgt spid="4">
+                                            <p:txEl>
+                                              <p:pRg st="1" end="1"/>
+                                            </p:txEl>
+                                          </p:spTgt>
+                                        </p:tgtEl>
+                                      </p:cBhvr>
+                                    </p:animEffect>
+                                    <p:anim calcmode="lin" valueType="num">
+                                      <p:cBhvr>
+                                        <p:cTn id="13" dur="1000" fill="hold"/>
+                                        <p:tgtEl>
+                                          <p:spTgt spid="4">
+                                            <p:txEl>
+                                              <p:pRg st="1" end="1"/>
+                                            </p:txEl>
+                                          </p:spTgt>
+                                        </p:tgtEl>
+                                        <p:attrNameLst>
+                                          <p:attrName>ppt_x</p:attrName>
+                                        </p:attrNameLst>
+                                      </p:cBhvr>
+                                      <p:tavLst>
+                                        <p:tav tm="0">
+                                          <p:val>
+                                            <p:strVal val="#ppt_x"/>
+                                          </p:val>
+                                        </p:tav>
+                                        <p:tav tm="100000">
+                                          <p:val>
+                                            <p:strVal val="#ppt_x"/>
+                                          </p:val>
+                                        </p:tav>
+                                      </p:tavLst>
+                                    </p:anim>
+                                    <p:anim calcmode="lin" valueType="num">
+                                      <p:cBhvr>
+                                        <p:cTn id="14" dur="1000" fill="hold"/>
+                                        <p:tgtEl>
+                                          <p:spTgt spid="4">
+                                            <p:txEl>
+                                              <p:pRg st="1" end="1"/>
+                                            </p:txEl>
+                                          </p:spTgt>
+                                        </p:tgtEl>
+                                        <p:attrNameLst>
+                                          <p:attrName>ppt_y</p:attrName>
+                                        </p:attrNameLst>
+                                      </p:cBhvr>
+                                      <p:tavLst>
+                                        <p:tav tm="0">
+                                          <p:val>
+                                            <p:strVal val="#ppt_y+.1"/>
+                                          </p:val>
+                                        </p:tav>
+                                        <p:tav tm="100000">
+                                          <p:val>
+                                            <p:strVal val="#ppt_y"/>
+                                          </p:val>
+                                        </p:tav>
+                                      </p:tavLst>
+                                    </p:anim>
+                                  </p:childTnLst>
+                                </p:cTn>
+                              </p:par>
+                            </p:childTnLst>
+                          </p:cTn>
+                        </p:par>
+                      </p:childTnLst>
+                    </p:cTn>
+                  </p:par>
+                  <p:par>
+                    <p:cTn id="15" fill="hold">
+                      <p:stCondLst>
+                        <p:cond delay="indefinite"/>
+                      </p:stCondLst>
+                      <p:childTnLst>
+                        <p:par>
+                          <p:cTn id="16" fill="hold">
+                            <p:stCondLst>
+                              <p:cond delay="0"/>
+                            </p:stCondLst>
+                            <p:childTnLst>
+                              <p:par>
+                                <p:cTn id="17" presetID="21" presetClass="entr" presetSubtype="1" fill="hold" nodeType="clickEffect">
+                                  <p:stCondLst>
+                                    <p:cond delay="0"/>
+                                  </p:stCondLst>
+                                  <p:childTnLst>
+                                    <p:set>
+                                      <p:cBhvr>
+                                        <p:cTn id="18" dur="1" fill="hold">
+                                          <p:stCondLst>
+                                            <p:cond delay="0"/>
+                                          </p:stCondLst>
+                                        </p:cTn>
+                                        <p:tgtEl>
+                                          <p:spTgt spid="5"/>
+                                        </p:tgtEl>
+                                        <p:attrNameLst>
+                                          <p:attrName>style.visibility</p:attrName>
+                                        </p:attrNameLst>
+                                      </p:cBhvr>
+                                      <p:to>
+                                        <p:strVal val="visible"/>
+                                      </p:to>
+                                    </p:set>
+                                    <p:animEffect transition="in" filter="wheel(1)">
+                                      <p:cBhvr>
+                                        <p:cTn id="19" dur="2000"/>
+                                        <p:tgtEl>
+                                          <p:spTgt spid="5"/>
+                                        </p:tgtEl>
+                                      </p:cBhvr>
+                                    </p:animEffect>
+                                  </p:childTnLst>
+                                </p:cTn>
+                              </p:par>
+                            </p:childTnLst>
+                          </p:cTn>
+                        </p:par>
+                      </p:childTnLst>
+                    </p:cTn>
+                  </p:par>
+                  <p:par>
+                    <p:cTn id="20" fill="hold">
+                      <p:stCondLst>
+                        <p:cond delay="indefinite"/>
+                      </p:stCondLst>
+                      <p:childTnLst>
+                        <p:par>
+                          <p:cTn id="21" fill="hold">
+                            <p:stCondLst>
+                              <p:cond delay="0"/>
+                            </p:stCondLst>
+                            <p:childTnLst>
+                              <p:par>
+                                <p:cTn id="22" presetID="22" presetClass="entr" presetSubtype="4" fill="hold" nodeType="clickEffect">
+                                  <p:stCondLst>
+                                    <p:cond delay="0"/>
+                                  </p:stCondLst>
+                                  <p:childTnLst>
+                                    <p:set>
+                                      <p:cBhvr>
+                                        <p:cTn id="23" dur="1" fill="hold">
+                                          <p:stCondLst>
+                                            <p:cond delay="0"/>
+                                          </p:stCondLst>
+                                        </p:cTn>
+                                        <p:tgtEl>
+                                          <p:spTgt spid="7">
+                                            <p:txEl>
+                                              <p:pRg st="0" end="0"/>
+                                            </p:txEl>
+                                          </p:spTgt>
+                                        </p:tgtEl>
+                                        <p:attrNameLst>
+                                          <p:attrName>style.visibility</p:attrName>
+                                        </p:attrNameLst>
+                                      </p:cBhvr>
+                                      <p:to>
+                                        <p:strVal val="visible"/>
+                                      </p:to>
+                                    </p:set>
+                                    <p:animEffect transition="in" filter="wipe(down)">
+                                      <p:cBhvr>
+                                        <p:cTn id="24" dur="500"/>
+                                        <p:tgtEl>
+                                          <p:spTgt spid="7">
+                                            <p:txEl>
+                                              <p:pRg st="0" end="0"/>
+                                            </p:txEl>
+                                          </p:spTgt>
+                                        </p:tgtEl>
+                                      </p:cBhvr>
+                                    </p:animEffect>
+                                  </p:childTnLst>
+                                </p:cTn>
+                              </p:par>
+                            </p:childTnLst>
+                          </p:cTn>
+                        </p:par>
+                      </p:childTnLst>
+                    </p:cTn>
+                  </p:par>
+                  <p:par>
+                    <p:cTn id="25" fill="hold">
+                      <p:stCondLst>
+                        <p:cond delay="indefinite"/>
+                      </p:stCondLst>
+                      <p:childTnLst>
+                        <p:par>
+                          <p:cTn id="26" fill="hold">
+                            <p:stCondLst>
+                              <p:cond delay="0"/>
+                            </p:stCondLst>
+                            <p:childTnLst>
+                              <p:par>
+                                <p:cTn id="27" presetID="21" presetClass="entr" presetSubtype="1" fill="hold" nodeType="clickEffect">
+                                  <p:stCondLst>
+                                    <p:cond delay="0"/>
+                                  </p:stCondLst>
+                                  <p:childTnLst>
+                                    <p:set>
+                                      <p:cBhvr>
+                                        <p:cTn id="28" dur="1" fill="hold">
+                                          <p:stCondLst>
+                                            <p:cond delay="0"/>
+                                          </p:stCondLst>
+                                        </p:cTn>
+                                        <p:tgtEl>
+                                          <p:spTgt spid="6"/>
+                                        </p:tgtEl>
+                                        <p:attrNameLst>
+                                          <p:attrName>style.visibility</p:attrName>
+                                        </p:attrNameLst>
+                                      </p:cBhvr>
+                                      <p:to>
+                                        <p:strVal val="visible"/>
+                                      </p:to>
+                                    </p:set>
+                                    <p:animEffect transition="in" filter="wheel(1)">
+                                      <p:cBhvr>
+                                        <p:cTn id="29" dur="2000"/>
+                                        <p:tgtEl>
+                                          <p:spTgt spid="6"/>
+                                        </p:tgtEl>
+                                      </p:cBhvr>
+                                    </p:animEffect>
+                                  </p:childTnLst>
+                                </p:cTn>
+                              </p:par>
+                            </p:childTnLst>
+                          </p:cTn>
+                        </p:par>
+                      </p:childTnLst>
+                    </p:cTn>
+                  </p:par>
+                  <p:par>
+                    <p:cTn id="30" fill="hold">
+                      <p:stCondLst>
+                        <p:cond delay="indefinite"/>
+                      </p:stCondLst>
+                      <p:childTnLst>
+                        <p:par>
+                          <p:cTn id="31" fill="hold">
+                            <p:stCondLst>
+                              <p:cond delay="0"/>
+                            </p:stCondLst>
+                            <p:childTnLst>
+                              <p:par>
+                                <p:cTn id="32" presetID="22" presetClass="entr" presetSubtype="4" fill="hold" nodeType="clickEffect">
+                                  <p:stCondLst>
+                                    <p:cond delay="0"/>
+                                  </p:stCondLst>
+                                  <p:childTnLst>
+                                    <p:set>
+                                      <p:cBhvr>
+                                        <p:cTn id="33" dur="1" fill="hold">
+                                          <p:stCondLst>
+                                            <p:cond delay="0"/>
+                                          </p:stCondLst>
+                                        </p:cTn>
+                                        <p:tgtEl>
+                                          <p:spTgt spid="8">
+                                            <p:txEl>
+                                              <p:pRg st="0" end="0"/>
+                                            </p:txEl>
+                                          </p:spTgt>
+                                        </p:tgtEl>
+                                        <p:attrNameLst>
+                                          <p:attrName>style.visibility</p:attrName>
+                                        </p:attrNameLst>
+                                      </p:cBhvr>
+                                      <p:to>
+                                        <p:strVal val="visible"/>
+                                      </p:to>
+                                    </p:set>
+                                    <p:animEffect transition="in" filter="wipe(down)">
+                                      <p:cBhvr>
+                                        <p:cTn id="34" dur="500"/>
+                                        <p:tgtEl>
+                                          <p:spTgt spid="8">
+                                            <p:txEl>
+                                              <p:pRg st="0" end="0"/>
+                                            </p:txEl>
+                                          </p:spTgt>
+                                        </p:tgtEl>
+                                      </p:cBhvr>
+                                    </p:animEffect>
+                                  </p:childTnLst>
+                                </p:cTn>
+                              </p:par>
+                            </p:childTnLst>
+                          </p:cTn>
+                        </p:par>
+                      </p:childTnLst>
+                    </p:cTn>
+                  </p:par>
+                </p:childTnLst>
+              </p:cTn>
+              <p:prevCondLst>
+                <p:cond evt="onPrev" delay="0">
+                  <p:tgtEl>
+                    <p:sldTgt/>
+                  </p:tgtEl>
+                </p:cond>
+              </p:prevCondLst>
+              <p:nextCondLst>
+                <p:cond evt="onNext" delay="0">
+                  <p:tgtEl>
+                    <p:sldTgt/>
+                  </p:tgtEl>
+                </p:cond>
+              </p:nextCondLst>
+            </p:seq>
+          </p:childTnLst>
+        </p:cTn>
       </p:par>
     </p:tnLst>
   </p:timing>
@@ -9167,7 +10037,7 @@
         </p:spPr>
         <p:txBody>
           <a:bodyPr>
-            <a:normAutofit lnSpcReduction="10000"/>
+            <a:normAutofit/>
           </a:bodyPr>
           <a:lstStyle/>
           <a:p>
@@ -9175,7 +10045,7 @@
               <a:buNone/>
             </a:pPr>
             <a:r>
-              <a:rPr lang="hu-HU" sz="4000" dirty="0" smtClean="0"/>
+              <a:rPr lang="hu-HU" sz="4000" dirty="0"/>
               <a:t>A játék:</a:t>
             </a:r>
           </a:p>
@@ -9184,10 +10054,9 @@
               <a:buNone/>
             </a:pPr>
             <a:r>
-              <a:rPr lang="hu-HU" sz="2400" cap="none" dirty="0" smtClean="0"/>
+              <a:rPr lang="hu-HU" sz="2400" cap="none" dirty="0"/>
               <a:t>Miután sikeresen bejelentkezett a játék megadja az első segédmondatot és önnek meg kikell találnia a szót és 4 próbálkozása van:</a:t>
             </a:r>
-            <a:endParaRPr lang="hu-HU" sz="2400" cap="none" dirty="0"/>
           </a:p>
         </p:txBody>
       </p:sp>
@@ -9225,13 +10094,13 @@
   <p:clrMapOvr>
     <a:masterClrMapping/>
   </p:clrMapOvr>
-  <mc:AlternateContent xmlns:mc="http://schemas.openxmlformats.org/markup-compatibility/2006">
-    <mc:Choice xmlns:p15="http://schemas.microsoft.com/office/powerpoint/2012/main" Requires="p15">
+  <mc:AlternateContent xmlns:mc="http://schemas.openxmlformats.org/markup-compatibility/2006" xmlns:p15="http://schemas.microsoft.com/office/powerpoint/2012/main">
+    <mc:Choice Requires="p15">
       <p:transition xmlns:p14="http://schemas.microsoft.com/office/powerpoint/2010/main" spd="slow" p14:dur="2000">
         <p15:prstTrans prst="crush"/>
       </p:transition>
     </mc:Choice>
-    <mc:Fallback>
+    <mc:Fallback xmlns="">
       <p:transition spd="slow">
         <p:fade/>
       </p:transition>
@@ -9240,7 +10109,295 @@
   <p:timing>
     <p:tnLst>
       <p:par>
-        <p:cTn id="1" dur="indefinite" restart="never" nodeType="tmRoot"/>
+        <p:cTn id="1" dur="indefinite" restart="never" nodeType="tmRoot">
+          <p:childTnLst>
+            <p:seq concurrent="1" nextAc="seek">
+              <p:cTn id="2" dur="indefinite" nodeType="mainSeq">
+                <p:childTnLst>
+                  <p:par>
+                    <p:cTn id="3" fill="hold">
+                      <p:stCondLst>
+                        <p:cond delay="indefinite"/>
+                      </p:stCondLst>
+                      <p:childTnLst>
+                        <p:par>
+                          <p:cTn id="4" fill="hold">
+                            <p:stCondLst>
+                              <p:cond delay="0"/>
+                            </p:stCondLst>
+                            <p:childTnLst>
+                              <p:par>
+                                <p:cTn id="5" presetID="42" presetClass="entr" presetSubtype="0" fill="hold" nodeType="clickEffect">
+                                  <p:stCondLst>
+                                    <p:cond delay="0"/>
+                                  </p:stCondLst>
+                                  <p:childTnLst>
+                                    <p:set>
+                                      <p:cBhvr>
+                                        <p:cTn id="6" dur="1" fill="hold">
+                                          <p:stCondLst>
+                                            <p:cond delay="0"/>
+                                          </p:stCondLst>
+                                        </p:cTn>
+                                        <p:tgtEl>
+                                          <p:spTgt spid="3">
+                                            <p:txEl>
+                                              <p:pRg st="0" end="0"/>
+                                            </p:txEl>
+                                          </p:spTgt>
+                                        </p:tgtEl>
+                                        <p:attrNameLst>
+                                          <p:attrName>style.visibility</p:attrName>
+                                        </p:attrNameLst>
+                                      </p:cBhvr>
+                                      <p:to>
+                                        <p:strVal val="visible"/>
+                                      </p:to>
+                                    </p:set>
+                                    <p:animEffect transition="in" filter="fade">
+                                      <p:cBhvr>
+                                        <p:cTn id="7" dur="1000"/>
+                                        <p:tgtEl>
+                                          <p:spTgt spid="3">
+                                            <p:txEl>
+                                              <p:pRg st="0" end="0"/>
+                                            </p:txEl>
+                                          </p:spTgt>
+                                        </p:tgtEl>
+                                      </p:cBhvr>
+                                    </p:animEffect>
+                                    <p:anim calcmode="lin" valueType="num">
+                                      <p:cBhvr>
+                                        <p:cTn id="8" dur="1000" fill="hold"/>
+                                        <p:tgtEl>
+                                          <p:spTgt spid="3">
+                                            <p:txEl>
+                                              <p:pRg st="0" end="0"/>
+                                            </p:txEl>
+                                          </p:spTgt>
+                                        </p:tgtEl>
+                                        <p:attrNameLst>
+                                          <p:attrName>ppt_x</p:attrName>
+                                        </p:attrNameLst>
+                                      </p:cBhvr>
+                                      <p:tavLst>
+                                        <p:tav tm="0">
+                                          <p:val>
+                                            <p:strVal val="#ppt_x"/>
+                                          </p:val>
+                                        </p:tav>
+                                        <p:tav tm="100000">
+                                          <p:val>
+                                            <p:strVal val="#ppt_x"/>
+                                          </p:val>
+                                        </p:tav>
+                                      </p:tavLst>
+                                    </p:anim>
+                                    <p:anim calcmode="lin" valueType="num">
+                                      <p:cBhvr>
+                                        <p:cTn id="9" dur="1000" fill="hold"/>
+                                        <p:tgtEl>
+                                          <p:spTgt spid="3">
+                                            <p:txEl>
+                                              <p:pRg st="0" end="0"/>
+                                            </p:txEl>
+                                          </p:spTgt>
+                                        </p:tgtEl>
+                                        <p:attrNameLst>
+                                          <p:attrName>ppt_y</p:attrName>
+                                        </p:attrNameLst>
+                                      </p:cBhvr>
+                                      <p:tavLst>
+                                        <p:tav tm="0">
+                                          <p:val>
+                                            <p:strVal val="#ppt_y+.1"/>
+                                          </p:val>
+                                        </p:tav>
+                                        <p:tav tm="100000">
+                                          <p:val>
+                                            <p:strVal val="#ppt_y"/>
+                                          </p:val>
+                                        </p:tav>
+                                      </p:tavLst>
+                                    </p:anim>
+                                  </p:childTnLst>
+                                </p:cTn>
+                              </p:par>
+                              <p:par>
+                                <p:cTn id="10" presetID="42" presetClass="entr" presetSubtype="0" fill="hold" nodeType="withEffect">
+                                  <p:stCondLst>
+                                    <p:cond delay="0"/>
+                                  </p:stCondLst>
+                                  <p:childTnLst>
+                                    <p:set>
+                                      <p:cBhvr>
+                                        <p:cTn id="11" dur="1" fill="hold">
+                                          <p:stCondLst>
+                                            <p:cond delay="0"/>
+                                          </p:stCondLst>
+                                        </p:cTn>
+                                        <p:tgtEl>
+                                          <p:spTgt spid="3">
+                                            <p:txEl>
+                                              <p:pRg st="1" end="1"/>
+                                            </p:txEl>
+                                          </p:spTgt>
+                                        </p:tgtEl>
+                                        <p:attrNameLst>
+                                          <p:attrName>style.visibility</p:attrName>
+                                        </p:attrNameLst>
+                                      </p:cBhvr>
+                                      <p:to>
+                                        <p:strVal val="visible"/>
+                                      </p:to>
+                                    </p:set>
+                                    <p:animEffect transition="in" filter="fade">
+                                      <p:cBhvr>
+                                        <p:cTn id="12" dur="1000"/>
+                                        <p:tgtEl>
+                                          <p:spTgt spid="3">
+                                            <p:txEl>
+                                              <p:pRg st="1" end="1"/>
+                                            </p:txEl>
+                                          </p:spTgt>
+                                        </p:tgtEl>
+                                      </p:cBhvr>
+                                    </p:animEffect>
+                                    <p:anim calcmode="lin" valueType="num">
+                                      <p:cBhvr>
+                                        <p:cTn id="13" dur="1000" fill="hold"/>
+                                        <p:tgtEl>
+                                          <p:spTgt spid="3">
+                                            <p:txEl>
+                                              <p:pRg st="1" end="1"/>
+                                            </p:txEl>
+                                          </p:spTgt>
+                                        </p:tgtEl>
+                                        <p:attrNameLst>
+                                          <p:attrName>ppt_x</p:attrName>
+                                        </p:attrNameLst>
+                                      </p:cBhvr>
+                                      <p:tavLst>
+                                        <p:tav tm="0">
+                                          <p:val>
+                                            <p:strVal val="#ppt_x"/>
+                                          </p:val>
+                                        </p:tav>
+                                        <p:tav tm="100000">
+                                          <p:val>
+                                            <p:strVal val="#ppt_x"/>
+                                          </p:val>
+                                        </p:tav>
+                                      </p:tavLst>
+                                    </p:anim>
+                                    <p:anim calcmode="lin" valueType="num">
+                                      <p:cBhvr>
+                                        <p:cTn id="14" dur="1000" fill="hold"/>
+                                        <p:tgtEl>
+                                          <p:spTgt spid="3">
+                                            <p:txEl>
+                                              <p:pRg st="1" end="1"/>
+                                            </p:txEl>
+                                          </p:spTgt>
+                                        </p:tgtEl>
+                                        <p:attrNameLst>
+                                          <p:attrName>ppt_y</p:attrName>
+                                        </p:attrNameLst>
+                                      </p:cBhvr>
+                                      <p:tavLst>
+                                        <p:tav tm="0">
+                                          <p:val>
+                                            <p:strVal val="#ppt_y+.1"/>
+                                          </p:val>
+                                        </p:tav>
+                                        <p:tav tm="100000">
+                                          <p:val>
+                                            <p:strVal val="#ppt_y"/>
+                                          </p:val>
+                                        </p:tav>
+                                      </p:tavLst>
+                                    </p:anim>
+                                  </p:childTnLst>
+                                </p:cTn>
+                              </p:par>
+                            </p:childTnLst>
+                          </p:cTn>
+                        </p:par>
+                      </p:childTnLst>
+                    </p:cTn>
+                  </p:par>
+                  <p:par>
+                    <p:cTn id="15" fill="hold">
+                      <p:stCondLst>
+                        <p:cond delay="indefinite"/>
+                      </p:stCondLst>
+                      <p:childTnLst>
+                        <p:par>
+                          <p:cTn id="16" fill="hold">
+                            <p:stCondLst>
+                              <p:cond delay="0"/>
+                            </p:stCondLst>
+                            <p:childTnLst>
+                              <p:par>
+                                <p:cTn id="17" presetID="21" presetClass="entr" presetSubtype="1" fill="hold" nodeType="clickEffect">
+                                  <p:stCondLst>
+                                    <p:cond delay="0"/>
+                                  </p:stCondLst>
+                                  <p:childTnLst>
+                                    <p:set>
+                                      <p:cBhvr>
+                                        <p:cTn id="18" dur="1" fill="hold">
+                                          <p:stCondLst>
+                                            <p:cond delay="0"/>
+                                          </p:stCondLst>
+                                        </p:cTn>
+                                        <p:tgtEl>
+                                          <p:spTgt spid="4"/>
+                                        </p:tgtEl>
+                                        <p:attrNameLst>
+                                          <p:attrName>style.visibility</p:attrName>
+                                        </p:attrNameLst>
+                                      </p:cBhvr>
+                                      <p:to>
+                                        <p:strVal val="visible"/>
+                                      </p:to>
+                                    </p:set>
+                                    <p:animEffect transition="in" filter="wheel(1)">
+                                      <p:cBhvr>
+                                        <p:cTn id="19" dur="2000"/>
+                                        <p:tgtEl>
+                                          <p:spTgt spid="4"/>
+                                        </p:tgtEl>
+                                      </p:cBhvr>
+                                    </p:animEffect>
+                                  </p:childTnLst>
+                                </p:cTn>
+                              </p:par>
+                            </p:childTnLst>
+                          </p:cTn>
+                        </p:par>
+                      </p:childTnLst>
+                    </p:cTn>
+                  </p:par>
+                </p:childTnLst>
+              </p:cTn>
+              <p:prevCondLst>
+                <p:cond evt="onPrev" delay="0">
+                  <p:tgtEl>
+                    <p:sldTgt/>
+                  </p:tgtEl>
+                </p:cond>
+              </p:prevCondLst>
+              <p:nextCondLst>
+                <p:cond evt="onNext" delay="0">
+                  <p:tgtEl>
+                    <p:sldTgt/>
+                  </p:tgtEl>
+                </p:cond>
+              </p:nextCondLst>
+            </p:seq>
+          </p:childTnLst>
+        </p:cTn>
       </p:par>
     </p:tnLst>
   </p:timing>
@@ -9287,10 +10444,9 @@
           <a:lstStyle/>
           <a:p>
             <a:r>
-              <a:rPr lang="hu-HU" sz="2000" dirty="0" smtClean="0"/>
+              <a:rPr lang="hu-HU" sz="2000" dirty="0"/>
               <a:t>Helytelen válasz esetén a program levon 1 életet és megadja a következő segédmondatot és bekéri a szót.</a:t>
             </a:r>
-            <a:endParaRPr lang="hu-HU" sz="2000" dirty="0"/>
           </a:p>
         </p:txBody>
       </p:sp>
@@ -9341,10 +10497,9 @@
           <a:lstStyle/>
           <a:p>
             <a:r>
-              <a:rPr lang="hu-HU" sz="2400" dirty="0" smtClean="0"/>
+              <a:rPr lang="hu-HU" sz="2400" dirty="0"/>
               <a:t>Ha nem bírtad kitalálni a szót a játék véget ér, de felajánl egy újrakezdési lehetőséget:</a:t>
             </a:r>
-            <a:endParaRPr lang="hu-HU" sz="2400" dirty="0"/>
           </a:p>
         </p:txBody>
       </p:sp>
@@ -9382,13 +10537,13 @@
   <p:clrMapOvr>
     <a:masterClrMapping/>
   </p:clrMapOvr>
-  <mc:AlternateContent xmlns:mc="http://schemas.openxmlformats.org/markup-compatibility/2006">
-    <mc:Choice xmlns:p15="http://schemas.microsoft.com/office/powerpoint/2012/main" Requires="p15">
+  <mc:AlternateContent xmlns:mc="http://schemas.openxmlformats.org/markup-compatibility/2006" xmlns:p15="http://schemas.microsoft.com/office/powerpoint/2012/main">
+    <mc:Choice Requires="p15">
       <p:transition xmlns:p14="http://schemas.microsoft.com/office/powerpoint/2010/main" spd="slow" p14:dur="3250">
         <p15:prstTrans prst="origami"/>
       </p:transition>
     </mc:Choice>
-    <mc:Fallback>
+    <mc:Fallback xmlns="">
       <p:transition spd="slow">
         <p:fade/>
       </p:transition>
@@ -9397,7 +10552,312 @@
   <p:timing>
     <p:tnLst>
       <p:par>
-        <p:cTn id="1" dur="indefinite" restart="never" nodeType="tmRoot"/>
+        <p:cTn id="1" dur="indefinite" restart="never" nodeType="tmRoot">
+          <p:childTnLst>
+            <p:seq concurrent="1" nextAc="seek">
+              <p:cTn id="2" dur="indefinite" nodeType="mainSeq">
+                <p:childTnLst>
+                  <p:par>
+                    <p:cTn id="3" fill="hold">
+                      <p:stCondLst>
+                        <p:cond delay="indefinite"/>
+                      </p:stCondLst>
+                      <p:childTnLst>
+                        <p:par>
+                          <p:cTn id="4" fill="hold">
+                            <p:stCondLst>
+                              <p:cond delay="0"/>
+                            </p:stCondLst>
+                            <p:childTnLst>
+                              <p:par>
+                                <p:cTn id="5" presetID="10" presetClass="entr" presetSubtype="0" fill="hold" nodeType="clickEffect">
+                                  <p:stCondLst>
+                                    <p:cond delay="0"/>
+                                  </p:stCondLst>
+                                  <p:childTnLst>
+                                    <p:set>
+                                      <p:cBhvr>
+                                        <p:cTn id="6" dur="1" fill="hold">
+                                          <p:stCondLst>
+                                            <p:cond delay="0"/>
+                                          </p:stCondLst>
+                                        </p:cTn>
+                                        <p:tgtEl>
+                                          <p:spTgt spid="5">
+                                            <p:txEl>
+                                              <p:pRg st="0" end="0"/>
+                                            </p:txEl>
+                                          </p:spTgt>
+                                        </p:tgtEl>
+                                        <p:attrNameLst>
+                                          <p:attrName>style.visibility</p:attrName>
+                                        </p:attrNameLst>
+                                      </p:cBhvr>
+                                      <p:to>
+                                        <p:strVal val="visible"/>
+                                      </p:to>
+                                    </p:set>
+                                    <p:animEffect transition="in" filter="fade">
+                                      <p:cBhvr>
+                                        <p:cTn id="7" dur="500"/>
+                                        <p:tgtEl>
+                                          <p:spTgt spid="5">
+                                            <p:txEl>
+                                              <p:pRg st="0" end="0"/>
+                                            </p:txEl>
+                                          </p:spTgt>
+                                        </p:tgtEl>
+                                      </p:cBhvr>
+                                    </p:animEffect>
+                                  </p:childTnLst>
+                                </p:cTn>
+                              </p:par>
+                            </p:childTnLst>
+                          </p:cTn>
+                        </p:par>
+                      </p:childTnLst>
+                    </p:cTn>
+                  </p:par>
+                  <p:par>
+                    <p:cTn id="8" fill="hold">
+                      <p:stCondLst>
+                        <p:cond delay="indefinite"/>
+                      </p:stCondLst>
+                      <p:childTnLst>
+                        <p:par>
+                          <p:cTn id="9" fill="hold">
+                            <p:stCondLst>
+                              <p:cond delay="0"/>
+                            </p:stCondLst>
+                            <p:childTnLst>
+                              <p:par>
+                                <p:cTn id="10" presetID="21" presetClass="entr" presetSubtype="1" fill="hold" nodeType="clickEffect">
+                                  <p:stCondLst>
+                                    <p:cond delay="0"/>
+                                  </p:stCondLst>
+                                  <p:childTnLst>
+                                    <p:set>
+                                      <p:cBhvr>
+                                        <p:cTn id="11" dur="1" fill="hold">
+                                          <p:stCondLst>
+                                            <p:cond delay="0"/>
+                                          </p:stCondLst>
+                                        </p:cTn>
+                                        <p:tgtEl>
+                                          <p:spTgt spid="6"/>
+                                        </p:tgtEl>
+                                        <p:attrNameLst>
+                                          <p:attrName>style.visibility</p:attrName>
+                                        </p:attrNameLst>
+                                      </p:cBhvr>
+                                      <p:to>
+                                        <p:strVal val="visible"/>
+                                      </p:to>
+                                    </p:set>
+                                    <p:animEffect transition="in" filter="wheel(1)">
+                                      <p:cBhvr>
+                                        <p:cTn id="12" dur="2000"/>
+                                        <p:tgtEl>
+                                          <p:spTgt spid="6"/>
+                                        </p:tgtEl>
+                                      </p:cBhvr>
+                                    </p:animEffect>
+                                  </p:childTnLst>
+                                </p:cTn>
+                              </p:par>
+                            </p:childTnLst>
+                          </p:cTn>
+                        </p:par>
+                      </p:childTnLst>
+                    </p:cTn>
+                  </p:par>
+                  <p:par>
+                    <p:cTn id="13" fill="hold">
+                      <p:stCondLst>
+                        <p:cond delay="indefinite"/>
+                      </p:stCondLst>
+                      <p:childTnLst>
+                        <p:par>
+                          <p:cTn id="14" fill="hold">
+                            <p:stCondLst>
+                              <p:cond delay="0"/>
+                            </p:stCondLst>
+                            <p:childTnLst>
+                              <p:par>
+                                <p:cTn id="15" presetID="42" presetClass="entr" presetSubtype="0" fill="hold" nodeType="clickEffect">
+                                  <p:stCondLst>
+                                    <p:cond delay="0"/>
+                                  </p:stCondLst>
+                                  <p:childTnLst>
+                                    <p:set>
+                                      <p:cBhvr>
+                                        <p:cTn id="16" dur="1" fill="hold">
+                                          <p:stCondLst>
+                                            <p:cond delay="0"/>
+                                          </p:stCondLst>
+                                        </p:cTn>
+                                        <p:tgtEl>
+                                          <p:spTgt spid="7">
+                                            <p:txEl>
+                                              <p:pRg st="0" end="0"/>
+                                            </p:txEl>
+                                          </p:spTgt>
+                                        </p:tgtEl>
+                                        <p:attrNameLst>
+                                          <p:attrName>style.visibility</p:attrName>
+                                        </p:attrNameLst>
+                                      </p:cBhvr>
+                                      <p:to>
+                                        <p:strVal val="visible"/>
+                                      </p:to>
+                                    </p:set>
+                                    <p:animEffect transition="in" filter="fade">
+                                      <p:cBhvr>
+                                        <p:cTn id="17" dur="1000"/>
+                                        <p:tgtEl>
+                                          <p:spTgt spid="7">
+                                            <p:txEl>
+                                              <p:pRg st="0" end="0"/>
+                                            </p:txEl>
+                                          </p:spTgt>
+                                        </p:tgtEl>
+                                      </p:cBhvr>
+                                    </p:animEffect>
+                                    <p:anim calcmode="lin" valueType="num">
+                                      <p:cBhvr>
+                                        <p:cTn id="18" dur="1000" fill="hold"/>
+                                        <p:tgtEl>
+                                          <p:spTgt spid="7">
+                                            <p:txEl>
+                                              <p:pRg st="0" end="0"/>
+                                            </p:txEl>
+                                          </p:spTgt>
+                                        </p:tgtEl>
+                                        <p:attrNameLst>
+                                          <p:attrName>ppt_x</p:attrName>
+                                        </p:attrNameLst>
+                                      </p:cBhvr>
+                                      <p:tavLst>
+                                        <p:tav tm="0">
+                                          <p:val>
+                                            <p:strVal val="#ppt_x"/>
+                                          </p:val>
+                                        </p:tav>
+                                        <p:tav tm="100000">
+                                          <p:val>
+                                            <p:strVal val="#ppt_x"/>
+                                          </p:val>
+                                        </p:tav>
+                                      </p:tavLst>
+                                    </p:anim>
+                                    <p:anim calcmode="lin" valueType="num">
+                                      <p:cBhvr>
+                                        <p:cTn id="19" dur="1000" fill="hold"/>
+                                        <p:tgtEl>
+                                          <p:spTgt spid="7">
+                                            <p:txEl>
+                                              <p:pRg st="0" end="0"/>
+                                            </p:txEl>
+                                          </p:spTgt>
+                                        </p:tgtEl>
+                                        <p:attrNameLst>
+                                          <p:attrName>ppt_y</p:attrName>
+                                        </p:attrNameLst>
+                                      </p:cBhvr>
+                                      <p:tavLst>
+                                        <p:tav tm="0">
+                                          <p:val>
+                                            <p:strVal val="#ppt_y+.1"/>
+                                          </p:val>
+                                        </p:tav>
+                                        <p:tav tm="100000">
+                                          <p:val>
+                                            <p:strVal val="#ppt_y"/>
+                                          </p:val>
+                                        </p:tav>
+                                      </p:tavLst>
+                                    </p:anim>
+                                  </p:childTnLst>
+                                </p:cTn>
+                              </p:par>
+                            </p:childTnLst>
+                          </p:cTn>
+                        </p:par>
+                      </p:childTnLst>
+                    </p:cTn>
+                  </p:par>
+                  <p:par>
+                    <p:cTn id="20" fill="hold">
+                      <p:stCondLst>
+                        <p:cond delay="indefinite"/>
+                      </p:stCondLst>
+                      <p:childTnLst>
+                        <p:par>
+                          <p:cTn id="21" fill="hold">
+                            <p:stCondLst>
+                              <p:cond delay="0"/>
+                            </p:stCondLst>
+                            <p:childTnLst>
+                              <p:par>
+                                <p:cTn id="22" presetID="21" presetClass="entr" presetSubtype="1" fill="hold" nodeType="clickEffect">
+                                  <p:stCondLst>
+                                    <p:cond delay="0"/>
+                                  </p:stCondLst>
+                                  <p:childTnLst>
+                                    <p:set>
+                                      <p:cBhvr>
+                                        <p:cTn id="23" dur="1" fill="hold">
+                                          <p:stCondLst>
+                                            <p:cond delay="0"/>
+                                          </p:stCondLst>
+                                        </p:cTn>
+                                        <p:tgtEl>
+                                          <p:spTgt spid="8"/>
+                                        </p:tgtEl>
+                                        <p:attrNameLst>
+                                          <p:attrName>style.visibility</p:attrName>
+                                        </p:attrNameLst>
+                                      </p:cBhvr>
+                                      <p:to>
+                                        <p:strVal val="visible"/>
+                                      </p:to>
+                                    </p:set>
+                                    <p:animEffect transition="in" filter="wheel(1)">
+                                      <p:cBhvr>
+                                        <p:cTn id="24" dur="2000"/>
+                                        <p:tgtEl>
+                                          <p:spTgt spid="8"/>
+                                        </p:tgtEl>
+                                      </p:cBhvr>
+                                    </p:animEffect>
+                                  </p:childTnLst>
+                                </p:cTn>
+                              </p:par>
+                            </p:childTnLst>
+                          </p:cTn>
+                        </p:par>
+                      </p:childTnLst>
+                    </p:cTn>
+                  </p:par>
+                </p:childTnLst>
+              </p:cTn>
+              <p:prevCondLst>
+                <p:cond evt="onPrev" delay="0">
+                  <p:tgtEl>
+                    <p:sldTgt/>
+                  </p:tgtEl>
+                </p:cond>
+              </p:prevCondLst>
+              <p:nextCondLst>
+                <p:cond evt="onNext" delay="0">
+                  <p:tgtEl>
+                    <p:sldTgt/>
+                  </p:tgtEl>
+                </p:cond>
+              </p:nextCondLst>
+            </p:seq>
+          </p:childTnLst>
+        </p:cTn>
       </p:par>
     </p:tnLst>
   </p:timing>
@@ -9444,10 +10904,9 @@
           <a:lstStyle/>
           <a:p>
             <a:r>
-              <a:rPr lang="hu-HU" sz="2800" dirty="0" smtClean="0"/>
+              <a:rPr lang="hu-HU" sz="2800" dirty="0"/>
               <a:t>Ha pedig helyesen eltalálja a szót kap 1 pontot és felajánlja, hogy folytasd a játékot:</a:t>
             </a:r>
-            <a:endParaRPr lang="hu-HU" sz="2800" dirty="0"/>
           </a:p>
         </p:txBody>
       </p:sp>
@@ -9498,10 +10957,9 @@
           <a:lstStyle/>
           <a:p>
             <a:r>
-              <a:rPr lang="hu-HU" sz="2800" dirty="0" smtClean="0"/>
+              <a:rPr lang="hu-HU" sz="2800" dirty="0"/>
               <a:t>Ha nem szeretnéd folytatni a játékot véget ér a program, ha kilép:</a:t>
             </a:r>
-            <a:endParaRPr lang="hu-HU" sz="2800" dirty="0"/>
           </a:p>
         </p:txBody>
       </p:sp>
@@ -9539,13 +10997,13 @@
   <p:clrMapOvr>
     <a:masterClrMapping/>
   </p:clrMapOvr>
-  <mc:AlternateContent xmlns:mc="http://schemas.openxmlformats.org/markup-compatibility/2006">
-    <mc:Choice xmlns:p15="http://schemas.microsoft.com/office/powerpoint/2012/main" Requires="p15">
+  <mc:AlternateContent xmlns:mc="http://schemas.openxmlformats.org/markup-compatibility/2006" xmlns:p15="http://schemas.microsoft.com/office/powerpoint/2012/main">
+    <mc:Choice Requires="p15">
       <p:transition xmlns:p14="http://schemas.microsoft.com/office/powerpoint/2010/main" spd="slow" p14:dur="1250">
         <p15:prstTrans prst="peelOff"/>
       </p:transition>
     </mc:Choice>
-    <mc:Fallback>
+    <mc:Fallback xmlns="">
       <p:transition spd="slow">
         <p:fade/>
       </p:transition>
@@ -9554,7 +11012,312 @@
   <p:timing>
     <p:tnLst>
       <p:par>
-        <p:cTn id="1" dur="indefinite" restart="never" nodeType="tmRoot"/>
+        <p:cTn id="1" dur="indefinite" restart="never" nodeType="tmRoot">
+          <p:childTnLst>
+            <p:seq concurrent="1" nextAc="seek">
+              <p:cTn id="2" dur="indefinite" nodeType="mainSeq">
+                <p:childTnLst>
+                  <p:par>
+                    <p:cTn id="3" fill="hold">
+                      <p:stCondLst>
+                        <p:cond delay="indefinite"/>
+                      </p:stCondLst>
+                      <p:childTnLst>
+                        <p:par>
+                          <p:cTn id="4" fill="hold">
+                            <p:stCondLst>
+                              <p:cond delay="0"/>
+                            </p:stCondLst>
+                            <p:childTnLst>
+                              <p:par>
+                                <p:cTn id="5" presetID="10" presetClass="entr" presetSubtype="0" fill="hold" nodeType="clickEffect">
+                                  <p:stCondLst>
+                                    <p:cond delay="0"/>
+                                  </p:stCondLst>
+                                  <p:childTnLst>
+                                    <p:set>
+                                      <p:cBhvr>
+                                        <p:cTn id="6" dur="1" fill="hold">
+                                          <p:stCondLst>
+                                            <p:cond delay="0"/>
+                                          </p:stCondLst>
+                                        </p:cTn>
+                                        <p:tgtEl>
+                                          <p:spTgt spid="4">
+                                            <p:txEl>
+                                              <p:pRg st="0" end="0"/>
+                                            </p:txEl>
+                                          </p:spTgt>
+                                        </p:tgtEl>
+                                        <p:attrNameLst>
+                                          <p:attrName>style.visibility</p:attrName>
+                                        </p:attrNameLst>
+                                      </p:cBhvr>
+                                      <p:to>
+                                        <p:strVal val="visible"/>
+                                      </p:to>
+                                    </p:set>
+                                    <p:animEffect transition="in" filter="fade">
+                                      <p:cBhvr>
+                                        <p:cTn id="7" dur="500"/>
+                                        <p:tgtEl>
+                                          <p:spTgt spid="4">
+                                            <p:txEl>
+                                              <p:pRg st="0" end="0"/>
+                                            </p:txEl>
+                                          </p:spTgt>
+                                        </p:tgtEl>
+                                      </p:cBhvr>
+                                    </p:animEffect>
+                                  </p:childTnLst>
+                                </p:cTn>
+                              </p:par>
+                            </p:childTnLst>
+                          </p:cTn>
+                        </p:par>
+                      </p:childTnLst>
+                    </p:cTn>
+                  </p:par>
+                  <p:par>
+                    <p:cTn id="8" fill="hold">
+                      <p:stCondLst>
+                        <p:cond delay="indefinite"/>
+                      </p:stCondLst>
+                      <p:childTnLst>
+                        <p:par>
+                          <p:cTn id="9" fill="hold">
+                            <p:stCondLst>
+                              <p:cond delay="0"/>
+                            </p:stCondLst>
+                            <p:childTnLst>
+                              <p:par>
+                                <p:cTn id="10" presetID="21" presetClass="entr" presetSubtype="1" fill="hold" nodeType="clickEffect">
+                                  <p:stCondLst>
+                                    <p:cond delay="0"/>
+                                  </p:stCondLst>
+                                  <p:childTnLst>
+                                    <p:set>
+                                      <p:cBhvr>
+                                        <p:cTn id="11" dur="1" fill="hold">
+                                          <p:stCondLst>
+                                            <p:cond delay="0"/>
+                                          </p:stCondLst>
+                                        </p:cTn>
+                                        <p:tgtEl>
+                                          <p:spTgt spid="5"/>
+                                        </p:tgtEl>
+                                        <p:attrNameLst>
+                                          <p:attrName>style.visibility</p:attrName>
+                                        </p:attrNameLst>
+                                      </p:cBhvr>
+                                      <p:to>
+                                        <p:strVal val="visible"/>
+                                      </p:to>
+                                    </p:set>
+                                    <p:animEffect transition="in" filter="wheel(1)">
+                                      <p:cBhvr>
+                                        <p:cTn id="12" dur="2000"/>
+                                        <p:tgtEl>
+                                          <p:spTgt spid="5"/>
+                                        </p:tgtEl>
+                                      </p:cBhvr>
+                                    </p:animEffect>
+                                  </p:childTnLst>
+                                </p:cTn>
+                              </p:par>
+                            </p:childTnLst>
+                          </p:cTn>
+                        </p:par>
+                      </p:childTnLst>
+                    </p:cTn>
+                  </p:par>
+                  <p:par>
+                    <p:cTn id="13" fill="hold">
+                      <p:stCondLst>
+                        <p:cond delay="indefinite"/>
+                      </p:stCondLst>
+                      <p:childTnLst>
+                        <p:par>
+                          <p:cTn id="14" fill="hold">
+                            <p:stCondLst>
+                              <p:cond delay="0"/>
+                            </p:stCondLst>
+                            <p:childTnLst>
+                              <p:par>
+                                <p:cTn id="15" presetID="42" presetClass="entr" presetSubtype="0" fill="hold" nodeType="clickEffect">
+                                  <p:stCondLst>
+                                    <p:cond delay="0"/>
+                                  </p:stCondLst>
+                                  <p:childTnLst>
+                                    <p:set>
+                                      <p:cBhvr>
+                                        <p:cTn id="16" dur="1" fill="hold">
+                                          <p:stCondLst>
+                                            <p:cond delay="0"/>
+                                          </p:stCondLst>
+                                        </p:cTn>
+                                        <p:tgtEl>
+                                          <p:spTgt spid="6">
+                                            <p:txEl>
+                                              <p:pRg st="0" end="0"/>
+                                            </p:txEl>
+                                          </p:spTgt>
+                                        </p:tgtEl>
+                                        <p:attrNameLst>
+                                          <p:attrName>style.visibility</p:attrName>
+                                        </p:attrNameLst>
+                                      </p:cBhvr>
+                                      <p:to>
+                                        <p:strVal val="visible"/>
+                                      </p:to>
+                                    </p:set>
+                                    <p:animEffect transition="in" filter="fade">
+                                      <p:cBhvr>
+                                        <p:cTn id="17" dur="1000"/>
+                                        <p:tgtEl>
+                                          <p:spTgt spid="6">
+                                            <p:txEl>
+                                              <p:pRg st="0" end="0"/>
+                                            </p:txEl>
+                                          </p:spTgt>
+                                        </p:tgtEl>
+                                      </p:cBhvr>
+                                    </p:animEffect>
+                                    <p:anim calcmode="lin" valueType="num">
+                                      <p:cBhvr>
+                                        <p:cTn id="18" dur="1000" fill="hold"/>
+                                        <p:tgtEl>
+                                          <p:spTgt spid="6">
+                                            <p:txEl>
+                                              <p:pRg st="0" end="0"/>
+                                            </p:txEl>
+                                          </p:spTgt>
+                                        </p:tgtEl>
+                                        <p:attrNameLst>
+                                          <p:attrName>ppt_x</p:attrName>
+                                        </p:attrNameLst>
+                                      </p:cBhvr>
+                                      <p:tavLst>
+                                        <p:tav tm="0">
+                                          <p:val>
+                                            <p:strVal val="#ppt_x"/>
+                                          </p:val>
+                                        </p:tav>
+                                        <p:tav tm="100000">
+                                          <p:val>
+                                            <p:strVal val="#ppt_x"/>
+                                          </p:val>
+                                        </p:tav>
+                                      </p:tavLst>
+                                    </p:anim>
+                                    <p:anim calcmode="lin" valueType="num">
+                                      <p:cBhvr>
+                                        <p:cTn id="19" dur="1000" fill="hold"/>
+                                        <p:tgtEl>
+                                          <p:spTgt spid="6">
+                                            <p:txEl>
+                                              <p:pRg st="0" end="0"/>
+                                            </p:txEl>
+                                          </p:spTgt>
+                                        </p:tgtEl>
+                                        <p:attrNameLst>
+                                          <p:attrName>ppt_y</p:attrName>
+                                        </p:attrNameLst>
+                                      </p:cBhvr>
+                                      <p:tavLst>
+                                        <p:tav tm="0">
+                                          <p:val>
+                                            <p:strVal val="#ppt_y+.1"/>
+                                          </p:val>
+                                        </p:tav>
+                                        <p:tav tm="100000">
+                                          <p:val>
+                                            <p:strVal val="#ppt_y"/>
+                                          </p:val>
+                                        </p:tav>
+                                      </p:tavLst>
+                                    </p:anim>
+                                  </p:childTnLst>
+                                </p:cTn>
+                              </p:par>
+                            </p:childTnLst>
+                          </p:cTn>
+                        </p:par>
+                      </p:childTnLst>
+                    </p:cTn>
+                  </p:par>
+                  <p:par>
+                    <p:cTn id="20" fill="hold">
+                      <p:stCondLst>
+                        <p:cond delay="indefinite"/>
+                      </p:stCondLst>
+                      <p:childTnLst>
+                        <p:par>
+                          <p:cTn id="21" fill="hold">
+                            <p:stCondLst>
+                              <p:cond delay="0"/>
+                            </p:stCondLst>
+                            <p:childTnLst>
+                              <p:par>
+                                <p:cTn id="22" presetID="16" presetClass="entr" presetSubtype="21" fill="hold" nodeType="clickEffect">
+                                  <p:stCondLst>
+                                    <p:cond delay="0"/>
+                                  </p:stCondLst>
+                                  <p:childTnLst>
+                                    <p:set>
+                                      <p:cBhvr>
+                                        <p:cTn id="23" dur="1" fill="hold">
+                                          <p:stCondLst>
+                                            <p:cond delay="0"/>
+                                          </p:stCondLst>
+                                        </p:cTn>
+                                        <p:tgtEl>
+                                          <p:spTgt spid="7"/>
+                                        </p:tgtEl>
+                                        <p:attrNameLst>
+                                          <p:attrName>style.visibility</p:attrName>
+                                        </p:attrNameLst>
+                                      </p:cBhvr>
+                                      <p:to>
+                                        <p:strVal val="visible"/>
+                                      </p:to>
+                                    </p:set>
+                                    <p:animEffect transition="in" filter="barn(inVertical)">
+                                      <p:cBhvr>
+                                        <p:cTn id="24" dur="500"/>
+                                        <p:tgtEl>
+                                          <p:spTgt spid="7"/>
+                                        </p:tgtEl>
+                                      </p:cBhvr>
+                                    </p:animEffect>
+                                  </p:childTnLst>
+                                </p:cTn>
+                              </p:par>
+                            </p:childTnLst>
+                          </p:cTn>
+                        </p:par>
+                      </p:childTnLst>
+                    </p:cTn>
+                  </p:par>
+                </p:childTnLst>
+              </p:cTn>
+              <p:prevCondLst>
+                <p:cond evt="onPrev" delay="0">
+                  <p:tgtEl>
+                    <p:sldTgt/>
+                  </p:tgtEl>
+                </p:cond>
+              </p:prevCondLst>
+              <p:nextCondLst>
+                <p:cond evt="onNext" delay="0">
+                  <p:tgtEl>
+                    <p:sldTgt/>
+                  </p:tgtEl>
+                </p:cond>
+              </p:nextCondLst>
+            </p:seq>
+          </p:childTnLst>
+        </p:cTn>
       </p:par>
     </p:tnLst>
   </p:timing>
@@ -9594,10 +11357,9 @@
           <a:lstStyle/>
           <a:p>
             <a:r>
-              <a:rPr lang="hu-HU" dirty="0" smtClean="0"/>
+              <a:rPr lang="hu-HU" dirty="0"/>
               <a:t>Köszönöm a figyelmet!</a:t>
             </a:r>
-            <a:endParaRPr lang="hu-HU" dirty="0"/>
           </a:p>
         </p:txBody>
       </p:sp>
@@ -9617,23 +11379,23 @@
           <a:lstStyle/>
           <a:p>
             <a:r>
-              <a:rPr lang="hu-HU" dirty="0" err="1" smtClean="0"/>
+              <a:rPr lang="hu-HU" dirty="0" err="1"/>
               <a:t>Presented</a:t>
             </a:r>
             <a:r>
-              <a:rPr lang="hu-HU" dirty="0" smtClean="0"/>
+              <a:rPr lang="hu-HU" dirty="0"/>
               <a:t> </a:t>
             </a:r>
             <a:r>
-              <a:rPr lang="hu-HU" dirty="0" err="1" smtClean="0"/>
+              <a:rPr lang="hu-HU" dirty="0" err="1"/>
               <a:t>by</a:t>
             </a:r>
             <a:r>
-              <a:rPr lang="hu-HU" dirty="0" smtClean="0"/>
+              <a:rPr lang="hu-HU" dirty="0"/>
               <a:t> mark </a:t>
             </a:r>
             <a:r>
-              <a:rPr lang="hu-HU" dirty="0" err="1" smtClean="0"/>
+              <a:rPr lang="hu-HU" dirty="0" err="1"/>
               <a:t>maschek</a:t>
             </a:r>
             <a:endParaRPr lang="hu-HU" dirty="0"/>
@@ -9650,13 +11412,13 @@
   <p:clrMapOvr>
     <a:masterClrMapping/>
   </p:clrMapOvr>
-  <mc:AlternateContent xmlns:mc="http://schemas.openxmlformats.org/markup-compatibility/2006">
-    <mc:Choice xmlns:p15="http://schemas.microsoft.com/office/powerpoint/2012/main" Requires="p15">
+  <mc:AlternateContent xmlns:mc="http://schemas.openxmlformats.org/markup-compatibility/2006" xmlns:p15="http://schemas.microsoft.com/office/powerpoint/2012/main">
+    <mc:Choice Requires="p15">
       <p:transition xmlns:p14="http://schemas.microsoft.com/office/powerpoint/2010/main" spd="slow" p14:dur="1250">
         <p15:prstTrans prst="airplane"/>
       </p:transition>
     </mc:Choice>
-    <mc:Fallback>
+    <mc:Fallback xmlns="">
       <p:transition spd="slow">
         <p:fade/>
       </p:transition>
@@ -9665,9 +11427,248 @@
   <p:timing>
     <p:tnLst>
       <p:par>
-        <p:cTn id="1" dur="indefinite" restart="never" nodeType="tmRoot"/>
+        <p:cTn id="1" dur="indefinite" restart="never" nodeType="tmRoot">
+          <p:childTnLst>
+            <p:seq concurrent="1" nextAc="seek">
+              <p:cTn id="2" dur="indefinite" nodeType="mainSeq">
+                <p:childTnLst>
+                  <p:par>
+                    <p:cTn id="3" fill="hold">
+                      <p:stCondLst>
+                        <p:cond delay="indefinite"/>
+                      </p:stCondLst>
+                      <p:childTnLst>
+                        <p:par>
+                          <p:cTn id="4" fill="hold">
+                            <p:stCondLst>
+                              <p:cond delay="0"/>
+                            </p:stCondLst>
+                            <p:childTnLst>
+                              <p:par>
+                                <p:cTn id="5" presetID="14" presetClass="entr" presetSubtype="10" fill="hold" grpId="0" nodeType="clickEffect">
+                                  <p:stCondLst>
+                                    <p:cond delay="0"/>
+                                  </p:stCondLst>
+                                  <p:childTnLst>
+                                    <p:set>
+                                      <p:cBhvr>
+                                        <p:cTn id="6" dur="1" fill="hold">
+                                          <p:stCondLst>
+                                            <p:cond delay="0"/>
+                                          </p:stCondLst>
+                                        </p:cTn>
+                                        <p:tgtEl>
+                                          <p:spTgt spid="2"/>
+                                        </p:tgtEl>
+                                        <p:attrNameLst>
+                                          <p:attrName>style.visibility</p:attrName>
+                                        </p:attrNameLst>
+                                      </p:cBhvr>
+                                      <p:to>
+                                        <p:strVal val="visible"/>
+                                      </p:to>
+                                    </p:set>
+                                    <p:animEffect transition="in" filter="randombar(horizontal)">
+                                      <p:cBhvr>
+                                        <p:cTn id="7" dur="500"/>
+                                        <p:tgtEl>
+                                          <p:spTgt spid="2"/>
+                                        </p:tgtEl>
+                                      </p:cBhvr>
+                                    </p:animEffect>
+                                  </p:childTnLst>
+                                </p:cTn>
+                              </p:par>
+                            </p:childTnLst>
+                          </p:cTn>
+                        </p:par>
+                      </p:childTnLst>
+                    </p:cTn>
+                  </p:par>
+                  <p:par>
+                    <p:cTn id="8" fill="hold">
+                      <p:stCondLst>
+                        <p:cond delay="indefinite"/>
+                      </p:stCondLst>
+                      <p:childTnLst>
+                        <p:par>
+                          <p:cTn id="9" fill="hold">
+                            <p:stCondLst>
+                              <p:cond delay="0"/>
+                            </p:stCondLst>
+                            <p:childTnLst>
+                              <p:par>
+                                <p:cTn id="10" presetID="10" presetClass="entr" presetSubtype="0" fill="hold" nodeType="clickEffect">
+                                  <p:stCondLst>
+                                    <p:cond delay="0"/>
+                                  </p:stCondLst>
+                                  <p:childTnLst>
+                                    <p:set>
+                                      <p:cBhvr>
+                                        <p:cTn id="11" dur="1" fill="hold">
+                                          <p:stCondLst>
+                                            <p:cond delay="0"/>
+                                          </p:stCondLst>
+                                        </p:cTn>
+                                        <p:tgtEl>
+                                          <p:spTgt spid="3">
+                                            <p:txEl>
+                                              <p:pRg st="0" end="0"/>
+                                            </p:txEl>
+                                          </p:spTgt>
+                                        </p:tgtEl>
+                                        <p:attrNameLst>
+                                          <p:attrName>style.visibility</p:attrName>
+                                        </p:attrNameLst>
+                                      </p:cBhvr>
+                                      <p:to>
+                                        <p:strVal val="visible"/>
+                                      </p:to>
+                                    </p:set>
+                                    <p:animEffect transition="in" filter="fade">
+                                      <p:cBhvr>
+                                        <p:cTn id="12" dur="500"/>
+                                        <p:tgtEl>
+                                          <p:spTgt spid="3">
+                                            <p:txEl>
+                                              <p:pRg st="0" end="0"/>
+                                            </p:txEl>
+                                          </p:spTgt>
+                                        </p:tgtEl>
+                                      </p:cBhvr>
+                                    </p:animEffect>
+                                  </p:childTnLst>
+                                </p:cTn>
+                              </p:par>
+                            </p:childTnLst>
+                          </p:cTn>
+                        </p:par>
+                      </p:childTnLst>
+                    </p:cTn>
+                  </p:par>
+                  <p:par>
+                    <p:cTn id="13" fill="hold">
+                      <p:stCondLst>
+                        <p:cond delay="indefinite"/>
+                      </p:stCondLst>
+                      <p:childTnLst>
+                        <p:par>
+                          <p:cTn id="14" fill="hold">
+                            <p:stCondLst>
+                              <p:cond delay="0"/>
+                            </p:stCondLst>
+                            <p:childTnLst>
+                              <p:par>
+                                <p:cTn id="15" presetID="24" presetClass="emph" presetSubtype="0" fill="hold" nodeType="clickEffect">
+                                  <p:stCondLst>
+                                    <p:cond delay="0"/>
+                                  </p:stCondLst>
+                                  <p:childTnLst>
+                                    <p:animClr clrSpc="hsl" dir="cw">
+                                      <p:cBhvr override="childStyle">
+                                        <p:cTn id="16" dur="500" fill="hold"/>
+                                        <p:tgtEl>
+                                          <p:spTgt spid="3">
+                                            <p:txEl>
+                                              <p:pRg st="0" end="0"/>
+                                            </p:txEl>
+                                          </p:spTgt>
+                                        </p:tgtEl>
+                                        <p:attrNameLst>
+                                          <p:attrName>style.color</p:attrName>
+                                        </p:attrNameLst>
+                                      </p:cBhvr>
+                                      <p:by>
+                                        <p:hsl h="0" s="-12549" l="-25098"/>
+                                      </p:by>
+                                    </p:animClr>
+                                    <p:animClr clrSpc="hsl" dir="cw">
+                                      <p:cBhvr>
+                                        <p:cTn id="17" dur="500" fill="hold"/>
+                                        <p:tgtEl>
+                                          <p:spTgt spid="3">
+                                            <p:txEl>
+                                              <p:pRg st="0" end="0"/>
+                                            </p:txEl>
+                                          </p:spTgt>
+                                        </p:tgtEl>
+                                        <p:attrNameLst>
+                                          <p:attrName>fillcolor</p:attrName>
+                                        </p:attrNameLst>
+                                      </p:cBhvr>
+                                      <p:by>
+                                        <p:hsl h="0" s="-12549" l="-25098"/>
+                                      </p:by>
+                                    </p:animClr>
+                                    <p:animClr clrSpc="hsl" dir="cw">
+                                      <p:cBhvr>
+                                        <p:cTn id="18" dur="500" fill="hold"/>
+                                        <p:tgtEl>
+                                          <p:spTgt spid="3">
+                                            <p:txEl>
+                                              <p:pRg st="0" end="0"/>
+                                            </p:txEl>
+                                          </p:spTgt>
+                                        </p:tgtEl>
+                                        <p:attrNameLst>
+                                          <p:attrName>stroke.color</p:attrName>
+                                        </p:attrNameLst>
+                                      </p:cBhvr>
+                                      <p:by>
+                                        <p:hsl h="0" s="-12549" l="-25098"/>
+                                      </p:by>
+                                    </p:animClr>
+                                    <p:set>
+                                      <p:cBhvr>
+                                        <p:cTn id="19" dur="500" fill="hold"/>
+                                        <p:tgtEl>
+                                          <p:spTgt spid="3">
+                                            <p:txEl>
+                                              <p:pRg st="0" end="0"/>
+                                            </p:txEl>
+                                          </p:spTgt>
+                                        </p:tgtEl>
+                                        <p:attrNameLst>
+                                          <p:attrName>fill.type</p:attrName>
+                                        </p:attrNameLst>
+                                      </p:cBhvr>
+                                      <p:to>
+                                        <p:strVal val="solid"/>
+                                      </p:to>
+                                    </p:set>
+                                  </p:childTnLst>
+                                </p:cTn>
+                              </p:par>
+                            </p:childTnLst>
+                          </p:cTn>
+                        </p:par>
+                      </p:childTnLst>
+                    </p:cTn>
+                  </p:par>
+                </p:childTnLst>
+              </p:cTn>
+              <p:prevCondLst>
+                <p:cond evt="onPrev" delay="0">
+                  <p:tgtEl>
+                    <p:sldTgt/>
+                  </p:tgtEl>
+                </p:cond>
+              </p:prevCondLst>
+              <p:nextCondLst>
+                <p:cond evt="onNext" delay="0">
+                  <p:tgtEl>
+                    <p:sldTgt/>
+                  </p:tgtEl>
+                </p:cond>
+              </p:nextCondLst>
+            </p:seq>
+          </p:childTnLst>
+        </p:cTn>
       </p:par>
     </p:tnLst>
+    <p:bldLst>
+      <p:bldP spid="2" grpId="0"/>
+    </p:bldLst>
   </p:timing>
 </p:sld>
 </file>
@@ -9707,10 +11708,9 @@
           <a:lstStyle/>
           <a:p>
             <a:r>
-              <a:rPr lang="hu-HU" dirty="0" smtClean="0"/>
+              <a:rPr lang="hu-HU" dirty="0"/>
               <a:t>Fejlesztők:	</a:t>
             </a:r>
-            <a:endParaRPr lang="hu-HU" dirty="0"/>
           </a:p>
         </p:txBody>
       </p:sp>
@@ -9735,39 +11735,39 @@
           <a:lstStyle/>
           <a:p>
             <a:r>
-              <a:rPr lang="hu-HU" dirty="0" smtClean="0"/>
+              <a:rPr lang="hu-HU" dirty="0"/>
               <a:t>Maschek Márk - főnök</a:t>
             </a:r>
           </a:p>
           <a:p>
             <a:r>
-              <a:rPr lang="hu-HU" dirty="0" smtClean="0"/>
+              <a:rPr lang="hu-HU" dirty="0"/>
               <a:t>Kovács </a:t>
             </a:r>
             <a:r>
-              <a:rPr lang="hu-HU" dirty="0" err="1" smtClean="0"/>
+              <a:rPr lang="hu-HU" dirty="0" err="1"/>
               <a:t>zsolt</a:t>
             </a:r>
             <a:r>
-              <a:rPr lang="hu-HU" dirty="0" smtClean="0"/>
+              <a:rPr lang="hu-HU" dirty="0"/>
               <a:t> - segéd</a:t>
             </a:r>
           </a:p>
           <a:p>
             <a:r>
-              <a:rPr lang="hu-HU" dirty="0" smtClean="0"/>
+              <a:rPr lang="hu-HU" dirty="0"/>
               <a:t>Sós </a:t>
             </a:r>
             <a:r>
-              <a:rPr lang="hu-HU" dirty="0" err="1" smtClean="0"/>
+              <a:rPr lang="hu-HU" dirty="0" err="1"/>
               <a:t>alex</a:t>
             </a:r>
             <a:r>
-              <a:rPr lang="hu-HU" dirty="0" smtClean="0"/>
+              <a:rPr lang="hu-HU" dirty="0"/>
               <a:t> – </a:t>
             </a:r>
             <a:r>
-              <a:rPr lang="hu-HU" dirty="0" err="1" smtClean="0"/>
+              <a:rPr lang="hu-HU" dirty="0" err="1"/>
               <a:t>alsegéd</a:t>
             </a:r>
             <a:endParaRPr lang="hu-HU" dirty="0"/>
@@ -9777,7 +11777,7 @@
               <a:buNone/>
             </a:pPr>
             <a:r>
-              <a:rPr lang="hu-HU" dirty="0" smtClean="0"/>
+              <a:rPr lang="hu-HU" dirty="0"/>
               <a:t>Fejlesztési idő: 1 hónap</a:t>
             </a:r>
           </a:p>
@@ -9793,13 +11793,13 @@
   <p:clrMapOvr>
     <a:masterClrMapping/>
   </p:clrMapOvr>
-  <mc:AlternateContent xmlns:mc="http://schemas.openxmlformats.org/markup-compatibility/2006">
-    <mc:Choice xmlns:p14="http://schemas.microsoft.com/office/powerpoint/2010/main" Requires="p14">
+  <mc:AlternateContent xmlns:mc="http://schemas.openxmlformats.org/markup-compatibility/2006" xmlns:p14="http://schemas.microsoft.com/office/powerpoint/2010/main">
+    <mc:Choice Requires="p14">
       <p:transition spd="slow" p14:dur="1600">
         <p:blinds dir="vert"/>
       </p:transition>
     </mc:Choice>
-    <mc:Fallback>
+    <mc:Fallback xmlns="">
       <p:transition spd="slow">
         <p:blinds dir="vert"/>
       </p:transition>
@@ -9828,7 +11828,7 @@
                               <p:par>
                                 <p:cTn id="5" presetID="26" presetClass="entr" presetSubtype="0" fill="hold" grpId="0" nodeType="clickEffect">
                                   <p:stCondLst>
-                                    <p:cond delay="0"/>
+                                    <p:cond delay="5000"/>
                                   </p:stCondLst>
                                   <p:childTnLst>
                                     <p:set>
@@ -9851,7 +11851,7 @@
                                     </p:set>
                                     <p:animEffect transition="in" filter="wipe(down)">
                                       <p:cBhvr>
-                                        <p:cTn id="7" dur="580">
+                                        <p:cTn id="7" dur="855">
                                           <p:stCondLst>
                                             <p:cond delay="0"/>
                                           </p:stCondLst>
@@ -9863,7 +11863,7 @@
                                     </p:animEffect>
                                     <p:anim calcmode="lin" valueType="num">
                                       <p:cBhvr>
-                                        <p:cTn id="8" dur="1822" tmFilter="0,0; 0.14,0.36; 0.43,0.73; 0.71,0.91; 1.0,1.0">
+                                        <p:cTn id="8" dur="2687" tmFilter="0,0; 0.14,0.36; 0.43,0.73; 0.71,0.91; 1.0,1.0">
                                           <p:stCondLst>
                                             <p:cond delay="0"/>
                                           </p:stCondLst>
@@ -9890,7 +11890,7 @@
                                     </p:anim>
                                     <p:anim calcmode="lin" valueType="num">
                                       <p:cBhvr>
-                                        <p:cTn id="9" dur="664" tmFilter="0.0,0.0; 0.25,0.07; 0.50,0.2; 0.75,0.467; 1.0,1.0">
+                                        <p:cTn id="9" dur="979" tmFilter="0.0,0.0; 0.25,0.07; 0.50,0.2; 0.75,0.467; 1.0,1.0">
                                           <p:stCondLst>
                                             <p:cond delay="0"/>
                                           </p:stCondLst>
@@ -9917,9 +11917,9 @@
                                     </p:anim>
                                     <p:anim calcmode="lin" valueType="num">
                                       <p:cBhvr>
-                                        <p:cTn id="10" dur="664" tmFilter="0, 0; 0.125,0.2665; 0.25,0.4; 0.375,0.465; 0.5,0.5;  0.625,0.535; 0.75,0.6; 0.875,0.7335; 1,1">
+                                        <p:cTn id="10" dur="979" tmFilter="0, 0; 0.125,0.2665; 0.25,0.4; 0.375,0.465; 0.5,0.5;  0.625,0.535; 0.75,0.6; 0.875,0.7335; 1,1">
                                           <p:stCondLst>
-                                            <p:cond delay="664"/>
+                                            <p:cond delay="979"/>
                                           </p:stCondLst>
                                         </p:cTn>
                                         <p:tgtEl>
@@ -9944,9 +11944,9 @@
                                     </p:anim>
                                     <p:anim calcmode="lin" valueType="num">
                                       <p:cBhvr>
-                                        <p:cTn id="11" dur="332" tmFilter="0, 0; 0.125,0.2665; 0.25,0.4; 0.375,0.465; 0.5,0.5;  0.625,0.535; 0.75,0.6; 0.875,0.7335; 1,1">
+                                        <p:cTn id="11" dur="2" tmFilter="0, 0; 0.125,0.2665; 0.25,0.4; 0.375,0.465; 0.5,0.5;  0.625,0.535; 0.75,0.6; 0.875,0.7335; 1,1">
                                           <p:stCondLst>
-                                            <p:cond delay="1324"/>
+                                            <p:cond delay="1953"/>
                                           </p:stCondLst>
                                         </p:cTn>
                                         <p:tgtEl>
@@ -9971,9 +11971,9 @@
                                     </p:anim>
                                     <p:anim calcmode="lin" valueType="num">
                                       <p:cBhvr>
-                                        <p:cTn id="12" dur="164" tmFilter="0, 0; 0.125,0.2665; 0.25,0.4; 0.375,0.465; 0.5,0.5;  0.625,0.535; 0.75,0.6; 0.875,0.7335; 1,1">
+                                        <p:cTn id="12" dur="1" tmFilter="0, 0; 0.125,0.2665; 0.25,0.4; 0.375,0.465; 0.5,0.5;  0.625,0.535; 0.75,0.6; 0.875,0.7335; 1,1">
                                           <p:stCondLst>
-                                            <p:cond delay="1656"/>
+                                            <p:cond delay="2999"/>
                                           </p:stCondLst>
                                         </p:cTn>
                                         <p:tgtEl>
@@ -9998,9 +11998,9 @@
                                     </p:anim>
                                     <p:animScale>
                                       <p:cBhvr>
-                                        <p:cTn id="13" dur="26">
+                                        <p:cTn id="13" dur="1">
                                           <p:stCondLst>
-                                            <p:cond delay="650"/>
+                                            <p:cond delay="959"/>
                                           </p:stCondLst>
                                         </p:cTn>
                                         <p:tgtEl>
@@ -10011,9 +12011,9 @@
                                     </p:animScale>
                                     <p:animScale>
                                       <p:cBhvr>
-                                        <p:cTn id="14" dur="166" decel="50000">
+                                        <p:cTn id="14" dur="1" decel="50000">
                                           <p:stCondLst>
-                                            <p:cond delay="676"/>
+                                            <p:cond delay="997"/>
                                           </p:stCondLst>
                                         </p:cTn>
                                         <p:tgtEl>
@@ -10024,9 +12024,9 @@
                                     </p:animScale>
                                     <p:animScale>
                                       <p:cBhvr>
-                                        <p:cTn id="15" dur="26">
+                                        <p:cTn id="15" dur="1">
                                           <p:stCondLst>
-                                            <p:cond delay="1312"/>
+                                            <p:cond delay="1935"/>
                                           </p:stCondLst>
                                         </p:cTn>
                                         <p:tgtEl>
@@ -10037,9 +12037,9 @@
                                     </p:animScale>
                                     <p:animScale>
                                       <p:cBhvr>
-                                        <p:cTn id="16" dur="166" decel="50000">
+                                        <p:cTn id="16" dur="1" decel="50000">
                                           <p:stCondLst>
-                                            <p:cond delay="1338"/>
+                                            <p:cond delay="1973"/>
                                           </p:stCondLst>
                                         </p:cTn>
                                         <p:tgtEl>
@@ -10050,9 +12050,9 @@
                                     </p:animScale>
                                     <p:animScale>
                                       <p:cBhvr>
-                                        <p:cTn id="17" dur="26">
+                                        <p:cTn id="17" dur="1">
                                           <p:stCondLst>
-                                            <p:cond delay="1642"/>
+                                            <p:cond delay="2999"/>
                                           </p:stCondLst>
                                         </p:cTn>
                                         <p:tgtEl>
@@ -10063,9 +12063,9 @@
                                     </p:animScale>
                                     <p:animScale>
                                       <p:cBhvr>
-                                        <p:cTn id="18" dur="166" decel="50000">
+                                        <p:cTn id="18" dur="1" decel="50000">
                                           <p:stCondLst>
-                                            <p:cond delay="1668"/>
+                                            <p:cond delay="2999"/>
                                           </p:stCondLst>
                                         </p:cTn>
                                         <p:tgtEl>
@@ -10076,9 +12076,9 @@
                                     </p:animScale>
                                     <p:animScale>
                                       <p:cBhvr>
-                                        <p:cTn id="19" dur="26">
+                                        <p:cTn id="19" dur="1">
                                           <p:stCondLst>
-                                            <p:cond delay="1808"/>
+                                            <p:cond delay="2999"/>
                                           </p:stCondLst>
                                         </p:cTn>
                                         <p:tgtEl>
@@ -10089,9 +12089,9 @@
                                     </p:animScale>
                                     <p:animScale>
                                       <p:cBhvr>
-                                        <p:cTn id="20" dur="166" decel="50000">
+                                        <p:cTn id="20" dur="1" decel="50000">
                                           <p:stCondLst>
-                                            <p:cond delay="1834"/>
+                                            <p:cond delay="2999"/>
                                           </p:stCondLst>
                                         </p:cTn>
                                         <p:tgtEl>
@@ -10124,12 +12124,12 @@
                               <p:par>
                                 <p:cTn id="23" presetID="10" presetClass="exit" presetSubtype="0" fill="hold" grpId="1" nodeType="clickEffect">
                                   <p:stCondLst>
-                                    <p:cond delay="0"/>
+                                    <p:cond delay="5000"/>
                                   </p:stCondLst>
                                   <p:childTnLst>
                                     <p:animEffect transition="out" filter="fade">
                                       <p:cBhvr>
-                                        <p:cTn id="24" dur="500"/>
+                                        <p:cTn id="24" dur="3000"/>
                                         <p:tgtEl>
                                           <p:spTgt spid="2"/>
                                         </p:tgtEl>
@@ -10139,7 +12139,7 @@
                                       <p:cBhvr>
                                         <p:cTn id="25" dur="1" fill="hold">
                                           <p:stCondLst>
-                                            <p:cond delay="499"/>
+                                            <p:cond delay="2999"/>
                                           </p:stCondLst>
                                         </p:cTn>
                                         <p:tgtEl>
@@ -10204,7 +12204,7 @@
                                     </p:set>
                                     <p:anim calcmode="lin" valueType="num">
                                       <p:cBhvr>
-                                        <p:cTn id="30" dur="18000" fill="hold"/>
+                                        <p:cTn id="30" dur="15000" fill="hold"/>
                                         <p:tgtEl>
                                           <p:spTgt spid="3">
                                             <p:txEl>
@@ -10231,7 +12231,7 @@
                                     </p:anim>
                                     <p:anim calcmode="lin" valueType="num">
                                       <p:cBhvr>
-                                        <p:cTn id="31" dur="18000" fill="hold"/>
+                                        <p:cTn id="31" dur="15000" fill="hold"/>
                                         <p:tgtEl>
                                           <p:spTgt spid="3">
                                             <p:txEl>
@@ -10289,7 +12289,7 @@
                                     </p:set>
                                     <p:anim calcmode="lin" valueType="num">
                                       <p:cBhvr>
-                                        <p:cTn id="34" dur="18000" fill="hold"/>
+                                        <p:cTn id="34" dur="15000" fill="hold"/>
                                         <p:tgtEl>
                                           <p:spTgt spid="3">
                                             <p:txEl>
@@ -10316,7 +12316,7 @@
                                     </p:anim>
                                     <p:anim calcmode="lin" valueType="num">
                                       <p:cBhvr>
-                                        <p:cTn id="35" dur="18000" fill="hold"/>
+                                        <p:cTn id="35" dur="15000" fill="hold"/>
                                         <p:tgtEl>
                                           <p:spTgt spid="3">
                                             <p:txEl>
@@ -10374,7 +12374,7 @@
                                     </p:set>
                                     <p:anim calcmode="lin" valueType="num">
                                       <p:cBhvr>
-                                        <p:cTn id="38" dur="18000" fill="hold"/>
+                                        <p:cTn id="38" dur="15000" fill="hold"/>
                                         <p:tgtEl>
                                           <p:spTgt spid="3">
                                             <p:txEl>
@@ -10401,7 +12401,7 @@
                                     </p:anim>
                                     <p:anim calcmode="lin" valueType="num">
                                       <p:cBhvr>
-                                        <p:cTn id="39" dur="18000" fill="hold"/>
+                                        <p:cTn id="39" dur="15000" fill="hold"/>
                                         <p:tgtEl>
                                           <p:spTgt spid="3">
                                             <p:txEl>
@@ -10560,10 +12560,9 @@
           <a:lstStyle/>
           <a:p>
             <a:r>
-              <a:rPr lang="hu-HU" dirty="0" smtClean="0"/>
+              <a:rPr lang="hu-HU" dirty="0"/>
               <a:t>Adatbázis program felépítése:</a:t>
             </a:r>
-            <a:endParaRPr lang="hu-HU" dirty="0"/>
           </a:p>
         </p:txBody>
       </p:sp>
@@ -10585,31 +12584,30 @@
           <a:lstStyle/>
           <a:p>
             <a:r>
-              <a:rPr lang="hu-HU" sz="2400" dirty="0" smtClean="0"/>
+              <a:rPr lang="hu-HU" sz="2400" dirty="0"/>
               <a:t>Beléptető rendszer</a:t>
             </a:r>
           </a:p>
           <a:p>
             <a:pPr lvl="1"/>
             <a:r>
-              <a:rPr lang="hu-HU" sz="2000" dirty="0" smtClean="0"/>
+              <a:rPr lang="hu-HU" sz="2000" dirty="0"/>
               <a:t>Adatbázis készítő</a:t>
             </a:r>
           </a:p>
           <a:p>
             <a:pPr lvl="2"/>
             <a:r>
-              <a:rPr lang="hu-HU" sz="1800" dirty="0" smtClean="0"/>
+              <a:rPr lang="hu-HU" sz="1800" dirty="0"/>
               <a:t>Adatbázisba való adatok beírása</a:t>
             </a:r>
           </a:p>
           <a:p>
             <a:pPr lvl="3"/>
             <a:r>
-              <a:rPr lang="hu-HU" sz="1600" dirty="0" smtClean="0"/>
+              <a:rPr lang="hu-HU" sz="1600" dirty="0"/>
               <a:t>Kilépés és automatikus mentés</a:t>
             </a:r>
-            <a:endParaRPr lang="hu-HU" sz="1600" dirty="0"/>
           </a:p>
         </p:txBody>
       </p:sp>
@@ -10647,13 +12645,13 @@
   <p:clrMapOvr>
     <a:masterClrMapping/>
   </p:clrMapOvr>
-  <mc:AlternateContent xmlns:mc="http://schemas.openxmlformats.org/markup-compatibility/2006">
-    <mc:Choice xmlns:p14="http://schemas.microsoft.com/office/powerpoint/2010/main" Requires="p14">
+  <mc:AlternateContent xmlns:mc="http://schemas.openxmlformats.org/markup-compatibility/2006" xmlns:p14="http://schemas.microsoft.com/office/powerpoint/2010/main">
+    <mc:Choice Requires="p14">
       <p:transition spd="slow" p14:dur="800">
         <p14:flythrough/>
       </p:transition>
     </mc:Choice>
-    <mc:Fallback>
+    <mc:Fallback xmlns="">
       <p:transition spd="slow">
         <p:fade/>
       </p:transition>
@@ -10662,9 +12660,663 @@
   <p:timing>
     <p:tnLst>
       <p:par>
-        <p:cTn id="1" dur="indefinite" restart="never" nodeType="tmRoot"/>
+        <p:cTn id="1" dur="indefinite" restart="never" nodeType="tmRoot">
+          <p:childTnLst>
+            <p:seq concurrent="1" nextAc="seek">
+              <p:cTn id="2" dur="indefinite" nodeType="mainSeq">
+                <p:childTnLst>
+                  <p:par>
+                    <p:cTn id="3" fill="hold">
+                      <p:stCondLst>
+                        <p:cond delay="indefinite"/>
+                      </p:stCondLst>
+                      <p:childTnLst>
+                        <p:par>
+                          <p:cTn id="4" fill="hold">
+                            <p:stCondLst>
+                              <p:cond delay="0"/>
+                            </p:stCondLst>
+                            <p:childTnLst>
+                              <p:par>
+                                <p:cTn id="5" presetID="41" presetClass="entr" presetSubtype="0" fill="hold" grpId="0" nodeType="clickEffect">
+                                  <p:stCondLst>
+                                    <p:cond delay="0"/>
+                                  </p:stCondLst>
+                                  <p:iterate type="lt">
+                                    <p:tmPct val="10000"/>
+                                  </p:iterate>
+                                  <p:childTnLst>
+                                    <p:set>
+                                      <p:cBhvr>
+                                        <p:cTn id="6" dur="1" fill="hold">
+                                          <p:stCondLst>
+                                            <p:cond delay="0"/>
+                                          </p:stCondLst>
+                                        </p:cTn>
+                                        <p:tgtEl>
+                                          <p:spTgt spid="2"/>
+                                        </p:tgtEl>
+                                        <p:attrNameLst>
+                                          <p:attrName>style.visibility</p:attrName>
+                                        </p:attrNameLst>
+                                      </p:cBhvr>
+                                      <p:to>
+                                        <p:strVal val="visible"/>
+                                      </p:to>
+                                    </p:set>
+                                    <p:anim calcmode="lin" valueType="num">
+                                      <p:cBhvr>
+                                        <p:cTn id="7" dur="500" fill="hold"/>
+                                        <p:tgtEl>
+                                          <p:spTgt spid="2"/>
+                                        </p:tgtEl>
+                                        <p:attrNameLst>
+                                          <p:attrName>ppt_x</p:attrName>
+                                        </p:attrNameLst>
+                                      </p:cBhvr>
+                                      <p:tavLst>
+                                        <p:tav tm="0">
+                                          <p:val>
+                                            <p:strVal val="#ppt_x"/>
+                                          </p:val>
+                                        </p:tav>
+                                        <p:tav tm="50000">
+                                          <p:val>
+                                            <p:strVal val="#ppt_x+.1"/>
+                                          </p:val>
+                                        </p:tav>
+                                        <p:tav tm="100000">
+                                          <p:val>
+                                            <p:strVal val="#ppt_x"/>
+                                          </p:val>
+                                        </p:tav>
+                                      </p:tavLst>
+                                    </p:anim>
+                                    <p:anim calcmode="lin" valueType="num">
+                                      <p:cBhvr>
+                                        <p:cTn id="8" dur="500" fill="hold"/>
+                                        <p:tgtEl>
+                                          <p:spTgt spid="2"/>
+                                        </p:tgtEl>
+                                        <p:attrNameLst>
+                                          <p:attrName>ppt_y</p:attrName>
+                                        </p:attrNameLst>
+                                      </p:cBhvr>
+                                      <p:tavLst>
+                                        <p:tav tm="0">
+                                          <p:val>
+                                            <p:strVal val="#ppt_y"/>
+                                          </p:val>
+                                        </p:tav>
+                                        <p:tav tm="100000">
+                                          <p:val>
+                                            <p:strVal val="#ppt_y"/>
+                                          </p:val>
+                                        </p:tav>
+                                      </p:tavLst>
+                                    </p:anim>
+                                    <p:anim calcmode="lin" valueType="num">
+                                      <p:cBhvr>
+                                        <p:cTn id="9" dur="500" fill="hold"/>
+                                        <p:tgtEl>
+                                          <p:spTgt spid="2"/>
+                                        </p:tgtEl>
+                                        <p:attrNameLst>
+                                          <p:attrName>ppt_h</p:attrName>
+                                        </p:attrNameLst>
+                                      </p:cBhvr>
+                                      <p:tavLst>
+                                        <p:tav tm="0">
+                                          <p:val>
+                                            <p:strVal val="#ppt_h/10"/>
+                                          </p:val>
+                                        </p:tav>
+                                        <p:tav tm="50000">
+                                          <p:val>
+                                            <p:strVal val="#ppt_h+.01"/>
+                                          </p:val>
+                                        </p:tav>
+                                        <p:tav tm="100000">
+                                          <p:val>
+                                            <p:strVal val="#ppt_h"/>
+                                          </p:val>
+                                        </p:tav>
+                                      </p:tavLst>
+                                    </p:anim>
+                                    <p:anim calcmode="lin" valueType="num">
+                                      <p:cBhvr>
+                                        <p:cTn id="10" dur="500" fill="hold"/>
+                                        <p:tgtEl>
+                                          <p:spTgt spid="2"/>
+                                        </p:tgtEl>
+                                        <p:attrNameLst>
+                                          <p:attrName>ppt_w</p:attrName>
+                                        </p:attrNameLst>
+                                      </p:cBhvr>
+                                      <p:tavLst>
+                                        <p:tav tm="0">
+                                          <p:val>
+                                            <p:strVal val="#ppt_w/10"/>
+                                          </p:val>
+                                        </p:tav>
+                                        <p:tav tm="50000">
+                                          <p:val>
+                                            <p:strVal val="#ppt_w+.01"/>
+                                          </p:val>
+                                        </p:tav>
+                                        <p:tav tm="100000">
+                                          <p:val>
+                                            <p:strVal val="#ppt_w"/>
+                                          </p:val>
+                                        </p:tav>
+                                      </p:tavLst>
+                                    </p:anim>
+                                    <p:animEffect transition="in" filter="fade">
+                                      <p:cBhvr>
+                                        <p:cTn id="11" dur="500" tmFilter="0,0; .5, 1; 1, 1"/>
+                                        <p:tgtEl>
+                                          <p:spTgt spid="2"/>
+                                        </p:tgtEl>
+                                      </p:cBhvr>
+                                    </p:animEffect>
+                                  </p:childTnLst>
+                                </p:cTn>
+                              </p:par>
+                            </p:childTnLst>
+                          </p:cTn>
+                        </p:par>
+                      </p:childTnLst>
+                    </p:cTn>
+                  </p:par>
+                  <p:par>
+                    <p:cTn id="12" fill="hold">
+                      <p:stCondLst>
+                        <p:cond delay="indefinite"/>
+                      </p:stCondLst>
+                      <p:childTnLst>
+                        <p:par>
+                          <p:cTn id="13" fill="hold">
+                            <p:stCondLst>
+                              <p:cond delay="0"/>
+                            </p:stCondLst>
+                            <p:childTnLst>
+                              <p:par>
+                                <p:cTn id="14" presetID="2" presetClass="entr" presetSubtype="4" fill="hold" nodeType="clickEffect">
+                                  <p:stCondLst>
+                                    <p:cond delay="0"/>
+                                  </p:stCondLst>
+                                  <p:childTnLst>
+                                    <p:set>
+                                      <p:cBhvr>
+                                        <p:cTn id="15" dur="1" fill="hold">
+                                          <p:stCondLst>
+                                            <p:cond delay="0"/>
+                                          </p:stCondLst>
+                                        </p:cTn>
+                                        <p:tgtEl>
+                                          <p:spTgt spid="3">
+                                            <p:txEl>
+                                              <p:pRg st="0" end="0"/>
+                                            </p:txEl>
+                                          </p:spTgt>
+                                        </p:tgtEl>
+                                        <p:attrNameLst>
+                                          <p:attrName>style.visibility</p:attrName>
+                                        </p:attrNameLst>
+                                      </p:cBhvr>
+                                      <p:to>
+                                        <p:strVal val="visible"/>
+                                      </p:to>
+                                    </p:set>
+                                    <p:anim calcmode="lin" valueType="num">
+                                      <p:cBhvr additive="base">
+                                        <p:cTn id="16" dur="500" fill="hold"/>
+                                        <p:tgtEl>
+                                          <p:spTgt spid="3">
+                                            <p:txEl>
+                                              <p:pRg st="0" end="0"/>
+                                            </p:txEl>
+                                          </p:spTgt>
+                                        </p:tgtEl>
+                                        <p:attrNameLst>
+                                          <p:attrName>ppt_x</p:attrName>
+                                        </p:attrNameLst>
+                                      </p:cBhvr>
+                                      <p:tavLst>
+                                        <p:tav tm="0">
+                                          <p:val>
+                                            <p:strVal val="#ppt_x"/>
+                                          </p:val>
+                                        </p:tav>
+                                        <p:tav tm="100000">
+                                          <p:val>
+                                            <p:strVal val="#ppt_x"/>
+                                          </p:val>
+                                        </p:tav>
+                                      </p:tavLst>
+                                    </p:anim>
+                                    <p:anim calcmode="lin" valueType="num">
+                                      <p:cBhvr additive="base">
+                                        <p:cTn id="17" dur="500" fill="hold"/>
+                                        <p:tgtEl>
+                                          <p:spTgt spid="3">
+                                            <p:txEl>
+                                              <p:pRg st="0" end="0"/>
+                                            </p:txEl>
+                                          </p:spTgt>
+                                        </p:tgtEl>
+                                        <p:attrNameLst>
+                                          <p:attrName>ppt_y</p:attrName>
+                                        </p:attrNameLst>
+                                      </p:cBhvr>
+                                      <p:tavLst>
+                                        <p:tav tm="0">
+                                          <p:val>
+                                            <p:strVal val="1+#ppt_h/2"/>
+                                          </p:val>
+                                        </p:tav>
+                                        <p:tav tm="100000">
+                                          <p:val>
+                                            <p:strVal val="#ppt_y"/>
+                                          </p:val>
+                                        </p:tav>
+                                      </p:tavLst>
+                                    </p:anim>
+                                  </p:childTnLst>
+                                </p:cTn>
+                              </p:par>
+                            </p:childTnLst>
+                          </p:cTn>
+                        </p:par>
+                      </p:childTnLst>
+                    </p:cTn>
+                  </p:par>
+                  <p:par>
+                    <p:cTn id="18" fill="hold">
+                      <p:stCondLst>
+                        <p:cond delay="indefinite"/>
+                      </p:stCondLst>
+                      <p:childTnLst>
+                        <p:par>
+                          <p:cTn id="19" fill="hold">
+                            <p:stCondLst>
+                              <p:cond delay="0"/>
+                            </p:stCondLst>
+                            <p:childTnLst>
+                              <p:par>
+                                <p:cTn id="20" presetID="2" presetClass="entr" presetSubtype="4" fill="hold" nodeType="clickEffect">
+                                  <p:stCondLst>
+                                    <p:cond delay="0"/>
+                                  </p:stCondLst>
+                                  <p:childTnLst>
+                                    <p:set>
+                                      <p:cBhvr>
+                                        <p:cTn id="21" dur="1" fill="hold">
+                                          <p:stCondLst>
+                                            <p:cond delay="0"/>
+                                          </p:stCondLst>
+                                        </p:cTn>
+                                        <p:tgtEl>
+                                          <p:spTgt spid="3">
+                                            <p:txEl>
+                                              <p:pRg st="1" end="1"/>
+                                            </p:txEl>
+                                          </p:spTgt>
+                                        </p:tgtEl>
+                                        <p:attrNameLst>
+                                          <p:attrName>style.visibility</p:attrName>
+                                        </p:attrNameLst>
+                                      </p:cBhvr>
+                                      <p:to>
+                                        <p:strVal val="visible"/>
+                                      </p:to>
+                                    </p:set>
+                                    <p:anim calcmode="lin" valueType="num">
+                                      <p:cBhvr additive="base">
+                                        <p:cTn id="22" dur="500" fill="hold"/>
+                                        <p:tgtEl>
+                                          <p:spTgt spid="3">
+                                            <p:txEl>
+                                              <p:pRg st="1" end="1"/>
+                                            </p:txEl>
+                                          </p:spTgt>
+                                        </p:tgtEl>
+                                        <p:attrNameLst>
+                                          <p:attrName>ppt_x</p:attrName>
+                                        </p:attrNameLst>
+                                      </p:cBhvr>
+                                      <p:tavLst>
+                                        <p:tav tm="0">
+                                          <p:val>
+                                            <p:strVal val="#ppt_x"/>
+                                          </p:val>
+                                        </p:tav>
+                                        <p:tav tm="100000">
+                                          <p:val>
+                                            <p:strVal val="#ppt_x"/>
+                                          </p:val>
+                                        </p:tav>
+                                      </p:tavLst>
+                                    </p:anim>
+                                    <p:anim calcmode="lin" valueType="num">
+                                      <p:cBhvr additive="base">
+                                        <p:cTn id="23" dur="500" fill="hold"/>
+                                        <p:tgtEl>
+                                          <p:spTgt spid="3">
+                                            <p:txEl>
+                                              <p:pRg st="1" end="1"/>
+                                            </p:txEl>
+                                          </p:spTgt>
+                                        </p:tgtEl>
+                                        <p:attrNameLst>
+                                          <p:attrName>ppt_y</p:attrName>
+                                        </p:attrNameLst>
+                                      </p:cBhvr>
+                                      <p:tavLst>
+                                        <p:tav tm="0">
+                                          <p:val>
+                                            <p:strVal val="1+#ppt_h/2"/>
+                                          </p:val>
+                                        </p:tav>
+                                        <p:tav tm="100000">
+                                          <p:val>
+                                            <p:strVal val="#ppt_y"/>
+                                          </p:val>
+                                        </p:tav>
+                                      </p:tavLst>
+                                    </p:anim>
+                                  </p:childTnLst>
+                                </p:cTn>
+                              </p:par>
+                            </p:childTnLst>
+                          </p:cTn>
+                        </p:par>
+                      </p:childTnLst>
+                    </p:cTn>
+                  </p:par>
+                  <p:par>
+                    <p:cTn id="24" fill="hold">
+                      <p:stCondLst>
+                        <p:cond delay="indefinite"/>
+                      </p:stCondLst>
+                      <p:childTnLst>
+                        <p:par>
+                          <p:cTn id="25" fill="hold">
+                            <p:stCondLst>
+                              <p:cond delay="0"/>
+                            </p:stCondLst>
+                            <p:childTnLst>
+                              <p:par>
+                                <p:cTn id="26" presetID="2" presetClass="entr" presetSubtype="4" fill="hold" nodeType="clickEffect">
+                                  <p:stCondLst>
+                                    <p:cond delay="0"/>
+                                  </p:stCondLst>
+                                  <p:childTnLst>
+                                    <p:set>
+                                      <p:cBhvr>
+                                        <p:cTn id="27" dur="1" fill="hold">
+                                          <p:stCondLst>
+                                            <p:cond delay="0"/>
+                                          </p:stCondLst>
+                                        </p:cTn>
+                                        <p:tgtEl>
+                                          <p:spTgt spid="3">
+                                            <p:txEl>
+                                              <p:pRg st="2" end="2"/>
+                                            </p:txEl>
+                                          </p:spTgt>
+                                        </p:tgtEl>
+                                        <p:attrNameLst>
+                                          <p:attrName>style.visibility</p:attrName>
+                                        </p:attrNameLst>
+                                      </p:cBhvr>
+                                      <p:to>
+                                        <p:strVal val="visible"/>
+                                      </p:to>
+                                    </p:set>
+                                    <p:anim calcmode="lin" valueType="num">
+                                      <p:cBhvr additive="base">
+                                        <p:cTn id="28" dur="500" fill="hold"/>
+                                        <p:tgtEl>
+                                          <p:spTgt spid="3">
+                                            <p:txEl>
+                                              <p:pRg st="2" end="2"/>
+                                            </p:txEl>
+                                          </p:spTgt>
+                                        </p:tgtEl>
+                                        <p:attrNameLst>
+                                          <p:attrName>ppt_x</p:attrName>
+                                        </p:attrNameLst>
+                                      </p:cBhvr>
+                                      <p:tavLst>
+                                        <p:tav tm="0">
+                                          <p:val>
+                                            <p:strVal val="#ppt_x"/>
+                                          </p:val>
+                                        </p:tav>
+                                        <p:tav tm="100000">
+                                          <p:val>
+                                            <p:strVal val="#ppt_x"/>
+                                          </p:val>
+                                        </p:tav>
+                                      </p:tavLst>
+                                    </p:anim>
+                                    <p:anim calcmode="lin" valueType="num">
+                                      <p:cBhvr additive="base">
+                                        <p:cTn id="29" dur="500" fill="hold"/>
+                                        <p:tgtEl>
+                                          <p:spTgt spid="3">
+                                            <p:txEl>
+                                              <p:pRg st="2" end="2"/>
+                                            </p:txEl>
+                                          </p:spTgt>
+                                        </p:tgtEl>
+                                        <p:attrNameLst>
+                                          <p:attrName>ppt_y</p:attrName>
+                                        </p:attrNameLst>
+                                      </p:cBhvr>
+                                      <p:tavLst>
+                                        <p:tav tm="0">
+                                          <p:val>
+                                            <p:strVal val="1+#ppt_h/2"/>
+                                          </p:val>
+                                        </p:tav>
+                                        <p:tav tm="100000">
+                                          <p:val>
+                                            <p:strVal val="#ppt_y"/>
+                                          </p:val>
+                                        </p:tav>
+                                      </p:tavLst>
+                                    </p:anim>
+                                  </p:childTnLst>
+                                </p:cTn>
+                              </p:par>
+                            </p:childTnLst>
+                          </p:cTn>
+                        </p:par>
+                      </p:childTnLst>
+                    </p:cTn>
+                  </p:par>
+                  <p:par>
+                    <p:cTn id="30" fill="hold">
+                      <p:stCondLst>
+                        <p:cond delay="indefinite"/>
+                      </p:stCondLst>
+                      <p:childTnLst>
+                        <p:par>
+                          <p:cTn id="31" fill="hold">
+                            <p:stCondLst>
+                              <p:cond delay="0"/>
+                            </p:stCondLst>
+                            <p:childTnLst>
+                              <p:par>
+                                <p:cTn id="32" presetID="2" presetClass="entr" presetSubtype="4" fill="hold" nodeType="clickEffect">
+                                  <p:stCondLst>
+                                    <p:cond delay="0"/>
+                                  </p:stCondLst>
+                                  <p:childTnLst>
+                                    <p:set>
+                                      <p:cBhvr>
+                                        <p:cTn id="33" dur="1" fill="hold">
+                                          <p:stCondLst>
+                                            <p:cond delay="0"/>
+                                          </p:stCondLst>
+                                        </p:cTn>
+                                        <p:tgtEl>
+                                          <p:spTgt spid="3">
+                                            <p:txEl>
+                                              <p:pRg st="3" end="3"/>
+                                            </p:txEl>
+                                          </p:spTgt>
+                                        </p:tgtEl>
+                                        <p:attrNameLst>
+                                          <p:attrName>style.visibility</p:attrName>
+                                        </p:attrNameLst>
+                                      </p:cBhvr>
+                                      <p:to>
+                                        <p:strVal val="visible"/>
+                                      </p:to>
+                                    </p:set>
+                                    <p:anim calcmode="lin" valueType="num">
+                                      <p:cBhvr additive="base">
+                                        <p:cTn id="34" dur="500" fill="hold"/>
+                                        <p:tgtEl>
+                                          <p:spTgt spid="3">
+                                            <p:txEl>
+                                              <p:pRg st="3" end="3"/>
+                                            </p:txEl>
+                                          </p:spTgt>
+                                        </p:tgtEl>
+                                        <p:attrNameLst>
+                                          <p:attrName>ppt_x</p:attrName>
+                                        </p:attrNameLst>
+                                      </p:cBhvr>
+                                      <p:tavLst>
+                                        <p:tav tm="0">
+                                          <p:val>
+                                            <p:strVal val="#ppt_x"/>
+                                          </p:val>
+                                        </p:tav>
+                                        <p:tav tm="100000">
+                                          <p:val>
+                                            <p:strVal val="#ppt_x"/>
+                                          </p:val>
+                                        </p:tav>
+                                      </p:tavLst>
+                                    </p:anim>
+                                    <p:anim calcmode="lin" valueType="num">
+                                      <p:cBhvr additive="base">
+                                        <p:cTn id="35" dur="500" fill="hold"/>
+                                        <p:tgtEl>
+                                          <p:spTgt spid="3">
+                                            <p:txEl>
+                                              <p:pRg st="3" end="3"/>
+                                            </p:txEl>
+                                          </p:spTgt>
+                                        </p:tgtEl>
+                                        <p:attrNameLst>
+                                          <p:attrName>ppt_y</p:attrName>
+                                        </p:attrNameLst>
+                                      </p:cBhvr>
+                                      <p:tavLst>
+                                        <p:tav tm="0">
+                                          <p:val>
+                                            <p:strVal val="1+#ppt_h/2"/>
+                                          </p:val>
+                                        </p:tav>
+                                        <p:tav tm="100000">
+                                          <p:val>
+                                            <p:strVal val="#ppt_y"/>
+                                          </p:val>
+                                        </p:tav>
+                                      </p:tavLst>
+                                    </p:anim>
+                                  </p:childTnLst>
+                                </p:cTn>
+                              </p:par>
+                            </p:childTnLst>
+                          </p:cTn>
+                        </p:par>
+                      </p:childTnLst>
+                    </p:cTn>
+                  </p:par>
+                  <p:par>
+                    <p:cTn id="36" fill="hold">
+                      <p:stCondLst>
+                        <p:cond delay="indefinite"/>
+                      </p:stCondLst>
+                      <p:childTnLst>
+                        <p:par>
+                          <p:cTn id="37" fill="hold">
+                            <p:stCondLst>
+                              <p:cond delay="0"/>
+                            </p:stCondLst>
+                            <p:childTnLst>
+                              <p:par>
+                                <p:cTn id="38" presetID="6" presetClass="entr" presetSubtype="16" fill="hold" nodeType="clickEffect">
+                                  <p:stCondLst>
+                                    <p:cond delay="0"/>
+                                  </p:stCondLst>
+                                  <p:childTnLst>
+                                    <p:set>
+                                      <p:cBhvr>
+                                        <p:cTn id="39" dur="1" fill="hold">
+                                          <p:stCondLst>
+                                            <p:cond delay="0"/>
+                                          </p:stCondLst>
+                                        </p:cTn>
+                                        <p:tgtEl>
+                                          <p:spTgt spid="4"/>
+                                        </p:tgtEl>
+                                        <p:attrNameLst>
+                                          <p:attrName>style.visibility</p:attrName>
+                                        </p:attrNameLst>
+                                      </p:cBhvr>
+                                      <p:to>
+                                        <p:strVal val="visible"/>
+                                      </p:to>
+                                    </p:set>
+                                    <p:animEffect transition="in" filter="circle(in)">
+                                      <p:cBhvr>
+                                        <p:cTn id="40" dur="2000"/>
+                                        <p:tgtEl>
+                                          <p:spTgt spid="4"/>
+                                        </p:tgtEl>
+                                      </p:cBhvr>
+                                    </p:animEffect>
+                                  </p:childTnLst>
+                                </p:cTn>
+                              </p:par>
+                            </p:childTnLst>
+                          </p:cTn>
+                        </p:par>
+                      </p:childTnLst>
+                    </p:cTn>
+                  </p:par>
+                </p:childTnLst>
+              </p:cTn>
+              <p:prevCondLst>
+                <p:cond evt="onPrev" delay="0">
+                  <p:tgtEl>
+                    <p:sldTgt/>
+                  </p:tgtEl>
+                </p:cond>
+              </p:prevCondLst>
+              <p:nextCondLst>
+                <p:cond evt="onNext" delay="0">
+                  <p:tgtEl>
+                    <p:sldTgt/>
+                  </p:tgtEl>
+                </p:cond>
+              </p:nextCondLst>
+            </p:seq>
+          </p:childTnLst>
+        </p:cTn>
       </p:par>
     </p:tnLst>
+    <p:bldLst>
+      <p:bldP spid="2" grpId="0"/>
+    </p:bldLst>
   </p:timing>
 </p:sld>
 </file>
@@ -10704,10 +13356,9 @@
           <a:lstStyle/>
           <a:p>
             <a:r>
-              <a:rPr lang="hu-HU" dirty="0" smtClean="0"/>
+              <a:rPr lang="hu-HU" dirty="0"/>
               <a:t>Az adatbázis:</a:t>
             </a:r>
-            <a:endParaRPr lang="hu-HU" dirty="0"/>
           </a:p>
         </p:txBody>
       </p:sp>
@@ -10757,14 +13408,14 @@
           <a:p>
             <a:pPr algn="ctr"/>
             <a:r>
-              <a:rPr lang="hu-HU" dirty="0" smtClean="0"/>
+              <a:rPr lang="hu-HU" dirty="0"/>
               <a:t>Szépség hibák javítása:</a:t>
             </a:r>
           </a:p>
           <a:p>
             <a:pPr algn="ctr"/>
             <a:r>
-              <a:rPr lang="hu-HU" dirty="0" smtClean="0"/>
+              <a:rPr lang="hu-HU" dirty="0"/>
               <a:t>Maschek Márk</a:t>
             </a:r>
           </a:p>
@@ -10794,14 +13445,14 @@
           <a:p>
             <a:pPr algn="ctr"/>
             <a:r>
-              <a:rPr lang="hu-HU" dirty="0" smtClean="0"/>
+              <a:rPr lang="hu-HU" dirty="0"/>
               <a:t>Adatok bevitele:</a:t>
             </a:r>
           </a:p>
           <a:p>
             <a:pPr algn="ctr"/>
             <a:r>
-              <a:rPr lang="hu-HU" dirty="0" smtClean="0"/>
+              <a:rPr lang="hu-HU" dirty="0"/>
               <a:t>Sós Alex</a:t>
             </a:r>
           </a:p>
@@ -10831,14 +13482,14 @@
           <a:p>
             <a:pPr algn="ctr"/>
             <a:r>
-              <a:rPr lang="hu-HU" dirty="0" smtClean="0"/>
+              <a:rPr lang="hu-HU" dirty="0"/>
               <a:t>Beléptető rendszer:</a:t>
             </a:r>
           </a:p>
           <a:p>
             <a:pPr algn="ctr"/>
             <a:r>
-              <a:rPr lang="hu-HU" dirty="0" smtClean="0"/>
+              <a:rPr lang="hu-HU" dirty="0"/>
               <a:t>Kovács Zsolt</a:t>
             </a:r>
           </a:p>
@@ -10868,24 +13519,23 @@
           <a:p>
             <a:pPr algn="ctr"/>
             <a:r>
-              <a:rPr lang="hu-HU" dirty="0" smtClean="0"/>
+              <a:rPr lang="hu-HU" dirty="0"/>
               <a:t>Adatbázis létrehozása és </a:t>
             </a:r>
           </a:p>
           <a:p>
             <a:pPr algn="ctr"/>
             <a:r>
-              <a:rPr lang="hu-HU" dirty="0" smtClean="0"/>
+              <a:rPr lang="hu-HU" dirty="0"/>
               <a:t>Működése:</a:t>
             </a:r>
             <a:br>
-              <a:rPr lang="hu-HU" dirty="0" smtClean="0"/>
+              <a:rPr lang="hu-HU" dirty="0"/>
             </a:br>
             <a:r>
-              <a:rPr lang="hu-HU" dirty="0" smtClean="0"/>
+              <a:rPr lang="hu-HU" dirty="0"/>
               <a:t>Sós Alex</a:t>
             </a:r>
-            <a:endParaRPr lang="hu-HU" dirty="0"/>
           </a:p>
         </p:txBody>
       </p:sp>
@@ -10899,13 +13549,13 @@
   <p:clrMapOvr>
     <a:masterClrMapping/>
   </p:clrMapOvr>
-  <mc:AlternateContent xmlns:mc="http://schemas.openxmlformats.org/markup-compatibility/2006">
-    <mc:Choice xmlns:p14="http://schemas.microsoft.com/office/powerpoint/2010/main" Requires="p14">
+  <mc:AlternateContent xmlns:mc="http://schemas.openxmlformats.org/markup-compatibility/2006" xmlns:p14="http://schemas.microsoft.com/office/powerpoint/2010/main">
+    <mc:Choice Requires="p14">
       <p:transition spd="slow" p14:dur="1300">
         <p14:pan dir="u"/>
       </p:transition>
     </mc:Choice>
-    <mc:Fallback>
+    <mc:Fallback xmlns="">
       <p:transition spd="slow">
         <p:fade/>
       </p:transition>
@@ -10914,9 +13564,1076 @@
   <p:timing>
     <p:tnLst>
       <p:par>
-        <p:cTn id="1" dur="indefinite" restart="never" nodeType="tmRoot"/>
+        <p:cTn id="1" dur="indefinite" restart="never" nodeType="tmRoot">
+          <p:childTnLst>
+            <p:seq concurrent="1" nextAc="seek">
+              <p:cTn id="2" dur="indefinite" nodeType="mainSeq">
+                <p:childTnLst>
+                  <p:par>
+                    <p:cTn id="3" fill="hold">
+                      <p:stCondLst>
+                        <p:cond delay="indefinite"/>
+                      </p:stCondLst>
+                      <p:childTnLst>
+                        <p:par>
+                          <p:cTn id="4" fill="hold">
+                            <p:stCondLst>
+                              <p:cond delay="0"/>
+                            </p:stCondLst>
+                            <p:childTnLst>
+                              <p:par>
+                                <p:cTn id="5" presetID="16" presetClass="entr" presetSubtype="21" fill="hold" grpId="0" nodeType="clickEffect">
+                                  <p:stCondLst>
+                                    <p:cond delay="0"/>
+                                  </p:stCondLst>
+                                  <p:childTnLst>
+                                    <p:set>
+                                      <p:cBhvr>
+                                        <p:cTn id="6" dur="1" fill="hold">
+                                          <p:stCondLst>
+                                            <p:cond delay="0"/>
+                                          </p:stCondLst>
+                                        </p:cTn>
+                                        <p:tgtEl>
+                                          <p:spTgt spid="2"/>
+                                        </p:tgtEl>
+                                        <p:attrNameLst>
+                                          <p:attrName>style.visibility</p:attrName>
+                                        </p:attrNameLst>
+                                      </p:cBhvr>
+                                      <p:to>
+                                        <p:strVal val="visible"/>
+                                      </p:to>
+                                    </p:set>
+                                    <p:animEffect transition="in" filter="barn(inVertical)">
+                                      <p:cBhvr>
+                                        <p:cTn id="7" dur="500"/>
+                                        <p:tgtEl>
+                                          <p:spTgt spid="2"/>
+                                        </p:tgtEl>
+                                      </p:cBhvr>
+                                    </p:animEffect>
+                                  </p:childTnLst>
+                                </p:cTn>
+                              </p:par>
+                            </p:childTnLst>
+                          </p:cTn>
+                        </p:par>
+                      </p:childTnLst>
+                    </p:cTn>
+                  </p:par>
+                  <p:par>
+                    <p:cTn id="8" fill="hold">
+                      <p:stCondLst>
+                        <p:cond delay="indefinite"/>
+                      </p:stCondLst>
+                      <p:childTnLst>
+                        <p:par>
+                          <p:cTn id="9" fill="hold">
+                            <p:stCondLst>
+                              <p:cond delay="0"/>
+                            </p:stCondLst>
+                            <p:childTnLst>
+                              <p:par>
+                                <p:cTn id="10" presetID="14" presetClass="entr" presetSubtype="10" fill="hold" grpId="0" nodeType="clickEffect">
+                                  <p:stCondLst>
+                                    <p:cond delay="0"/>
+                                  </p:stCondLst>
+                                  <p:childTnLst>
+                                    <p:set>
+                                      <p:cBhvr>
+                                        <p:cTn id="11" dur="1" fill="hold">
+                                          <p:stCondLst>
+                                            <p:cond delay="0"/>
+                                          </p:stCondLst>
+                                        </p:cTn>
+                                        <p:tgtEl>
+                                          <p:spTgt spid="7"/>
+                                        </p:tgtEl>
+                                        <p:attrNameLst>
+                                          <p:attrName>style.visibility</p:attrName>
+                                        </p:attrNameLst>
+                                      </p:cBhvr>
+                                      <p:to>
+                                        <p:strVal val="visible"/>
+                                      </p:to>
+                                    </p:set>
+                                    <p:animEffect transition="in" filter="randombar(horizontal)">
+                                      <p:cBhvr>
+                                        <p:cTn id="12" dur="500"/>
+                                        <p:tgtEl>
+                                          <p:spTgt spid="7"/>
+                                        </p:tgtEl>
+                                      </p:cBhvr>
+                                    </p:animEffect>
+                                  </p:childTnLst>
+                                </p:cTn>
+                              </p:par>
+                            </p:childTnLst>
+                          </p:cTn>
+                        </p:par>
+                      </p:childTnLst>
+                    </p:cTn>
+                  </p:par>
+                  <p:par>
+                    <p:cTn id="13" fill="hold">
+                      <p:stCondLst>
+                        <p:cond delay="indefinite"/>
+                      </p:stCondLst>
+                      <p:childTnLst>
+                        <p:par>
+                          <p:cTn id="14" fill="hold">
+                            <p:stCondLst>
+                              <p:cond delay="0"/>
+                            </p:stCondLst>
+                            <p:childTnLst>
+                              <p:par>
+                                <p:cTn id="15" presetID="42" presetClass="entr" presetSubtype="0" fill="hold" nodeType="clickEffect">
+                                  <p:stCondLst>
+                                    <p:cond delay="0"/>
+                                  </p:stCondLst>
+                                  <p:childTnLst>
+                                    <p:set>
+                                      <p:cBhvr>
+                                        <p:cTn id="16" dur="1" fill="hold">
+                                          <p:stCondLst>
+                                            <p:cond delay="0"/>
+                                          </p:stCondLst>
+                                        </p:cTn>
+                                        <p:tgtEl>
+                                          <p:spTgt spid="10">
+                                            <p:txEl>
+                                              <p:pRg st="0" end="0"/>
+                                            </p:txEl>
+                                          </p:spTgt>
+                                        </p:tgtEl>
+                                        <p:attrNameLst>
+                                          <p:attrName>style.visibility</p:attrName>
+                                        </p:attrNameLst>
+                                      </p:cBhvr>
+                                      <p:to>
+                                        <p:strVal val="visible"/>
+                                      </p:to>
+                                    </p:set>
+                                    <p:animEffect transition="in" filter="fade">
+                                      <p:cBhvr>
+                                        <p:cTn id="17" dur="1000"/>
+                                        <p:tgtEl>
+                                          <p:spTgt spid="10">
+                                            <p:txEl>
+                                              <p:pRg st="0" end="0"/>
+                                            </p:txEl>
+                                          </p:spTgt>
+                                        </p:tgtEl>
+                                      </p:cBhvr>
+                                    </p:animEffect>
+                                    <p:anim calcmode="lin" valueType="num">
+                                      <p:cBhvr>
+                                        <p:cTn id="18" dur="1000" fill="hold"/>
+                                        <p:tgtEl>
+                                          <p:spTgt spid="10">
+                                            <p:txEl>
+                                              <p:pRg st="0" end="0"/>
+                                            </p:txEl>
+                                          </p:spTgt>
+                                        </p:tgtEl>
+                                        <p:attrNameLst>
+                                          <p:attrName>ppt_x</p:attrName>
+                                        </p:attrNameLst>
+                                      </p:cBhvr>
+                                      <p:tavLst>
+                                        <p:tav tm="0">
+                                          <p:val>
+                                            <p:strVal val="#ppt_x"/>
+                                          </p:val>
+                                        </p:tav>
+                                        <p:tav tm="100000">
+                                          <p:val>
+                                            <p:strVal val="#ppt_x"/>
+                                          </p:val>
+                                        </p:tav>
+                                      </p:tavLst>
+                                    </p:anim>
+                                    <p:anim calcmode="lin" valueType="num">
+                                      <p:cBhvr>
+                                        <p:cTn id="19" dur="1000" fill="hold"/>
+                                        <p:tgtEl>
+                                          <p:spTgt spid="10">
+                                            <p:txEl>
+                                              <p:pRg st="0" end="0"/>
+                                            </p:txEl>
+                                          </p:spTgt>
+                                        </p:tgtEl>
+                                        <p:attrNameLst>
+                                          <p:attrName>ppt_y</p:attrName>
+                                        </p:attrNameLst>
+                                      </p:cBhvr>
+                                      <p:tavLst>
+                                        <p:tav tm="0">
+                                          <p:val>
+                                            <p:strVal val="#ppt_y+.1"/>
+                                          </p:val>
+                                        </p:tav>
+                                        <p:tav tm="100000">
+                                          <p:val>
+                                            <p:strVal val="#ppt_y"/>
+                                          </p:val>
+                                        </p:tav>
+                                      </p:tavLst>
+                                    </p:anim>
+                                  </p:childTnLst>
+                                </p:cTn>
+                              </p:par>
+                              <p:par>
+                                <p:cTn id="20" presetID="42" presetClass="entr" presetSubtype="0" fill="hold" nodeType="withEffect">
+                                  <p:stCondLst>
+                                    <p:cond delay="0"/>
+                                  </p:stCondLst>
+                                  <p:childTnLst>
+                                    <p:set>
+                                      <p:cBhvr>
+                                        <p:cTn id="21" dur="1" fill="hold">
+                                          <p:stCondLst>
+                                            <p:cond delay="0"/>
+                                          </p:stCondLst>
+                                        </p:cTn>
+                                        <p:tgtEl>
+                                          <p:spTgt spid="10">
+                                            <p:txEl>
+                                              <p:pRg st="1" end="1"/>
+                                            </p:txEl>
+                                          </p:spTgt>
+                                        </p:tgtEl>
+                                        <p:attrNameLst>
+                                          <p:attrName>style.visibility</p:attrName>
+                                        </p:attrNameLst>
+                                      </p:cBhvr>
+                                      <p:to>
+                                        <p:strVal val="visible"/>
+                                      </p:to>
+                                    </p:set>
+                                    <p:animEffect transition="in" filter="fade">
+                                      <p:cBhvr>
+                                        <p:cTn id="22" dur="1000"/>
+                                        <p:tgtEl>
+                                          <p:spTgt spid="10">
+                                            <p:txEl>
+                                              <p:pRg st="1" end="1"/>
+                                            </p:txEl>
+                                          </p:spTgt>
+                                        </p:tgtEl>
+                                      </p:cBhvr>
+                                    </p:animEffect>
+                                    <p:anim calcmode="lin" valueType="num">
+                                      <p:cBhvr>
+                                        <p:cTn id="23" dur="1000" fill="hold"/>
+                                        <p:tgtEl>
+                                          <p:spTgt spid="10">
+                                            <p:txEl>
+                                              <p:pRg st="1" end="1"/>
+                                            </p:txEl>
+                                          </p:spTgt>
+                                        </p:tgtEl>
+                                        <p:attrNameLst>
+                                          <p:attrName>ppt_x</p:attrName>
+                                        </p:attrNameLst>
+                                      </p:cBhvr>
+                                      <p:tavLst>
+                                        <p:tav tm="0">
+                                          <p:val>
+                                            <p:strVal val="#ppt_x"/>
+                                          </p:val>
+                                        </p:tav>
+                                        <p:tav tm="100000">
+                                          <p:val>
+                                            <p:strVal val="#ppt_x"/>
+                                          </p:val>
+                                        </p:tav>
+                                      </p:tavLst>
+                                    </p:anim>
+                                    <p:anim calcmode="lin" valueType="num">
+                                      <p:cBhvr>
+                                        <p:cTn id="24" dur="1000" fill="hold"/>
+                                        <p:tgtEl>
+                                          <p:spTgt spid="10">
+                                            <p:txEl>
+                                              <p:pRg st="1" end="1"/>
+                                            </p:txEl>
+                                          </p:spTgt>
+                                        </p:tgtEl>
+                                        <p:attrNameLst>
+                                          <p:attrName>ppt_y</p:attrName>
+                                        </p:attrNameLst>
+                                      </p:cBhvr>
+                                      <p:tavLst>
+                                        <p:tav tm="0">
+                                          <p:val>
+                                            <p:strVal val="#ppt_y+.1"/>
+                                          </p:val>
+                                        </p:tav>
+                                        <p:tav tm="100000">
+                                          <p:val>
+                                            <p:strVal val="#ppt_y"/>
+                                          </p:val>
+                                        </p:tav>
+                                      </p:tavLst>
+                                    </p:anim>
+                                  </p:childTnLst>
+                                </p:cTn>
+                              </p:par>
+                            </p:childTnLst>
+                          </p:cTn>
+                        </p:par>
+                      </p:childTnLst>
+                    </p:cTn>
+                  </p:par>
+                  <p:par>
+                    <p:cTn id="25" fill="hold">
+                      <p:stCondLst>
+                        <p:cond delay="indefinite"/>
+                      </p:stCondLst>
+                      <p:childTnLst>
+                        <p:par>
+                          <p:cTn id="26" fill="hold">
+                            <p:stCondLst>
+                              <p:cond delay="0"/>
+                            </p:stCondLst>
+                            <p:childTnLst>
+                              <p:par>
+                                <p:cTn id="27" presetID="42" presetClass="entr" presetSubtype="0" fill="hold" nodeType="clickEffect">
+                                  <p:stCondLst>
+                                    <p:cond delay="0"/>
+                                  </p:stCondLst>
+                                  <p:childTnLst>
+                                    <p:set>
+                                      <p:cBhvr>
+                                        <p:cTn id="28" dur="1" fill="hold">
+                                          <p:stCondLst>
+                                            <p:cond delay="0"/>
+                                          </p:stCondLst>
+                                        </p:cTn>
+                                        <p:tgtEl>
+                                          <p:spTgt spid="9">
+                                            <p:txEl>
+                                              <p:pRg st="0" end="0"/>
+                                            </p:txEl>
+                                          </p:spTgt>
+                                        </p:tgtEl>
+                                        <p:attrNameLst>
+                                          <p:attrName>style.visibility</p:attrName>
+                                        </p:attrNameLst>
+                                      </p:cBhvr>
+                                      <p:to>
+                                        <p:strVal val="visible"/>
+                                      </p:to>
+                                    </p:set>
+                                    <p:animEffect transition="in" filter="fade">
+                                      <p:cBhvr>
+                                        <p:cTn id="29" dur="1000"/>
+                                        <p:tgtEl>
+                                          <p:spTgt spid="9">
+                                            <p:txEl>
+                                              <p:pRg st="0" end="0"/>
+                                            </p:txEl>
+                                          </p:spTgt>
+                                        </p:tgtEl>
+                                      </p:cBhvr>
+                                    </p:animEffect>
+                                    <p:anim calcmode="lin" valueType="num">
+                                      <p:cBhvr>
+                                        <p:cTn id="30" dur="1000" fill="hold"/>
+                                        <p:tgtEl>
+                                          <p:spTgt spid="9">
+                                            <p:txEl>
+                                              <p:pRg st="0" end="0"/>
+                                            </p:txEl>
+                                          </p:spTgt>
+                                        </p:tgtEl>
+                                        <p:attrNameLst>
+                                          <p:attrName>ppt_x</p:attrName>
+                                        </p:attrNameLst>
+                                      </p:cBhvr>
+                                      <p:tavLst>
+                                        <p:tav tm="0">
+                                          <p:val>
+                                            <p:strVal val="#ppt_x"/>
+                                          </p:val>
+                                        </p:tav>
+                                        <p:tav tm="100000">
+                                          <p:val>
+                                            <p:strVal val="#ppt_x"/>
+                                          </p:val>
+                                        </p:tav>
+                                      </p:tavLst>
+                                    </p:anim>
+                                    <p:anim calcmode="lin" valueType="num">
+                                      <p:cBhvr>
+                                        <p:cTn id="31" dur="1000" fill="hold"/>
+                                        <p:tgtEl>
+                                          <p:spTgt spid="9">
+                                            <p:txEl>
+                                              <p:pRg st="0" end="0"/>
+                                            </p:txEl>
+                                          </p:spTgt>
+                                        </p:tgtEl>
+                                        <p:attrNameLst>
+                                          <p:attrName>ppt_y</p:attrName>
+                                        </p:attrNameLst>
+                                      </p:cBhvr>
+                                      <p:tavLst>
+                                        <p:tav tm="0">
+                                          <p:val>
+                                            <p:strVal val="#ppt_y+.1"/>
+                                          </p:val>
+                                        </p:tav>
+                                        <p:tav tm="100000">
+                                          <p:val>
+                                            <p:strVal val="#ppt_y"/>
+                                          </p:val>
+                                        </p:tav>
+                                      </p:tavLst>
+                                    </p:anim>
+                                  </p:childTnLst>
+                                </p:cTn>
+                              </p:par>
+                              <p:par>
+                                <p:cTn id="32" presetID="42" presetClass="entr" presetSubtype="0" fill="hold" nodeType="withEffect">
+                                  <p:stCondLst>
+                                    <p:cond delay="0"/>
+                                  </p:stCondLst>
+                                  <p:childTnLst>
+                                    <p:set>
+                                      <p:cBhvr>
+                                        <p:cTn id="33" dur="1" fill="hold">
+                                          <p:stCondLst>
+                                            <p:cond delay="0"/>
+                                          </p:stCondLst>
+                                        </p:cTn>
+                                        <p:tgtEl>
+                                          <p:spTgt spid="9">
+                                            <p:txEl>
+                                              <p:pRg st="1" end="1"/>
+                                            </p:txEl>
+                                          </p:spTgt>
+                                        </p:tgtEl>
+                                        <p:attrNameLst>
+                                          <p:attrName>style.visibility</p:attrName>
+                                        </p:attrNameLst>
+                                      </p:cBhvr>
+                                      <p:to>
+                                        <p:strVal val="visible"/>
+                                      </p:to>
+                                    </p:set>
+                                    <p:animEffect transition="in" filter="fade">
+                                      <p:cBhvr>
+                                        <p:cTn id="34" dur="1000"/>
+                                        <p:tgtEl>
+                                          <p:spTgt spid="9">
+                                            <p:txEl>
+                                              <p:pRg st="1" end="1"/>
+                                            </p:txEl>
+                                          </p:spTgt>
+                                        </p:tgtEl>
+                                      </p:cBhvr>
+                                    </p:animEffect>
+                                    <p:anim calcmode="lin" valueType="num">
+                                      <p:cBhvr>
+                                        <p:cTn id="35" dur="1000" fill="hold"/>
+                                        <p:tgtEl>
+                                          <p:spTgt spid="9">
+                                            <p:txEl>
+                                              <p:pRg st="1" end="1"/>
+                                            </p:txEl>
+                                          </p:spTgt>
+                                        </p:tgtEl>
+                                        <p:attrNameLst>
+                                          <p:attrName>ppt_x</p:attrName>
+                                        </p:attrNameLst>
+                                      </p:cBhvr>
+                                      <p:tavLst>
+                                        <p:tav tm="0">
+                                          <p:val>
+                                            <p:strVal val="#ppt_x"/>
+                                          </p:val>
+                                        </p:tav>
+                                        <p:tav tm="100000">
+                                          <p:val>
+                                            <p:strVal val="#ppt_x"/>
+                                          </p:val>
+                                        </p:tav>
+                                      </p:tavLst>
+                                    </p:anim>
+                                    <p:anim calcmode="lin" valueType="num">
+                                      <p:cBhvr>
+                                        <p:cTn id="36" dur="1000" fill="hold"/>
+                                        <p:tgtEl>
+                                          <p:spTgt spid="9">
+                                            <p:txEl>
+                                              <p:pRg st="1" end="1"/>
+                                            </p:txEl>
+                                          </p:spTgt>
+                                        </p:tgtEl>
+                                        <p:attrNameLst>
+                                          <p:attrName>ppt_y</p:attrName>
+                                        </p:attrNameLst>
+                                      </p:cBhvr>
+                                      <p:tavLst>
+                                        <p:tav tm="0">
+                                          <p:val>
+                                            <p:strVal val="#ppt_y+.1"/>
+                                          </p:val>
+                                        </p:tav>
+                                        <p:tav tm="100000">
+                                          <p:val>
+                                            <p:strVal val="#ppt_y"/>
+                                          </p:val>
+                                        </p:tav>
+                                      </p:tavLst>
+                                    </p:anim>
+                                  </p:childTnLst>
+                                </p:cTn>
+                              </p:par>
+                            </p:childTnLst>
+                          </p:cTn>
+                        </p:par>
+                      </p:childTnLst>
+                    </p:cTn>
+                  </p:par>
+                  <p:par>
+                    <p:cTn id="37" fill="hold">
+                      <p:stCondLst>
+                        <p:cond delay="indefinite"/>
+                      </p:stCondLst>
+                      <p:childTnLst>
+                        <p:par>
+                          <p:cTn id="38" fill="hold">
+                            <p:stCondLst>
+                              <p:cond delay="0"/>
+                            </p:stCondLst>
+                            <p:childTnLst>
+                              <p:par>
+                                <p:cTn id="39" presetID="42" presetClass="entr" presetSubtype="0" fill="hold" nodeType="clickEffect">
+                                  <p:stCondLst>
+                                    <p:cond delay="0"/>
+                                  </p:stCondLst>
+                                  <p:childTnLst>
+                                    <p:set>
+                                      <p:cBhvr>
+                                        <p:cTn id="40" dur="1" fill="hold">
+                                          <p:stCondLst>
+                                            <p:cond delay="0"/>
+                                          </p:stCondLst>
+                                        </p:cTn>
+                                        <p:tgtEl>
+                                          <p:spTgt spid="11">
+                                            <p:txEl>
+                                              <p:pRg st="0" end="0"/>
+                                            </p:txEl>
+                                          </p:spTgt>
+                                        </p:tgtEl>
+                                        <p:attrNameLst>
+                                          <p:attrName>style.visibility</p:attrName>
+                                        </p:attrNameLst>
+                                      </p:cBhvr>
+                                      <p:to>
+                                        <p:strVal val="visible"/>
+                                      </p:to>
+                                    </p:set>
+                                    <p:animEffect transition="in" filter="fade">
+                                      <p:cBhvr>
+                                        <p:cTn id="41" dur="1000"/>
+                                        <p:tgtEl>
+                                          <p:spTgt spid="11">
+                                            <p:txEl>
+                                              <p:pRg st="0" end="0"/>
+                                            </p:txEl>
+                                          </p:spTgt>
+                                        </p:tgtEl>
+                                      </p:cBhvr>
+                                    </p:animEffect>
+                                    <p:anim calcmode="lin" valueType="num">
+                                      <p:cBhvr>
+                                        <p:cTn id="42" dur="1000" fill="hold"/>
+                                        <p:tgtEl>
+                                          <p:spTgt spid="11">
+                                            <p:txEl>
+                                              <p:pRg st="0" end="0"/>
+                                            </p:txEl>
+                                          </p:spTgt>
+                                        </p:tgtEl>
+                                        <p:attrNameLst>
+                                          <p:attrName>ppt_x</p:attrName>
+                                        </p:attrNameLst>
+                                      </p:cBhvr>
+                                      <p:tavLst>
+                                        <p:tav tm="0">
+                                          <p:val>
+                                            <p:strVal val="#ppt_x"/>
+                                          </p:val>
+                                        </p:tav>
+                                        <p:tav tm="100000">
+                                          <p:val>
+                                            <p:strVal val="#ppt_x"/>
+                                          </p:val>
+                                        </p:tav>
+                                      </p:tavLst>
+                                    </p:anim>
+                                    <p:anim calcmode="lin" valueType="num">
+                                      <p:cBhvr>
+                                        <p:cTn id="43" dur="1000" fill="hold"/>
+                                        <p:tgtEl>
+                                          <p:spTgt spid="11">
+                                            <p:txEl>
+                                              <p:pRg st="0" end="0"/>
+                                            </p:txEl>
+                                          </p:spTgt>
+                                        </p:tgtEl>
+                                        <p:attrNameLst>
+                                          <p:attrName>ppt_y</p:attrName>
+                                        </p:attrNameLst>
+                                      </p:cBhvr>
+                                      <p:tavLst>
+                                        <p:tav tm="0">
+                                          <p:val>
+                                            <p:strVal val="#ppt_y+.1"/>
+                                          </p:val>
+                                        </p:tav>
+                                        <p:tav tm="100000">
+                                          <p:val>
+                                            <p:strVal val="#ppt_y"/>
+                                          </p:val>
+                                        </p:tav>
+                                      </p:tavLst>
+                                    </p:anim>
+                                  </p:childTnLst>
+                                </p:cTn>
+                              </p:par>
+                              <p:par>
+                                <p:cTn id="44" presetID="42" presetClass="entr" presetSubtype="0" fill="hold" nodeType="withEffect">
+                                  <p:stCondLst>
+                                    <p:cond delay="0"/>
+                                  </p:stCondLst>
+                                  <p:childTnLst>
+                                    <p:set>
+                                      <p:cBhvr>
+                                        <p:cTn id="45" dur="1" fill="hold">
+                                          <p:stCondLst>
+                                            <p:cond delay="0"/>
+                                          </p:stCondLst>
+                                        </p:cTn>
+                                        <p:tgtEl>
+                                          <p:spTgt spid="11">
+                                            <p:txEl>
+                                              <p:pRg st="1" end="1"/>
+                                            </p:txEl>
+                                          </p:spTgt>
+                                        </p:tgtEl>
+                                        <p:attrNameLst>
+                                          <p:attrName>style.visibility</p:attrName>
+                                        </p:attrNameLst>
+                                      </p:cBhvr>
+                                      <p:to>
+                                        <p:strVal val="visible"/>
+                                      </p:to>
+                                    </p:set>
+                                    <p:animEffect transition="in" filter="fade">
+                                      <p:cBhvr>
+                                        <p:cTn id="46" dur="1000"/>
+                                        <p:tgtEl>
+                                          <p:spTgt spid="11">
+                                            <p:txEl>
+                                              <p:pRg st="1" end="1"/>
+                                            </p:txEl>
+                                          </p:spTgt>
+                                        </p:tgtEl>
+                                      </p:cBhvr>
+                                    </p:animEffect>
+                                    <p:anim calcmode="lin" valueType="num">
+                                      <p:cBhvr>
+                                        <p:cTn id="47" dur="1000" fill="hold"/>
+                                        <p:tgtEl>
+                                          <p:spTgt spid="11">
+                                            <p:txEl>
+                                              <p:pRg st="1" end="1"/>
+                                            </p:txEl>
+                                          </p:spTgt>
+                                        </p:tgtEl>
+                                        <p:attrNameLst>
+                                          <p:attrName>ppt_x</p:attrName>
+                                        </p:attrNameLst>
+                                      </p:cBhvr>
+                                      <p:tavLst>
+                                        <p:tav tm="0">
+                                          <p:val>
+                                            <p:strVal val="#ppt_x"/>
+                                          </p:val>
+                                        </p:tav>
+                                        <p:tav tm="100000">
+                                          <p:val>
+                                            <p:strVal val="#ppt_x"/>
+                                          </p:val>
+                                        </p:tav>
+                                      </p:tavLst>
+                                    </p:anim>
+                                    <p:anim calcmode="lin" valueType="num">
+                                      <p:cBhvr>
+                                        <p:cTn id="48" dur="1000" fill="hold"/>
+                                        <p:tgtEl>
+                                          <p:spTgt spid="11">
+                                            <p:txEl>
+                                              <p:pRg st="1" end="1"/>
+                                            </p:txEl>
+                                          </p:spTgt>
+                                        </p:tgtEl>
+                                        <p:attrNameLst>
+                                          <p:attrName>ppt_y</p:attrName>
+                                        </p:attrNameLst>
+                                      </p:cBhvr>
+                                      <p:tavLst>
+                                        <p:tav tm="0">
+                                          <p:val>
+                                            <p:strVal val="#ppt_y+.1"/>
+                                          </p:val>
+                                        </p:tav>
+                                        <p:tav tm="100000">
+                                          <p:val>
+                                            <p:strVal val="#ppt_y"/>
+                                          </p:val>
+                                        </p:tav>
+                                      </p:tavLst>
+                                    </p:anim>
+                                  </p:childTnLst>
+                                </p:cTn>
+                              </p:par>
+                            </p:childTnLst>
+                          </p:cTn>
+                        </p:par>
+                      </p:childTnLst>
+                    </p:cTn>
+                  </p:par>
+                  <p:par>
+                    <p:cTn id="49" fill="hold">
+                      <p:stCondLst>
+                        <p:cond delay="indefinite"/>
+                      </p:stCondLst>
+                      <p:childTnLst>
+                        <p:par>
+                          <p:cTn id="50" fill="hold">
+                            <p:stCondLst>
+                              <p:cond delay="0"/>
+                            </p:stCondLst>
+                            <p:childTnLst>
+                              <p:par>
+                                <p:cTn id="51" presetID="15" presetClass="entr" presetSubtype="0" fill="hold" nodeType="clickEffect">
+                                  <p:stCondLst>
+                                    <p:cond delay="0"/>
+                                  </p:stCondLst>
+                                  <p:childTnLst>
+                                    <p:set>
+                                      <p:cBhvr>
+                                        <p:cTn id="52" dur="1" fill="hold">
+                                          <p:stCondLst>
+                                            <p:cond delay="0"/>
+                                          </p:stCondLst>
+                                        </p:cTn>
+                                        <p:tgtEl>
+                                          <p:spTgt spid="8">
+                                            <p:txEl>
+                                              <p:pRg st="0" end="0"/>
+                                            </p:txEl>
+                                          </p:spTgt>
+                                        </p:tgtEl>
+                                        <p:attrNameLst>
+                                          <p:attrName>style.visibility</p:attrName>
+                                        </p:attrNameLst>
+                                      </p:cBhvr>
+                                      <p:to>
+                                        <p:strVal val="visible"/>
+                                      </p:to>
+                                    </p:set>
+                                    <p:anim calcmode="lin" valueType="num">
+                                      <p:cBhvr>
+                                        <p:cTn id="53" dur="1000" fill="hold"/>
+                                        <p:tgtEl>
+                                          <p:spTgt spid="8">
+                                            <p:txEl>
+                                              <p:pRg st="0" end="0"/>
+                                            </p:txEl>
+                                          </p:spTgt>
+                                        </p:tgtEl>
+                                        <p:attrNameLst>
+                                          <p:attrName>ppt_w</p:attrName>
+                                        </p:attrNameLst>
+                                      </p:cBhvr>
+                                      <p:tavLst>
+                                        <p:tav tm="0">
+                                          <p:val>
+                                            <p:fltVal val="0"/>
+                                          </p:val>
+                                        </p:tav>
+                                        <p:tav tm="100000">
+                                          <p:val>
+                                            <p:strVal val="#ppt_w"/>
+                                          </p:val>
+                                        </p:tav>
+                                      </p:tavLst>
+                                    </p:anim>
+                                    <p:anim calcmode="lin" valueType="num">
+                                      <p:cBhvr>
+                                        <p:cTn id="54" dur="1000" fill="hold"/>
+                                        <p:tgtEl>
+                                          <p:spTgt spid="8">
+                                            <p:txEl>
+                                              <p:pRg st="0" end="0"/>
+                                            </p:txEl>
+                                          </p:spTgt>
+                                        </p:tgtEl>
+                                        <p:attrNameLst>
+                                          <p:attrName>ppt_h</p:attrName>
+                                        </p:attrNameLst>
+                                      </p:cBhvr>
+                                      <p:tavLst>
+                                        <p:tav tm="0">
+                                          <p:val>
+                                            <p:fltVal val="0"/>
+                                          </p:val>
+                                        </p:tav>
+                                        <p:tav tm="100000">
+                                          <p:val>
+                                            <p:strVal val="#ppt_h"/>
+                                          </p:val>
+                                        </p:tav>
+                                      </p:tavLst>
+                                    </p:anim>
+                                    <p:anim calcmode="lin" valueType="num">
+                                      <p:cBhvr>
+                                        <p:cTn id="55" dur="1000" fill="hold"/>
+                                        <p:tgtEl>
+                                          <p:spTgt spid="8">
+                                            <p:txEl>
+                                              <p:pRg st="0" end="0"/>
+                                            </p:txEl>
+                                          </p:spTgt>
+                                        </p:tgtEl>
+                                        <p:attrNameLst>
+                                          <p:attrName>ppt_x</p:attrName>
+                                        </p:attrNameLst>
+                                      </p:cBhvr>
+                                      <p:tavLst>
+                                        <p:tav tm="0" fmla="#ppt_x+(cos(-2*pi*(1-$))*-#ppt_x-sin(-2*pi*(1-$))*(1-#ppt_y))*(1-$)">
+                                          <p:val>
+                                            <p:fltVal val="0"/>
+                                          </p:val>
+                                        </p:tav>
+                                        <p:tav tm="100000">
+                                          <p:val>
+                                            <p:fltVal val="1"/>
+                                          </p:val>
+                                        </p:tav>
+                                      </p:tavLst>
+                                    </p:anim>
+                                    <p:anim calcmode="lin" valueType="num">
+                                      <p:cBhvr>
+                                        <p:cTn id="56" dur="1000" fill="hold"/>
+                                        <p:tgtEl>
+                                          <p:spTgt spid="8">
+                                            <p:txEl>
+                                              <p:pRg st="0" end="0"/>
+                                            </p:txEl>
+                                          </p:spTgt>
+                                        </p:tgtEl>
+                                        <p:attrNameLst>
+                                          <p:attrName>ppt_y</p:attrName>
+                                        </p:attrNameLst>
+                                      </p:cBhvr>
+                                      <p:tavLst>
+                                        <p:tav tm="0" fmla="#ppt_y+(sin(-2*pi*(1-$))*-#ppt_x+cos(-2*pi*(1-$))*(1-#ppt_y))*(1-$)">
+                                          <p:val>
+                                            <p:fltVal val="0"/>
+                                          </p:val>
+                                        </p:tav>
+                                        <p:tav tm="100000">
+                                          <p:val>
+                                            <p:fltVal val="1"/>
+                                          </p:val>
+                                        </p:tav>
+                                      </p:tavLst>
+                                    </p:anim>
+                                  </p:childTnLst>
+                                </p:cTn>
+                              </p:par>
+                              <p:par>
+                                <p:cTn id="57" presetID="15" presetClass="entr" presetSubtype="0" fill="hold" nodeType="withEffect">
+                                  <p:stCondLst>
+                                    <p:cond delay="0"/>
+                                  </p:stCondLst>
+                                  <p:childTnLst>
+                                    <p:set>
+                                      <p:cBhvr>
+                                        <p:cTn id="58" dur="1" fill="hold">
+                                          <p:stCondLst>
+                                            <p:cond delay="0"/>
+                                          </p:stCondLst>
+                                        </p:cTn>
+                                        <p:tgtEl>
+                                          <p:spTgt spid="8">
+                                            <p:txEl>
+                                              <p:pRg st="1" end="1"/>
+                                            </p:txEl>
+                                          </p:spTgt>
+                                        </p:tgtEl>
+                                        <p:attrNameLst>
+                                          <p:attrName>style.visibility</p:attrName>
+                                        </p:attrNameLst>
+                                      </p:cBhvr>
+                                      <p:to>
+                                        <p:strVal val="visible"/>
+                                      </p:to>
+                                    </p:set>
+                                    <p:anim calcmode="lin" valueType="num">
+                                      <p:cBhvr>
+                                        <p:cTn id="59" dur="1000" fill="hold"/>
+                                        <p:tgtEl>
+                                          <p:spTgt spid="8">
+                                            <p:txEl>
+                                              <p:pRg st="1" end="1"/>
+                                            </p:txEl>
+                                          </p:spTgt>
+                                        </p:tgtEl>
+                                        <p:attrNameLst>
+                                          <p:attrName>ppt_w</p:attrName>
+                                        </p:attrNameLst>
+                                      </p:cBhvr>
+                                      <p:tavLst>
+                                        <p:tav tm="0">
+                                          <p:val>
+                                            <p:fltVal val="0"/>
+                                          </p:val>
+                                        </p:tav>
+                                        <p:tav tm="100000">
+                                          <p:val>
+                                            <p:strVal val="#ppt_w"/>
+                                          </p:val>
+                                        </p:tav>
+                                      </p:tavLst>
+                                    </p:anim>
+                                    <p:anim calcmode="lin" valueType="num">
+                                      <p:cBhvr>
+                                        <p:cTn id="60" dur="1000" fill="hold"/>
+                                        <p:tgtEl>
+                                          <p:spTgt spid="8">
+                                            <p:txEl>
+                                              <p:pRg st="1" end="1"/>
+                                            </p:txEl>
+                                          </p:spTgt>
+                                        </p:tgtEl>
+                                        <p:attrNameLst>
+                                          <p:attrName>ppt_h</p:attrName>
+                                        </p:attrNameLst>
+                                      </p:cBhvr>
+                                      <p:tavLst>
+                                        <p:tav tm="0">
+                                          <p:val>
+                                            <p:fltVal val="0"/>
+                                          </p:val>
+                                        </p:tav>
+                                        <p:tav tm="100000">
+                                          <p:val>
+                                            <p:strVal val="#ppt_h"/>
+                                          </p:val>
+                                        </p:tav>
+                                      </p:tavLst>
+                                    </p:anim>
+                                    <p:anim calcmode="lin" valueType="num">
+                                      <p:cBhvr>
+                                        <p:cTn id="61" dur="1000" fill="hold"/>
+                                        <p:tgtEl>
+                                          <p:spTgt spid="8">
+                                            <p:txEl>
+                                              <p:pRg st="1" end="1"/>
+                                            </p:txEl>
+                                          </p:spTgt>
+                                        </p:tgtEl>
+                                        <p:attrNameLst>
+                                          <p:attrName>ppt_x</p:attrName>
+                                        </p:attrNameLst>
+                                      </p:cBhvr>
+                                      <p:tavLst>
+                                        <p:tav tm="0" fmla="#ppt_x+(cos(-2*pi*(1-$))*-#ppt_x-sin(-2*pi*(1-$))*(1-#ppt_y))*(1-$)">
+                                          <p:val>
+                                            <p:fltVal val="0"/>
+                                          </p:val>
+                                        </p:tav>
+                                        <p:tav tm="100000">
+                                          <p:val>
+                                            <p:fltVal val="1"/>
+                                          </p:val>
+                                        </p:tav>
+                                      </p:tavLst>
+                                    </p:anim>
+                                    <p:anim calcmode="lin" valueType="num">
+                                      <p:cBhvr>
+                                        <p:cTn id="62" dur="1000" fill="hold"/>
+                                        <p:tgtEl>
+                                          <p:spTgt spid="8">
+                                            <p:txEl>
+                                              <p:pRg st="1" end="1"/>
+                                            </p:txEl>
+                                          </p:spTgt>
+                                        </p:tgtEl>
+                                        <p:attrNameLst>
+                                          <p:attrName>ppt_y</p:attrName>
+                                        </p:attrNameLst>
+                                      </p:cBhvr>
+                                      <p:tavLst>
+                                        <p:tav tm="0" fmla="#ppt_y+(sin(-2*pi*(1-$))*-#ppt_x+cos(-2*pi*(1-$))*(1-#ppt_y))*(1-$)">
+                                          <p:val>
+                                            <p:fltVal val="0"/>
+                                          </p:val>
+                                        </p:tav>
+                                        <p:tav tm="100000">
+                                          <p:val>
+                                            <p:fltVal val="1"/>
+                                          </p:val>
+                                        </p:tav>
+                                      </p:tavLst>
+                                    </p:anim>
+                                  </p:childTnLst>
+                                </p:cTn>
+                              </p:par>
+                            </p:childTnLst>
+                          </p:cTn>
+                        </p:par>
+                      </p:childTnLst>
+                    </p:cTn>
+                  </p:par>
+                </p:childTnLst>
+              </p:cTn>
+              <p:prevCondLst>
+                <p:cond evt="onPrev" delay="0">
+                  <p:tgtEl>
+                    <p:sldTgt/>
+                  </p:tgtEl>
+                </p:cond>
+              </p:prevCondLst>
+              <p:nextCondLst>
+                <p:cond evt="onNext" delay="0">
+                  <p:tgtEl>
+                    <p:sldTgt/>
+                  </p:tgtEl>
+                </p:cond>
+              </p:nextCondLst>
+            </p:seq>
+          </p:childTnLst>
+        </p:cTn>
       </p:par>
     </p:tnLst>
+    <p:bldLst>
+      <p:bldP spid="2" grpId="0"/>
+      <p:bldGraphic spid="7" grpId="0">
+        <p:bldAsOne/>
+      </p:bldGraphic>
+    </p:bldLst>
   </p:timing>
 </p:sld>
 </file>
@@ -10956,10 +14673,9 @@
           <a:lstStyle/>
           <a:p>
             <a:r>
-              <a:rPr lang="hu-HU" dirty="0" smtClean="0"/>
+              <a:rPr lang="hu-HU" dirty="0"/>
               <a:t>Adatbázis program:</a:t>
             </a:r>
-            <a:endParaRPr lang="hu-HU" dirty="0"/>
           </a:p>
         </p:txBody>
       </p:sp>
@@ -10986,16 +14702,15 @@
           <a:lstStyle/>
           <a:p>
             <a:r>
-              <a:rPr lang="hu-HU" sz="3600" dirty="0" smtClean="0"/>
+              <a:rPr lang="hu-HU" sz="3600" dirty="0"/>
               <a:t>KEZDŐKÉPERNYŐ:</a:t>
             </a:r>
           </a:p>
           <a:p>
             <a:r>
-              <a:rPr lang="hu-HU" sz="2800" dirty="0" smtClean="0"/>
+              <a:rPr lang="hu-HU" sz="2800" dirty="0"/>
               <a:t>Számok megadásával tud váltogatni az opciók között. </a:t>
             </a:r>
-            <a:endParaRPr lang="hu-HU" sz="2800" dirty="0"/>
           </a:p>
         </p:txBody>
       </p:sp>
@@ -11033,13 +14748,13 @@
   <p:clrMapOvr>
     <a:masterClrMapping/>
   </p:clrMapOvr>
-  <mc:AlternateContent xmlns:mc="http://schemas.openxmlformats.org/markup-compatibility/2006">
-    <mc:Choice xmlns:p14="http://schemas.microsoft.com/office/powerpoint/2010/main" Requires="p14">
+  <mc:AlternateContent xmlns:mc="http://schemas.openxmlformats.org/markup-compatibility/2006" xmlns:p14="http://schemas.microsoft.com/office/powerpoint/2010/main">
+    <mc:Choice Requires="p14">
       <p:transition spd="slow" p14:dur="1250">
         <p14:switch dir="r"/>
       </p:transition>
     </mc:Choice>
-    <mc:Fallback>
+    <mc:Fallback xmlns="">
       <p:transition spd="slow">
         <p:fade/>
       </p:transition>
@@ -11048,9 +14763,488 @@
   <p:timing>
     <p:tnLst>
       <p:par>
-        <p:cTn id="1" dur="indefinite" restart="never" nodeType="tmRoot"/>
+        <p:cTn id="1" dur="indefinite" restart="never" nodeType="tmRoot">
+          <p:childTnLst>
+            <p:seq concurrent="1" nextAc="seek">
+              <p:cTn id="2" dur="indefinite" nodeType="mainSeq">
+                <p:childTnLst>
+                  <p:par>
+                    <p:cTn id="3" fill="hold">
+                      <p:stCondLst>
+                        <p:cond delay="indefinite"/>
+                      </p:stCondLst>
+                      <p:childTnLst>
+                        <p:par>
+                          <p:cTn id="4" fill="hold">
+                            <p:stCondLst>
+                              <p:cond delay="0"/>
+                            </p:stCondLst>
+                            <p:childTnLst>
+                              <p:par>
+                                <p:cTn id="5" presetID="26" presetClass="entr" presetSubtype="0" fill="hold" grpId="0" nodeType="clickEffect">
+                                  <p:stCondLst>
+                                    <p:cond delay="0"/>
+                                  </p:stCondLst>
+                                  <p:childTnLst>
+                                    <p:set>
+                                      <p:cBhvr>
+                                        <p:cTn id="6" dur="1" fill="hold">
+                                          <p:stCondLst>
+                                            <p:cond delay="0"/>
+                                          </p:stCondLst>
+                                        </p:cTn>
+                                        <p:tgtEl>
+                                          <p:spTgt spid="2"/>
+                                        </p:tgtEl>
+                                        <p:attrNameLst>
+                                          <p:attrName>style.visibility</p:attrName>
+                                        </p:attrNameLst>
+                                      </p:cBhvr>
+                                      <p:to>
+                                        <p:strVal val="visible"/>
+                                      </p:to>
+                                    </p:set>
+                                    <p:animEffect transition="in" filter="wipe(down)">
+                                      <p:cBhvr>
+                                        <p:cTn id="7" dur="580">
+                                          <p:stCondLst>
+                                            <p:cond delay="0"/>
+                                          </p:stCondLst>
+                                        </p:cTn>
+                                        <p:tgtEl>
+                                          <p:spTgt spid="2"/>
+                                        </p:tgtEl>
+                                      </p:cBhvr>
+                                    </p:animEffect>
+                                    <p:anim calcmode="lin" valueType="num">
+                                      <p:cBhvr>
+                                        <p:cTn id="8" dur="1822" tmFilter="0,0; 0.14,0.36; 0.43,0.73; 0.71,0.91; 1.0,1.0">
+                                          <p:stCondLst>
+                                            <p:cond delay="0"/>
+                                          </p:stCondLst>
+                                        </p:cTn>
+                                        <p:tgtEl>
+                                          <p:spTgt spid="2"/>
+                                        </p:tgtEl>
+                                        <p:attrNameLst>
+                                          <p:attrName>ppt_x</p:attrName>
+                                        </p:attrNameLst>
+                                      </p:cBhvr>
+                                      <p:tavLst>
+                                        <p:tav tm="0">
+                                          <p:val>
+                                            <p:strVal val="#ppt_x-0.25"/>
+                                          </p:val>
+                                        </p:tav>
+                                        <p:tav tm="100000">
+                                          <p:val>
+                                            <p:strVal val="#ppt_x"/>
+                                          </p:val>
+                                        </p:tav>
+                                      </p:tavLst>
+                                    </p:anim>
+                                    <p:anim calcmode="lin" valueType="num">
+                                      <p:cBhvr>
+                                        <p:cTn id="9" dur="664" tmFilter="0.0,0.0; 0.25,0.07; 0.50,0.2; 0.75,0.467; 1.0,1.0">
+                                          <p:stCondLst>
+                                            <p:cond delay="0"/>
+                                          </p:stCondLst>
+                                        </p:cTn>
+                                        <p:tgtEl>
+                                          <p:spTgt spid="2"/>
+                                        </p:tgtEl>
+                                        <p:attrNameLst>
+                                          <p:attrName>ppt_y</p:attrName>
+                                        </p:attrNameLst>
+                                      </p:cBhvr>
+                                      <p:tavLst>
+                                        <p:tav tm="0" fmla="#ppt_y-sin(pi*$)/3">
+                                          <p:val>
+                                            <p:fltVal val="0.5"/>
+                                          </p:val>
+                                        </p:tav>
+                                        <p:tav tm="100000">
+                                          <p:val>
+                                            <p:fltVal val="1"/>
+                                          </p:val>
+                                        </p:tav>
+                                      </p:tavLst>
+                                    </p:anim>
+                                    <p:anim calcmode="lin" valueType="num">
+                                      <p:cBhvr>
+                                        <p:cTn id="10" dur="664" tmFilter="0, 0; 0.125,0.2665; 0.25,0.4; 0.375,0.465; 0.5,0.5;  0.625,0.535; 0.75,0.6; 0.875,0.7335; 1,1">
+                                          <p:stCondLst>
+                                            <p:cond delay="664"/>
+                                          </p:stCondLst>
+                                        </p:cTn>
+                                        <p:tgtEl>
+                                          <p:spTgt spid="2"/>
+                                        </p:tgtEl>
+                                        <p:attrNameLst>
+                                          <p:attrName>ppt_y</p:attrName>
+                                        </p:attrNameLst>
+                                      </p:cBhvr>
+                                      <p:tavLst>
+                                        <p:tav tm="0" fmla="#ppt_y-sin(pi*$)/9">
+                                          <p:val>
+                                            <p:fltVal val="0"/>
+                                          </p:val>
+                                        </p:tav>
+                                        <p:tav tm="100000">
+                                          <p:val>
+                                            <p:fltVal val="1"/>
+                                          </p:val>
+                                        </p:tav>
+                                      </p:tavLst>
+                                    </p:anim>
+                                    <p:anim calcmode="lin" valueType="num">
+                                      <p:cBhvr>
+                                        <p:cTn id="11" dur="332" tmFilter="0, 0; 0.125,0.2665; 0.25,0.4; 0.375,0.465; 0.5,0.5;  0.625,0.535; 0.75,0.6; 0.875,0.7335; 1,1">
+                                          <p:stCondLst>
+                                            <p:cond delay="1324"/>
+                                          </p:stCondLst>
+                                        </p:cTn>
+                                        <p:tgtEl>
+                                          <p:spTgt spid="2"/>
+                                        </p:tgtEl>
+                                        <p:attrNameLst>
+                                          <p:attrName>ppt_y</p:attrName>
+                                        </p:attrNameLst>
+                                      </p:cBhvr>
+                                      <p:tavLst>
+                                        <p:tav tm="0" fmla="#ppt_y-sin(pi*$)/27">
+                                          <p:val>
+                                            <p:fltVal val="0"/>
+                                          </p:val>
+                                        </p:tav>
+                                        <p:tav tm="100000">
+                                          <p:val>
+                                            <p:fltVal val="1"/>
+                                          </p:val>
+                                        </p:tav>
+                                      </p:tavLst>
+                                    </p:anim>
+                                    <p:anim calcmode="lin" valueType="num">
+                                      <p:cBhvr>
+                                        <p:cTn id="12" dur="164" tmFilter="0, 0; 0.125,0.2665; 0.25,0.4; 0.375,0.465; 0.5,0.5;  0.625,0.535; 0.75,0.6; 0.875,0.7335; 1,1">
+                                          <p:stCondLst>
+                                            <p:cond delay="1656"/>
+                                          </p:stCondLst>
+                                        </p:cTn>
+                                        <p:tgtEl>
+                                          <p:spTgt spid="2"/>
+                                        </p:tgtEl>
+                                        <p:attrNameLst>
+                                          <p:attrName>ppt_y</p:attrName>
+                                        </p:attrNameLst>
+                                      </p:cBhvr>
+                                      <p:tavLst>
+                                        <p:tav tm="0" fmla="#ppt_y-sin(pi*$)/81">
+                                          <p:val>
+                                            <p:fltVal val="0"/>
+                                          </p:val>
+                                        </p:tav>
+                                        <p:tav tm="100000">
+                                          <p:val>
+                                            <p:fltVal val="1"/>
+                                          </p:val>
+                                        </p:tav>
+                                      </p:tavLst>
+                                    </p:anim>
+                                    <p:animScale>
+                                      <p:cBhvr>
+                                        <p:cTn id="13" dur="26">
+                                          <p:stCondLst>
+                                            <p:cond delay="650"/>
+                                          </p:stCondLst>
+                                        </p:cTn>
+                                        <p:tgtEl>
+                                          <p:spTgt spid="2"/>
+                                        </p:tgtEl>
+                                      </p:cBhvr>
+                                      <p:to x="100000" y="60000"/>
+                                    </p:animScale>
+                                    <p:animScale>
+                                      <p:cBhvr>
+                                        <p:cTn id="14" dur="166" decel="50000">
+                                          <p:stCondLst>
+                                            <p:cond delay="676"/>
+                                          </p:stCondLst>
+                                        </p:cTn>
+                                        <p:tgtEl>
+                                          <p:spTgt spid="2"/>
+                                        </p:tgtEl>
+                                      </p:cBhvr>
+                                      <p:to x="100000" y="100000"/>
+                                    </p:animScale>
+                                    <p:animScale>
+                                      <p:cBhvr>
+                                        <p:cTn id="15" dur="26">
+                                          <p:stCondLst>
+                                            <p:cond delay="1312"/>
+                                          </p:stCondLst>
+                                        </p:cTn>
+                                        <p:tgtEl>
+                                          <p:spTgt spid="2"/>
+                                        </p:tgtEl>
+                                      </p:cBhvr>
+                                      <p:to x="100000" y="80000"/>
+                                    </p:animScale>
+                                    <p:animScale>
+                                      <p:cBhvr>
+                                        <p:cTn id="16" dur="166" decel="50000">
+                                          <p:stCondLst>
+                                            <p:cond delay="1338"/>
+                                          </p:stCondLst>
+                                        </p:cTn>
+                                        <p:tgtEl>
+                                          <p:spTgt spid="2"/>
+                                        </p:tgtEl>
+                                      </p:cBhvr>
+                                      <p:to x="100000" y="100000"/>
+                                    </p:animScale>
+                                    <p:animScale>
+                                      <p:cBhvr>
+                                        <p:cTn id="17" dur="26">
+                                          <p:stCondLst>
+                                            <p:cond delay="1642"/>
+                                          </p:stCondLst>
+                                        </p:cTn>
+                                        <p:tgtEl>
+                                          <p:spTgt spid="2"/>
+                                        </p:tgtEl>
+                                      </p:cBhvr>
+                                      <p:to x="100000" y="90000"/>
+                                    </p:animScale>
+                                    <p:animScale>
+                                      <p:cBhvr>
+                                        <p:cTn id="18" dur="166" decel="50000">
+                                          <p:stCondLst>
+                                            <p:cond delay="1668"/>
+                                          </p:stCondLst>
+                                        </p:cTn>
+                                        <p:tgtEl>
+                                          <p:spTgt spid="2"/>
+                                        </p:tgtEl>
+                                      </p:cBhvr>
+                                      <p:to x="100000" y="100000"/>
+                                    </p:animScale>
+                                    <p:animScale>
+                                      <p:cBhvr>
+                                        <p:cTn id="19" dur="26">
+                                          <p:stCondLst>
+                                            <p:cond delay="1808"/>
+                                          </p:stCondLst>
+                                        </p:cTn>
+                                        <p:tgtEl>
+                                          <p:spTgt spid="2"/>
+                                        </p:tgtEl>
+                                      </p:cBhvr>
+                                      <p:to x="100000" y="95000"/>
+                                    </p:animScale>
+                                    <p:animScale>
+                                      <p:cBhvr>
+                                        <p:cTn id="20" dur="166" decel="50000">
+                                          <p:stCondLst>
+                                            <p:cond delay="1834"/>
+                                          </p:stCondLst>
+                                        </p:cTn>
+                                        <p:tgtEl>
+                                          <p:spTgt spid="2"/>
+                                        </p:tgtEl>
+                                      </p:cBhvr>
+                                      <p:to x="100000" y="100000"/>
+                                    </p:animScale>
+                                  </p:childTnLst>
+                                </p:cTn>
+                              </p:par>
+                            </p:childTnLst>
+                          </p:cTn>
+                        </p:par>
+                      </p:childTnLst>
+                    </p:cTn>
+                  </p:par>
+                  <p:par>
+                    <p:cTn id="21" fill="hold">
+                      <p:stCondLst>
+                        <p:cond delay="indefinite"/>
+                      </p:stCondLst>
+                      <p:childTnLst>
+                        <p:par>
+                          <p:cTn id="22" fill="hold">
+                            <p:stCondLst>
+                              <p:cond delay="0"/>
+                            </p:stCondLst>
+                            <p:childTnLst>
+                              <p:par>
+                                <p:cTn id="23" presetID="22" presetClass="entr" presetSubtype="4" fill="hold" nodeType="clickEffect">
+                                  <p:stCondLst>
+                                    <p:cond delay="0"/>
+                                  </p:stCondLst>
+                                  <p:childTnLst>
+                                    <p:set>
+                                      <p:cBhvr>
+                                        <p:cTn id="24" dur="1" fill="hold">
+                                          <p:stCondLst>
+                                            <p:cond delay="0"/>
+                                          </p:stCondLst>
+                                        </p:cTn>
+                                        <p:tgtEl>
+                                          <p:spTgt spid="4">
+                                            <p:txEl>
+                                              <p:pRg st="0" end="0"/>
+                                            </p:txEl>
+                                          </p:spTgt>
+                                        </p:tgtEl>
+                                        <p:attrNameLst>
+                                          <p:attrName>style.visibility</p:attrName>
+                                        </p:attrNameLst>
+                                      </p:cBhvr>
+                                      <p:to>
+                                        <p:strVal val="visible"/>
+                                      </p:to>
+                                    </p:set>
+                                    <p:animEffect transition="in" filter="wipe(down)">
+                                      <p:cBhvr>
+                                        <p:cTn id="25" dur="500"/>
+                                        <p:tgtEl>
+                                          <p:spTgt spid="4">
+                                            <p:txEl>
+                                              <p:pRg st="0" end="0"/>
+                                            </p:txEl>
+                                          </p:spTgt>
+                                        </p:tgtEl>
+                                      </p:cBhvr>
+                                    </p:animEffect>
+                                  </p:childTnLst>
+                                </p:cTn>
+                              </p:par>
+                              <p:par>
+                                <p:cTn id="26" presetID="22" presetClass="entr" presetSubtype="4" fill="hold" nodeType="withEffect">
+                                  <p:stCondLst>
+                                    <p:cond delay="0"/>
+                                  </p:stCondLst>
+                                  <p:childTnLst>
+                                    <p:set>
+                                      <p:cBhvr>
+                                        <p:cTn id="27" dur="1" fill="hold">
+                                          <p:stCondLst>
+                                            <p:cond delay="0"/>
+                                          </p:stCondLst>
+                                        </p:cTn>
+                                        <p:tgtEl>
+                                          <p:spTgt spid="4">
+                                            <p:txEl>
+                                              <p:pRg st="1" end="1"/>
+                                            </p:txEl>
+                                          </p:spTgt>
+                                        </p:tgtEl>
+                                        <p:attrNameLst>
+                                          <p:attrName>style.visibility</p:attrName>
+                                        </p:attrNameLst>
+                                      </p:cBhvr>
+                                      <p:to>
+                                        <p:strVal val="visible"/>
+                                      </p:to>
+                                    </p:set>
+                                    <p:animEffect transition="in" filter="wipe(down)">
+                                      <p:cBhvr>
+                                        <p:cTn id="28" dur="500"/>
+                                        <p:tgtEl>
+                                          <p:spTgt spid="4">
+                                            <p:txEl>
+                                              <p:pRg st="1" end="1"/>
+                                            </p:txEl>
+                                          </p:spTgt>
+                                        </p:tgtEl>
+                                      </p:cBhvr>
+                                    </p:animEffect>
+                                  </p:childTnLst>
+                                </p:cTn>
+                              </p:par>
+                            </p:childTnLst>
+                          </p:cTn>
+                        </p:par>
+                      </p:childTnLst>
+                    </p:cTn>
+                  </p:par>
+                  <p:par>
+                    <p:cTn id="29" fill="hold">
+                      <p:stCondLst>
+                        <p:cond delay="indefinite"/>
+                      </p:stCondLst>
+                      <p:childTnLst>
+                        <p:par>
+                          <p:cTn id="30" fill="hold">
+                            <p:stCondLst>
+                              <p:cond delay="0"/>
+                            </p:stCondLst>
+                            <p:childTnLst>
+                              <p:par>
+                                <p:cTn id="31" presetID="21" presetClass="entr" presetSubtype="1" fill="hold" nodeType="clickEffect">
+                                  <p:stCondLst>
+                                    <p:cond delay="0"/>
+                                  </p:stCondLst>
+                                  <p:childTnLst>
+                                    <p:set>
+                                      <p:cBhvr>
+                                        <p:cTn id="32" dur="1" fill="hold">
+                                          <p:stCondLst>
+                                            <p:cond delay="0"/>
+                                          </p:stCondLst>
+                                        </p:cTn>
+                                        <p:tgtEl>
+                                          <p:spTgt spid="5"/>
+                                        </p:tgtEl>
+                                        <p:attrNameLst>
+                                          <p:attrName>style.visibility</p:attrName>
+                                        </p:attrNameLst>
+                                      </p:cBhvr>
+                                      <p:to>
+                                        <p:strVal val="visible"/>
+                                      </p:to>
+                                    </p:set>
+                                    <p:animEffect transition="in" filter="wheel(1)">
+                                      <p:cBhvr>
+                                        <p:cTn id="33" dur="2000"/>
+                                        <p:tgtEl>
+                                          <p:spTgt spid="5"/>
+                                        </p:tgtEl>
+                                      </p:cBhvr>
+                                    </p:animEffect>
+                                  </p:childTnLst>
+                                </p:cTn>
+                              </p:par>
+                            </p:childTnLst>
+                          </p:cTn>
+                        </p:par>
+                      </p:childTnLst>
+                    </p:cTn>
+                  </p:par>
+                </p:childTnLst>
+              </p:cTn>
+              <p:prevCondLst>
+                <p:cond evt="onPrev" delay="0">
+                  <p:tgtEl>
+                    <p:sldTgt/>
+                  </p:tgtEl>
+                </p:cond>
+              </p:prevCondLst>
+              <p:nextCondLst>
+                <p:cond evt="onNext" delay="0">
+                  <p:tgtEl>
+                    <p:sldTgt/>
+                  </p:tgtEl>
+                </p:cond>
+              </p:nextCondLst>
+            </p:seq>
+          </p:childTnLst>
+        </p:cTn>
       </p:par>
     </p:tnLst>
+    <p:bldLst>
+      <p:bldP spid="2" grpId="0"/>
+    </p:bldLst>
   </p:timing>
 </p:sld>
 </file>
@@ -11090,7 +15284,7 @@
         </p:spPr>
         <p:txBody>
           <a:bodyPr>
-            <a:normAutofit lnSpcReduction="10000"/>
+            <a:normAutofit/>
           </a:bodyPr>
           <a:lstStyle/>
           <a:p>
@@ -11098,7 +15292,7 @@
               <a:buNone/>
             </a:pPr>
             <a:r>
-              <a:rPr lang="hu-HU" sz="3600" dirty="0" smtClean="0"/>
+              <a:rPr lang="hu-HU" sz="3600" dirty="0"/>
               <a:t>Beléptető rendszer:</a:t>
             </a:r>
           </a:p>
@@ -11107,7 +15301,7 @@
               <a:buNone/>
             </a:pPr>
             <a:r>
-              <a:rPr lang="hu-HU" sz="2400" cap="none" dirty="0" smtClean="0"/>
+              <a:rPr lang="hu-HU" sz="2400" cap="none" dirty="0"/>
               <a:t>Ha regisztrált a rendszer felfogja ismerni a felhasználót(/email címet) és jelszavát és kiírja ha esetleg rossz jelszót írt be.</a:t>
             </a:r>
           </a:p>
@@ -11184,10 +15378,9 @@
           <a:lstStyle/>
           <a:p>
             <a:r>
-              <a:rPr lang="hu-HU" sz="2400" dirty="0" smtClean="0"/>
+              <a:rPr lang="hu-HU" sz="2400" dirty="0"/>
               <a:t>Sikertelen bejelentkezés:</a:t>
             </a:r>
-            <a:endParaRPr lang="hu-HU" sz="2400" dirty="0"/>
           </a:p>
         </p:txBody>
       </p:sp>
@@ -11214,10 +15407,9 @@
           <a:lstStyle/>
           <a:p>
             <a:r>
-              <a:rPr lang="hu-HU" sz="2400" dirty="0" smtClean="0"/>
+              <a:rPr lang="hu-HU" sz="2400" dirty="0"/>
               <a:t>Sikeres bejelentkezés:</a:t>
             </a:r>
-            <a:endParaRPr lang="hu-HU" sz="2400" dirty="0"/>
           </a:p>
         </p:txBody>
       </p:sp>
@@ -11231,13 +15423,13 @@
   <p:clrMapOvr>
     <a:masterClrMapping/>
   </p:clrMapOvr>
-  <mc:AlternateContent xmlns:mc="http://schemas.openxmlformats.org/markup-compatibility/2006">
-    <mc:Choice xmlns:p14="http://schemas.microsoft.com/office/powerpoint/2010/main" Requires="p14">
+  <mc:AlternateContent xmlns:mc="http://schemas.openxmlformats.org/markup-compatibility/2006" xmlns:p14="http://schemas.microsoft.com/office/powerpoint/2010/main">
+    <mc:Choice Requires="p14">
       <p:transition spd="slow" p14:dur="2500">
         <p:checker/>
       </p:transition>
     </mc:Choice>
-    <mc:Fallback>
+    <mc:Fallback xmlns="">
       <p:transition spd="slow">
         <p:checker/>
       </p:transition>
@@ -11246,7 +15438,578 @@
   <p:timing>
     <p:tnLst>
       <p:par>
-        <p:cTn id="1" dur="indefinite" restart="never" nodeType="tmRoot"/>
+        <p:cTn id="1" dur="indefinite" restart="never" nodeType="tmRoot">
+          <p:childTnLst>
+            <p:seq concurrent="1" nextAc="seek">
+              <p:cTn id="2" dur="indefinite" nodeType="mainSeq">
+                <p:childTnLst>
+                  <p:par>
+                    <p:cTn id="3" fill="hold">
+                      <p:stCondLst>
+                        <p:cond delay="indefinite"/>
+                      </p:stCondLst>
+                      <p:childTnLst>
+                        <p:par>
+                          <p:cTn id="4" fill="hold">
+                            <p:stCondLst>
+                              <p:cond delay="0"/>
+                            </p:stCondLst>
+                            <p:childTnLst>
+                              <p:par>
+                                <p:cTn id="5" presetID="53" presetClass="entr" presetSubtype="16" fill="hold" nodeType="clickEffect">
+                                  <p:stCondLst>
+                                    <p:cond delay="0"/>
+                                  </p:stCondLst>
+                                  <p:childTnLst>
+                                    <p:set>
+                                      <p:cBhvr>
+                                        <p:cTn id="6" dur="1" fill="hold">
+                                          <p:stCondLst>
+                                            <p:cond delay="0"/>
+                                          </p:stCondLst>
+                                        </p:cTn>
+                                        <p:tgtEl>
+                                          <p:spTgt spid="3">
+                                            <p:txEl>
+                                              <p:pRg st="0" end="0"/>
+                                            </p:txEl>
+                                          </p:spTgt>
+                                        </p:tgtEl>
+                                        <p:attrNameLst>
+                                          <p:attrName>style.visibility</p:attrName>
+                                        </p:attrNameLst>
+                                      </p:cBhvr>
+                                      <p:to>
+                                        <p:strVal val="visible"/>
+                                      </p:to>
+                                    </p:set>
+                                    <p:anim calcmode="lin" valueType="num">
+                                      <p:cBhvr>
+                                        <p:cTn id="7" dur="500" fill="hold"/>
+                                        <p:tgtEl>
+                                          <p:spTgt spid="3">
+                                            <p:txEl>
+                                              <p:pRg st="0" end="0"/>
+                                            </p:txEl>
+                                          </p:spTgt>
+                                        </p:tgtEl>
+                                        <p:attrNameLst>
+                                          <p:attrName>ppt_w</p:attrName>
+                                        </p:attrNameLst>
+                                      </p:cBhvr>
+                                      <p:tavLst>
+                                        <p:tav tm="0">
+                                          <p:val>
+                                            <p:fltVal val="0"/>
+                                          </p:val>
+                                        </p:tav>
+                                        <p:tav tm="100000">
+                                          <p:val>
+                                            <p:strVal val="#ppt_w"/>
+                                          </p:val>
+                                        </p:tav>
+                                      </p:tavLst>
+                                    </p:anim>
+                                    <p:anim calcmode="lin" valueType="num">
+                                      <p:cBhvr>
+                                        <p:cTn id="8" dur="500" fill="hold"/>
+                                        <p:tgtEl>
+                                          <p:spTgt spid="3">
+                                            <p:txEl>
+                                              <p:pRg st="0" end="0"/>
+                                            </p:txEl>
+                                          </p:spTgt>
+                                        </p:tgtEl>
+                                        <p:attrNameLst>
+                                          <p:attrName>ppt_h</p:attrName>
+                                        </p:attrNameLst>
+                                      </p:cBhvr>
+                                      <p:tavLst>
+                                        <p:tav tm="0">
+                                          <p:val>
+                                            <p:fltVal val="0"/>
+                                          </p:val>
+                                        </p:tav>
+                                        <p:tav tm="100000">
+                                          <p:val>
+                                            <p:strVal val="#ppt_h"/>
+                                          </p:val>
+                                        </p:tav>
+                                      </p:tavLst>
+                                    </p:anim>
+                                    <p:animEffect transition="in" filter="fade">
+                                      <p:cBhvr>
+                                        <p:cTn id="9" dur="500"/>
+                                        <p:tgtEl>
+                                          <p:spTgt spid="3">
+                                            <p:txEl>
+                                              <p:pRg st="0" end="0"/>
+                                            </p:txEl>
+                                          </p:spTgt>
+                                        </p:tgtEl>
+                                      </p:cBhvr>
+                                    </p:animEffect>
+                                  </p:childTnLst>
+                                </p:cTn>
+                              </p:par>
+                              <p:par>
+                                <p:cTn id="10" presetID="53" presetClass="entr" presetSubtype="16" fill="hold" nodeType="withEffect">
+                                  <p:stCondLst>
+                                    <p:cond delay="0"/>
+                                  </p:stCondLst>
+                                  <p:childTnLst>
+                                    <p:set>
+                                      <p:cBhvr>
+                                        <p:cTn id="11" dur="1" fill="hold">
+                                          <p:stCondLst>
+                                            <p:cond delay="0"/>
+                                          </p:stCondLst>
+                                        </p:cTn>
+                                        <p:tgtEl>
+                                          <p:spTgt spid="3">
+                                            <p:txEl>
+                                              <p:pRg st="1" end="1"/>
+                                            </p:txEl>
+                                          </p:spTgt>
+                                        </p:tgtEl>
+                                        <p:attrNameLst>
+                                          <p:attrName>style.visibility</p:attrName>
+                                        </p:attrNameLst>
+                                      </p:cBhvr>
+                                      <p:to>
+                                        <p:strVal val="visible"/>
+                                      </p:to>
+                                    </p:set>
+                                    <p:anim calcmode="lin" valueType="num">
+                                      <p:cBhvr>
+                                        <p:cTn id="12" dur="500" fill="hold"/>
+                                        <p:tgtEl>
+                                          <p:spTgt spid="3">
+                                            <p:txEl>
+                                              <p:pRg st="1" end="1"/>
+                                            </p:txEl>
+                                          </p:spTgt>
+                                        </p:tgtEl>
+                                        <p:attrNameLst>
+                                          <p:attrName>ppt_w</p:attrName>
+                                        </p:attrNameLst>
+                                      </p:cBhvr>
+                                      <p:tavLst>
+                                        <p:tav tm="0">
+                                          <p:val>
+                                            <p:fltVal val="0"/>
+                                          </p:val>
+                                        </p:tav>
+                                        <p:tav tm="100000">
+                                          <p:val>
+                                            <p:strVal val="#ppt_w"/>
+                                          </p:val>
+                                        </p:tav>
+                                      </p:tavLst>
+                                    </p:anim>
+                                    <p:anim calcmode="lin" valueType="num">
+                                      <p:cBhvr>
+                                        <p:cTn id="13" dur="500" fill="hold"/>
+                                        <p:tgtEl>
+                                          <p:spTgt spid="3">
+                                            <p:txEl>
+                                              <p:pRg st="1" end="1"/>
+                                            </p:txEl>
+                                          </p:spTgt>
+                                        </p:tgtEl>
+                                        <p:attrNameLst>
+                                          <p:attrName>ppt_h</p:attrName>
+                                        </p:attrNameLst>
+                                      </p:cBhvr>
+                                      <p:tavLst>
+                                        <p:tav tm="0">
+                                          <p:val>
+                                            <p:fltVal val="0"/>
+                                          </p:val>
+                                        </p:tav>
+                                        <p:tav tm="100000">
+                                          <p:val>
+                                            <p:strVal val="#ppt_h"/>
+                                          </p:val>
+                                        </p:tav>
+                                      </p:tavLst>
+                                    </p:anim>
+                                    <p:animEffect transition="in" filter="fade">
+                                      <p:cBhvr>
+                                        <p:cTn id="14" dur="500"/>
+                                        <p:tgtEl>
+                                          <p:spTgt spid="3">
+                                            <p:txEl>
+                                              <p:pRg st="1" end="1"/>
+                                            </p:txEl>
+                                          </p:spTgt>
+                                        </p:tgtEl>
+                                      </p:cBhvr>
+                                    </p:animEffect>
+                                  </p:childTnLst>
+                                </p:cTn>
+                              </p:par>
+                            </p:childTnLst>
+                          </p:cTn>
+                        </p:par>
+                      </p:childTnLst>
+                    </p:cTn>
+                  </p:par>
+                  <p:par>
+                    <p:cTn id="15" fill="hold">
+                      <p:stCondLst>
+                        <p:cond delay="indefinite"/>
+                      </p:stCondLst>
+                      <p:childTnLst>
+                        <p:par>
+                          <p:cTn id="16" fill="hold">
+                            <p:stCondLst>
+                              <p:cond delay="0"/>
+                            </p:stCondLst>
+                            <p:childTnLst>
+                              <p:par>
+                                <p:cTn id="17" presetID="16" presetClass="entr" presetSubtype="21" fill="hold" nodeType="clickEffect">
+                                  <p:stCondLst>
+                                    <p:cond delay="0"/>
+                                  </p:stCondLst>
+                                  <p:childTnLst>
+                                    <p:set>
+                                      <p:cBhvr>
+                                        <p:cTn id="18" dur="1" fill="hold">
+                                          <p:stCondLst>
+                                            <p:cond delay="0"/>
+                                          </p:stCondLst>
+                                        </p:cTn>
+                                        <p:tgtEl>
+                                          <p:spTgt spid="4"/>
+                                        </p:tgtEl>
+                                        <p:attrNameLst>
+                                          <p:attrName>style.visibility</p:attrName>
+                                        </p:attrNameLst>
+                                      </p:cBhvr>
+                                      <p:to>
+                                        <p:strVal val="visible"/>
+                                      </p:to>
+                                    </p:set>
+                                    <p:animEffect transition="in" filter="barn(inVertical)">
+                                      <p:cBhvr>
+                                        <p:cTn id="19" dur="500"/>
+                                        <p:tgtEl>
+                                          <p:spTgt spid="4"/>
+                                        </p:tgtEl>
+                                      </p:cBhvr>
+                                    </p:animEffect>
+                                  </p:childTnLst>
+                                </p:cTn>
+                              </p:par>
+                            </p:childTnLst>
+                          </p:cTn>
+                        </p:par>
+                      </p:childTnLst>
+                    </p:cTn>
+                  </p:par>
+                  <p:par>
+                    <p:cTn id="20" fill="hold">
+                      <p:stCondLst>
+                        <p:cond delay="indefinite"/>
+                      </p:stCondLst>
+                      <p:childTnLst>
+                        <p:par>
+                          <p:cTn id="21" fill="hold">
+                            <p:stCondLst>
+                              <p:cond delay="0"/>
+                            </p:stCondLst>
+                            <p:childTnLst>
+                              <p:par>
+                                <p:cTn id="22" presetID="42" presetClass="entr" presetSubtype="0" fill="hold" nodeType="clickEffect">
+                                  <p:stCondLst>
+                                    <p:cond delay="0"/>
+                                  </p:stCondLst>
+                                  <p:childTnLst>
+                                    <p:set>
+                                      <p:cBhvr>
+                                        <p:cTn id="23" dur="1" fill="hold">
+                                          <p:stCondLst>
+                                            <p:cond delay="0"/>
+                                          </p:stCondLst>
+                                        </p:cTn>
+                                        <p:tgtEl>
+                                          <p:spTgt spid="6">
+                                            <p:txEl>
+                                              <p:pRg st="0" end="0"/>
+                                            </p:txEl>
+                                          </p:spTgt>
+                                        </p:tgtEl>
+                                        <p:attrNameLst>
+                                          <p:attrName>style.visibility</p:attrName>
+                                        </p:attrNameLst>
+                                      </p:cBhvr>
+                                      <p:to>
+                                        <p:strVal val="visible"/>
+                                      </p:to>
+                                    </p:set>
+                                    <p:animEffect transition="in" filter="fade">
+                                      <p:cBhvr>
+                                        <p:cTn id="24" dur="1000"/>
+                                        <p:tgtEl>
+                                          <p:spTgt spid="6">
+                                            <p:txEl>
+                                              <p:pRg st="0" end="0"/>
+                                            </p:txEl>
+                                          </p:spTgt>
+                                        </p:tgtEl>
+                                      </p:cBhvr>
+                                    </p:animEffect>
+                                    <p:anim calcmode="lin" valueType="num">
+                                      <p:cBhvr>
+                                        <p:cTn id="25" dur="1000" fill="hold"/>
+                                        <p:tgtEl>
+                                          <p:spTgt spid="6">
+                                            <p:txEl>
+                                              <p:pRg st="0" end="0"/>
+                                            </p:txEl>
+                                          </p:spTgt>
+                                        </p:tgtEl>
+                                        <p:attrNameLst>
+                                          <p:attrName>ppt_x</p:attrName>
+                                        </p:attrNameLst>
+                                      </p:cBhvr>
+                                      <p:tavLst>
+                                        <p:tav tm="0">
+                                          <p:val>
+                                            <p:strVal val="#ppt_x"/>
+                                          </p:val>
+                                        </p:tav>
+                                        <p:tav tm="100000">
+                                          <p:val>
+                                            <p:strVal val="#ppt_x"/>
+                                          </p:val>
+                                        </p:tav>
+                                      </p:tavLst>
+                                    </p:anim>
+                                    <p:anim calcmode="lin" valueType="num">
+                                      <p:cBhvr>
+                                        <p:cTn id="26" dur="1000" fill="hold"/>
+                                        <p:tgtEl>
+                                          <p:spTgt spid="6">
+                                            <p:txEl>
+                                              <p:pRg st="0" end="0"/>
+                                            </p:txEl>
+                                          </p:spTgt>
+                                        </p:tgtEl>
+                                        <p:attrNameLst>
+                                          <p:attrName>ppt_y</p:attrName>
+                                        </p:attrNameLst>
+                                      </p:cBhvr>
+                                      <p:tavLst>
+                                        <p:tav tm="0">
+                                          <p:val>
+                                            <p:strVal val="#ppt_y+.1"/>
+                                          </p:val>
+                                        </p:tav>
+                                        <p:tav tm="100000">
+                                          <p:val>
+                                            <p:strVal val="#ppt_y"/>
+                                          </p:val>
+                                        </p:tav>
+                                      </p:tavLst>
+                                    </p:anim>
+                                  </p:childTnLst>
+                                </p:cTn>
+                              </p:par>
+                            </p:childTnLst>
+                          </p:cTn>
+                        </p:par>
+                      </p:childTnLst>
+                    </p:cTn>
+                  </p:par>
+                  <p:par>
+                    <p:cTn id="27" fill="hold">
+                      <p:stCondLst>
+                        <p:cond delay="indefinite"/>
+                      </p:stCondLst>
+                      <p:childTnLst>
+                        <p:par>
+                          <p:cTn id="28" fill="hold">
+                            <p:stCondLst>
+                              <p:cond delay="0"/>
+                            </p:stCondLst>
+                            <p:childTnLst>
+                              <p:par>
+                                <p:cTn id="29" presetID="4" presetClass="entr" presetSubtype="32" fill="hold" nodeType="clickEffect">
+                                  <p:stCondLst>
+                                    <p:cond delay="0"/>
+                                  </p:stCondLst>
+                                  <p:childTnLst>
+                                    <p:set>
+                                      <p:cBhvr>
+                                        <p:cTn id="30" dur="1" fill="hold">
+                                          <p:stCondLst>
+                                            <p:cond delay="0"/>
+                                          </p:stCondLst>
+                                        </p:cTn>
+                                        <p:tgtEl>
+                                          <p:spTgt spid="5"/>
+                                        </p:tgtEl>
+                                        <p:attrNameLst>
+                                          <p:attrName>style.visibility</p:attrName>
+                                        </p:attrNameLst>
+                                      </p:cBhvr>
+                                      <p:to>
+                                        <p:strVal val="visible"/>
+                                      </p:to>
+                                    </p:set>
+                                    <p:animEffect transition="in" filter="box(out)">
+                                      <p:cBhvr>
+                                        <p:cTn id="31" dur="2000"/>
+                                        <p:tgtEl>
+                                          <p:spTgt spid="5"/>
+                                        </p:tgtEl>
+                                      </p:cBhvr>
+                                    </p:animEffect>
+                                  </p:childTnLst>
+                                </p:cTn>
+                              </p:par>
+                            </p:childTnLst>
+                          </p:cTn>
+                        </p:par>
+                      </p:childTnLst>
+                    </p:cTn>
+                  </p:par>
+                  <p:par>
+                    <p:cTn id="32" fill="hold">
+                      <p:stCondLst>
+                        <p:cond delay="indefinite"/>
+                      </p:stCondLst>
+                      <p:childTnLst>
+                        <p:par>
+                          <p:cTn id="33" fill="hold">
+                            <p:stCondLst>
+                              <p:cond delay="0"/>
+                            </p:stCondLst>
+                            <p:childTnLst>
+                              <p:par>
+                                <p:cTn id="34" presetID="42" presetClass="entr" presetSubtype="0" fill="hold" nodeType="clickEffect">
+                                  <p:stCondLst>
+                                    <p:cond delay="0"/>
+                                  </p:stCondLst>
+                                  <p:childTnLst>
+                                    <p:set>
+                                      <p:cBhvr>
+                                        <p:cTn id="35" dur="1" fill="hold">
+                                          <p:stCondLst>
+                                            <p:cond delay="0"/>
+                                          </p:stCondLst>
+                                        </p:cTn>
+                                        <p:tgtEl>
+                                          <p:spTgt spid="7">
+                                            <p:txEl>
+                                              <p:pRg st="0" end="0"/>
+                                            </p:txEl>
+                                          </p:spTgt>
+                                        </p:tgtEl>
+                                        <p:attrNameLst>
+                                          <p:attrName>style.visibility</p:attrName>
+                                        </p:attrNameLst>
+                                      </p:cBhvr>
+                                      <p:to>
+                                        <p:strVal val="visible"/>
+                                      </p:to>
+                                    </p:set>
+                                    <p:animEffect transition="in" filter="fade">
+                                      <p:cBhvr>
+                                        <p:cTn id="36" dur="1000"/>
+                                        <p:tgtEl>
+                                          <p:spTgt spid="7">
+                                            <p:txEl>
+                                              <p:pRg st="0" end="0"/>
+                                            </p:txEl>
+                                          </p:spTgt>
+                                        </p:tgtEl>
+                                      </p:cBhvr>
+                                    </p:animEffect>
+                                    <p:anim calcmode="lin" valueType="num">
+                                      <p:cBhvr>
+                                        <p:cTn id="37" dur="1000" fill="hold"/>
+                                        <p:tgtEl>
+                                          <p:spTgt spid="7">
+                                            <p:txEl>
+                                              <p:pRg st="0" end="0"/>
+                                            </p:txEl>
+                                          </p:spTgt>
+                                        </p:tgtEl>
+                                        <p:attrNameLst>
+                                          <p:attrName>ppt_x</p:attrName>
+                                        </p:attrNameLst>
+                                      </p:cBhvr>
+                                      <p:tavLst>
+                                        <p:tav tm="0">
+                                          <p:val>
+                                            <p:strVal val="#ppt_x"/>
+                                          </p:val>
+                                        </p:tav>
+                                        <p:tav tm="100000">
+                                          <p:val>
+                                            <p:strVal val="#ppt_x"/>
+                                          </p:val>
+                                        </p:tav>
+                                      </p:tavLst>
+                                    </p:anim>
+                                    <p:anim calcmode="lin" valueType="num">
+                                      <p:cBhvr>
+                                        <p:cTn id="38" dur="1000" fill="hold"/>
+                                        <p:tgtEl>
+                                          <p:spTgt spid="7">
+                                            <p:txEl>
+                                              <p:pRg st="0" end="0"/>
+                                            </p:txEl>
+                                          </p:spTgt>
+                                        </p:tgtEl>
+                                        <p:attrNameLst>
+                                          <p:attrName>ppt_y</p:attrName>
+                                        </p:attrNameLst>
+                                      </p:cBhvr>
+                                      <p:tavLst>
+                                        <p:tav tm="0">
+                                          <p:val>
+                                            <p:strVal val="#ppt_y+.1"/>
+                                          </p:val>
+                                        </p:tav>
+                                        <p:tav tm="100000">
+                                          <p:val>
+                                            <p:strVal val="#ppt_y"/>
+                                          </p:val>
+                                        </p:tav>
+                                      </p:tavLst>
+                                    </p:anim>
+                                  </p:childTnLst>
+                                </p:cTn>
+                              </p:par>
+                            </p:childTnLst>
+                          </p:cTn>
+                        </p:par>
+                      </p:childTnLst>
+                    </p:cTn>
+                  </p:par>
+                </p:childTnLst>
+              </p:cTn>
+              <p:prevCondLst>
+                <p:cond evt="onPrev" delay="0">
+                  <p:tgtEl>
+                    <p:sldTgt/>
+                  </p:tgtEl>
+                </p:cond>
+              </p:prevCondLst>
+              <p:nextCondLst>
+                <p:cond evt="onNext" delay="0">
+                  <p:tgtEl>
+                    <p:sldTgt/>
+                  </p:tgtEl>
+                </p:cond>
+              </p:nextCondLst>
+            </p:seq>
+          </p:childTnLst>
+        </p:cTn>
       </p:par>
     </p:tnLst>
   </p:timing>
@@ -11288,7 +16051,7 @@
         </p:spPr>
         <p:txBody>
           <a:bodyPr>
-            <a:normAutofit lnSpcReduction="10000"/>
+            <a:normAutofit/>
           </a:bodyPr>
           <a:lstStyle/>
           <a:p>
@@ -11296,7 +16059,7 @@
               <a:buNone/>
             </a:pPr>
             <a:r>
-              <a:rPr lang="hu-HU" sz="3600" dirty="0" smtClean="0"/>
+              <a:rPr lang="hu-HU" sz="3600" dirty="0"/>
               <a:t>Adatbekérés:</a:t>
             </a:r>
           </a:p>
@@ -11305,10 +16068,9 @@
               <a:buNone/>
             </a:pPr>
             <a:r>
-              <a:rPr lang="hu-HU" sz="2400" cap="none" dirty="0" smtClean="0"/>
+              <a:rPr lang="hu-HU" sz="2400" cap="none" dirty="0"/>
               <a:t>A program elsősorban a szót fogja bekérni utána pedig hozzá 4 segéd mondatot amit eltárol egy adatbázisban. A kilépéshez elég az enter lenyomni</a:t>
             </a:r>
-            <a:endParaRPr lang="hu-HU" sz="2400" cap="none" dirty="0"/>
           </a:p>
         </p:txBody>
       </p:sp>
@@ -11346,13 +16108,13 @@
   <p:clrMapOvr>
     <a:masterClrMapping/>
   </p:clrMapOvr>
-  <mc:AlternateContent xmlns:mc="http://schemas.openxmlformats.org/markup-compatibility/2006">
-    <mc:Choice xmlns:p14="http://schemas.microsoft.com/office/powerpoint/2010/main" Requires="p14">
+  <mc:AlternateContent xmlns:mc="http://schemas.openxmlformats.org/markup-compatibility/2006" xmlns:p14="http://schemas.microsoft.com/office/powerpoint/2010/main">
+    <mc:Choice Requires="p14">
       <p:transition spd="slow" p14:dur="1200">
         <p:dissolve/>
       </p:transition>
     </mc:Choice>
-    <mc:Fallback>
+    <mc:Fallback xmlns="">
       <p:transition spd="slow">
         <p:dissolve/>
       </p:transition>
@@ -11361,7 +16123,187 @@
   <p:timing>
     <p:tnLst>
       <p:par>
-        <p:cTn id="1" dur="indefinite" restart="never" nodeType="tmRoot"/>
+        <p:cTn id="1" dur="indefinite" restart="never" nodeType="tmRoot">
+          <p:childTnLst>
+            <p:seq concurrent="1" nextAc="seek">
+              <p:cTn id="2" dur="indefinite" nodeType="mainSeq">
+                <p:childTnLst>
+                  <p:par>
+                    <p:cTn id="3" fill="hold">
+                      <p:stCondLst>
+                        <p:cond delay="indefinite"/>
+                      </p:stCondLst>
+                      <p:childTnLst>
+                        <p:par>
+                          <p:cTn id="4" fill="hold">
+                            <p:stCondLst>
+                              <p:cond delay="0"/>
+                            </p:stCondLst>
+                            <p:childTnLst>
+                              <p:par>
+                                <p:cTn id="5" presetID="3" presetClass="entr" presetSubtype="10" fill="hold" nodeType="clickEffect">
+                                  <p:stCondLst>
+                                    <p:cond delay="0"/>
+                                  </p:stCondLst>
+                                  <p:childTnLst>
+                                    <p:set>
+                                      <p:cBhvr>
+                                        <p:cTn id="6" dur="1" fill="hold">
+                                          <p:stCondLst>
+                                            <p:cond delay="0"/>
+                                          </p:stCondLst>
+                                        </p:cTn>
+                                        <p:tgtEl>
+                                          <p:spTgt spid="3">
+                                            <p:txEl>
+                                              <p:pRg st="0" end="0"/>
+                                            </p:txEl>
+                                          </p:spTgt>
+                                        </p:tgtEl>
+                                        <p:attrNameLst>
+                                          <p:attrName>style.visibility</p:attrName>
+                                        </p:attrNameLst>
+                                      </p:cBhvr>
+                                      <p:to>
+                                        <p:strVal val="visible"/>
+                                      </p:to>
+                                    </p:set>
+                                    <p:animEffect transition="in" filter="blinds(horizontal)">
+                                      <p:cBhvr>
+                                        <p:cTn id="7" dur="500"/>
+                                        <p:tgtEl>
+                                          <p:spTgt spid="3">
+                                            <p:txEl>
+                                              <p:pRg st="0" end="0"/>
+                                            </p:txEl>
+                                          </p:spTgt>
+                                        </p:tgtEl>
+                                      </p:cBhvr>
+                                    </p:animEffect>
+                                  </p:childTnLst>
+                                </p:cTn>
+                              </p:par>
+                              <p:par>
+                                <p:cTn id="8" presetID="3" presetClass="entr" presetSubtype="10" fill="hold" nodeType="withEffect">
+                                  <p:stCondLst>
+                                    <p:cond delay="0"/>
+                                  </p:stCondLst>
+                                  <p:childTnLst>
+                                    <p:set>
+                                      <p:cBhvr>
+                                        <p:cTn id="9" dur="1" fill="hold">
+                                          <p:stCondLst>
+                                            <p:cond delay="0"/>
+                                          </p:stCondLst>
+                                        </p:cTn>
+                                        <p:tgtEl>
+                                          <p:spTgt spid="3">
+                                            <p:txEl>
+                                              <p:pRg st="1" end="1"/>
+                                            </p:txEl>
+                                          </p:spTgt>
+                                        </p:tgtEl>
+                                        <p:attrNameLst>
+                                          <p:attrName>style.visibility</p:attrName>
+                                        </p:attrNameLst>
+                                      </p:cBhvr>
+                                      <p:to>
+                                        <p:strVal val="visible"/>
+                                      </p:to>
+                                    </p:set>
+                                    <p:animEffect transition="in" filter="blinds(horizontal)">
+                                      <p:cBhvr>
+                                        <p:cTn id="10" dur="500"/>
+                                        <p:tgtEl>
+                                          <p:spTgt spid="3">
+                                            <p:txEl>
+                                              <p:pRg st="1" end="1"/>
+                                            </p:txEl>
+                                          </p:spTgt>
+                                        </p:tgtEl>
+                                      </p:cBhvr>
+                                    </p:animEffect>
+                                  </p:childTnLst>
+                                </p:cTn>
+                              </p:par>
+                            </p:childTnLst>
+                          </p:cTn>
+                        </p:par>
+                      </p:childTnLst>
+                    </p:cTn>
+                  </p:par>
+                  <p:par>
+                    <p:cTn id="11" fill="hold">
+                      <p:stCondLst>
+                        <p:cond delay="indefinite"/>
+                      </p:stCondLst>
+                      <p:childTnLst>
+                        <p:par>
+                          <p:cTn id="12" fill="hold">
+                            <p:stCondLst>
+                              <p:cond delay="0"/>
+                            </p:stCondLst>
+                            <p:childTnLst>
+                              <p:par>
+                                <p:cTn id="13" presetID="21" presetClass="entr" presetSubtype="1" fill="hold" nodeType="clickEffect">
+                                  <p:stCondLst>
+                                    <p:cond delay="0"/>
+                                  </p:stCondLst>
+                                  <p:childTnLst>
+                                    <p:set>
+                                      <p:cBhvr>
+                                        <p:cTn id="14" dur="1" fill="hold">
+                                          <p:stCondLst>
+                                            <p:cond delay="0"/>
+                                          </p:stCondLst>
+                                        </p:cTn>
+                                        <p:tgtEl>
+                                          <p:spTgt spid="4"/>
+                                        </p:tgtEl>
+                                        <p:attrNameLst>
+                                          <p:attrName>style.visibility</p:attrName>
+                                        </p:attrNameLst>
+                                      </p:cBhvr>
+                                      <p:to>
+                                        <p:strVal val="visible"/>
+                                      </p:to>
+                                    </p:set>
+                                    <p:animEffect transition="in" filter="wheel(1)">
+                                      <p:cBhvr>
+                                        <p:cTn id="15" dur="2000"/>
+                                        <p:tgtEl>
+                                          <p:spTgt spid="4"/>
+                                        </p:tgtEl>
+                                      </p:cBhvr>
+                                    </p:animEffect>
+                                  </p:childTnLst>
+                                </p:cTn>
+                              </p:par>
+                            </p:childTnLst>
+                          </p:cTn>
+                        </p:par>
+                      </p:childTnLst>
+                    </p:cTn>
+                  </p:par>
+                </p:childTnLst>
+              </p:cTn>
+              <p:prevCondLst>
+                <p:cond evt="onPrev" delay="0">
+                  <p:tgtEl>
+                    <p:sldTgt/>
+                  </p:tgtEl>
+                </p:cond>
+              </p:prevCondLst>
+              <p:nextCondLst>
+                <p:cond evt="onNext" delay="0">
+                  <p:tgtEl>
+                    <p:sldTgt/>
+                  </p:tgtEl>
+                </p:cond>
+              </p:nextCondLst>
+            </p:seq>
+          </p:childTnLst>
+        </p:cTn>
       </p:par>
     </p:tnLst>
   </p:timing>
@@ -11401,10 +16343,9 @@
           <a:lstStyle/>
           <a:p>
             <a:r>
-              <a:rPr lang="hu-HU" dirty="0" smtClean="0"/>
+              <a:rPr lang="hu-HU" dirty="0"/>
               <a:t>A JÁTÉK FELÉPÍTÉSE:</a:t>
             </a:r>
-            <a:endParaRPr lang="hu-HU" dirty="0"/>
           </a:p>
         </p:txBody>
       </p:sp>
@@ -11426,35 +16367,35 @@
           <a:lstStyle/>
           <a:p>
             <a:r>
-              <a:rPr lang="hu-HU" sz="2800" dirty="0" smtClean="0"/>
-              <a:t>BELÉPTETŐ RENDSZER:</a:t>
+              <a:rPr lang="hu-HU" sz="2800" dirty="0"/>
+              <a:t>BELÉPTETŐ RENDSZER</a:t>
             </a:r>
           </a:p>
           <a:p>
             <a:pPr lvl="1"/>
             <a:r>
-              <a:rPr lang="hu-HU" sz="2400" dirty="0" smtClean="0"/>
+              <a:rPr lang="hu-HU" sz="2400" dirty="0"/>
               <a:t>ADATBÁZIS BEOLVASÁSA</a:t>
             </a:r>
           </a:p>
           <a:p>
             <a:pPr lvl="2"/>
             <a:r>
-              <a:rPr lang="hu-HU" sz="2000" dirty="0" smtClean="0"/>
+              <a:rPr lang="hu-HU" sz="2000" dirty="0"/>
               <a:t>A JÁTÉK</a:t>
             </a:r>
           </a:p>
           <a:p>
             <a:pPr lvl="3"/>
             <a:r>
-              <a:rPr lang="hu-HU" sz="1800" dirty="0" smtClean="0"/>
+              <a:rPr lang="hu-HU" sz="1800" dirty="0"/>
               <a:t>vége/FOLYTATÁSI OPCIÓ</a:t>
             </a:r>
           </a:p>
           <a:p>
             <a:pPr lvl="4"/>
             <a:r>
-              <a:rPr lang="hu-HU" sz="1800" dirty="0" smtClean="0"/>
+              <a:rPr lang="hu-HU" sz="1800" dirty="0"/>
               <a:t>eredménymérő</a:t>
             </a:r>
           </a:p>
@@ -11470,13 +16411,13 @@
   <p:clrMapOvr>
     <a:masterClrMapping/>
   </p:clrMapOvr>
-  <mc:AlternateContent xmlns:mc="http://schemas.openxmlformats.org/markup-compatibility/2006">
-    <mc:Choice xmlns:p14="http://schemas.microsoft.com/office/powerpoint/2010/main" Requires="p14">
+  <mc:AlternateContent xmlns:mc="http://schemas.openxmlformats.org/markup-compatibility/2006" xmlns:p14="http://schemas.microsoft.com/office/powerpoint/2010/main">
+    <mc:Choice Requires="p14">
       <p:transition spd="slow" p14:dur="1600">
         <p14:prism isContent="1" isInverted="1"/>
       </p:transition>
     </mc:Choice>
-    <mc:Fallback>
+    <mc:Fallback xmlns="">
       <p:transition spd="slow">
         <p:fade/>
       </p:transition>
@@ -11485,9 +16426,906 @@
   <p:timing>
     <p:tnLst>
       <p:par>
-        <p:cTn id="1" dur="indefinite" restart="never" nodeType="tmRoot"/>
+        <p:cTn id="1" dur="indefinite" restart="never" nodeType="tmRoot">
+          <p:childTnLst>
+            <p:seq concurrent="1" nextAc="seek">
+              <p:cTn id="2" dur="indefinite" nodeType="mainSeq">
+                <p:childTnLst>
+                  <p:par>
+                    <p:cTn id="3" fill="hold">
+                      <p:stCondLst>
+                        <p:cond delay="indefinite"/>
+                      </p:stCondLst>
+                      <p:childTnLst>
+                        <p:par>
+                          <p:cTn id="4" fill="hold">
+                            <p:stCondLst>
+                              <p:cond delay="0"/>
+                            </p:stCondLst>
+                            <p:childTnLst>
+                              <p:par>
+                                <p:cTn id="5" presetID="26" presetClass="entr" presetSubtype="0" fill="hold" grpId="0" nodeType="clickEffect">
+                                  <p:stCondLst>
+                                    <p:cond delay="0"/>
+                                  </p:stCondLst>
+                                  <p:childTnLst>
+                                    <p:set>
+                                      <p:cBhvr>
+                                        <p:cTn id="6" dur="1" fill="hold">
+                                          <p:stCondLst>
+                                            <p:cond delay="0"/>
+                                          </p:stCondLst>
+                                        </p:cTn>
+                                        <p:tgtEl>
+                                          <p:spTgt spid="2"/>
+                                        </p:tgtEl>
+                                        <p:attrNameLst>
+                                          <p:attrName>style.visibility</p:attrName>
+                                        </p:attrNameLst>
+                                      </p:cBhvr>
+                                      <p:to>
+                                        <p:strVal val="visible"/>
+                                      </p:to>
+                                    </p:set>
+                                    <p:animEffect transition="in" filter="wipe(down)">
+                                      <p:cBhvr>
+                                        <p:cTn id="7" dur="580">
+                                          <p:stCondLst>
+                                            <p:cond delay="0"/>
+                                          </p:stCondLst>
+                                        </p:cTn>
+                                        <p:tgtEl>
+                                          <p:spTgt spid="2"/>
+                                        </p:tgtEl>
+                                      </p:cBhvr>
+                                    </p:animEffect>
+                                    <p:anim calcmode="lin" valueType="num">
+                                      <p:cBhvr>
+                                        <p:cTn id="8" dur="1822" tmFilter="0,0; 0.14,0.36; 0.43,0.73; 0.71,0.91; 1.0,1.0">
+                                          <p:stCondLst>
+                                            <p:cond delay="0"/>
+                                          </p:stCondLst>
+                                        </p:cTn>
+                                        <p:tgtEl>
+                                          <p:spTgt spid="2"/>
+                                        </p:tgtEl>
+                                        <p:attrNameLst>
+                                          <p:attrName>ppt_x</p:attrName>
+                                        </p:attrNameLst>
+                                      </p:cBhvr>
+                                      <p:tavLst>
+                                        <p:tav tm="0">
+                                          <p:val>
+                                            <p:strVal val="#ppt_x-0.25"/>
+                                          </p:val>
+                                        </p:tav>
+                                        <p:tav tm="100000">
+                                          <p:val>
+                                            <p:strVal val="#ppt_x"/>
+                                          </p:val>
+                                        </p:tav>
+                                      </p:tavLst>
+                                    </p:anim>
+                                    <p:anim calcmode="lin" valueType="num">
+                                      <p:cBhvr>
+                                        <p:cTn id="9" dur="664" tmFilter="0.0,0.0; 0.25,0.07; 0.50,0.2; 0.75,0.467; 1.0,1.0">
+                                          <p:stCondLst>
+                                            <p:cond delay="0"/>
+                                          </p:stCondLst>
+                                        </p:cTn>
+                                        <p:tgtEl>
+                                          <p:spTgt spid="2"/>
+                                        </p:tgtEl>
+                                        <p:attrNameLst>
+                                          <p:attrName>ppt_y</p:attrName>
+                                        </p:attrNameLst>
+                                      </p:cBhvr>
+                                      <p:tavLst>
+                                        <p:tav tm="0" fmla="#ppt_y-sin(pi*$)/3">
+                                          <p:val>
+                                            <p:fltVal val="0.5"/>
+                                          </p:val>
+                                        </p:tav>
+                                        <p:tav tm="100000">
+                                          <p:val>
+                                            <p:fltVal val="1"/>
+                                          </p:val>
+                                        </p:tav>
+                                      </p:tavLst>
+                                    </p:anim>
+                                    <p:anim calcmode="lin" valueType="num">
+                                      <p:cBhvr>
+                                        <p:cTn id="10" dur="664" tmFilter="0, 0; 0.125,0.2665; 0.25,0.4; 0.375,0.465; 0.5,0.5;  0.625,0.535; 0.75,0.6; 0.875,0.7335; 1,1">
+                                          <p:stCondLst>
+                                            <p:cond delay="664"/>
+                                          </p:stCondLst>
+                                        </p:cTn>
+                                        <p:tgtEl>
+                                          <p:spTgt spid="2"/>
+                                        </p:tgtEl>
+                                        <p:attrNameLst>
+                                          <p:attrName>ppt_y</p:attrName>
+                                        </p:attrNameLst>
+                                      </p:cBhvr>
+                                      <p:tavLst>
+                                        <p:tav tm="0" fmla="#ppt_y-sin(pi*$)/9">
+                                          <p:val>
+                                            <p:fltVal val="0"/>
+                                          </p:val>
+                                        </p:tav>
+                                        <p:tav tm="100000">
+                                          <p:val>
+                                            <p:fltVal val="1"/>
+                                          </p:val>
+                                        </p:tav>
+                                      </p:tavLst>
+                                    </p:anim>
+                                    <p:anim calcmode="lin" valueType="num">
+                                      <p:cBhvr>
+                                        <p:cTn id="11" dur="332" tmFilter="0, 0; 0.125,0.2665; 0.25,0.4; 0.375,0.465; 0.5,0.5;  0.625,0.535; 0.75,0.6; 0.875,0.7335; 1,1">
+                                          <p:stCondLst>
+                                            <p:cond delay="1324"/>
+                                          </p:stCondLst>
+                                        </p:cTn>
+                                        <p:tgtEl>
+                                          <p:spTgt spid="2"/>
+                                        </p:tgtEl>
+                                        <p:attrNameLst>
+                                          <p:attrName>ppt_y</p:attrName>
+                                        </p:attrNameLst>
+                                      </p:cBhvr>
+                                      <p:tavLst>
+                                        <p:tav tm="0" fmla="#ppt_y-sin(pi*$)/27">
+                                          <p:val>
+                                            <p:fltVal val="0"/>
+                                          </p:val>
+                                        </p:tav>
+                                        <p:tav tm="100000">
+                                          <p:val>
+                                            <p:fltVal val="1"/>
+                                          </p:val>
+                                        </p:tav>
+                                      </p:tavLst>
+                                    </p:anim>
+                                    <p:anim calcmode="lin" valueType="num">
+                                      <p:cBhvr>
+                                        <p:cTn id="12" dur="164" tmFilter="0, 0; 0.125,0.2665; 0.25,0.4; 0.375,0.465; 0.5,0.5;  0.625,0.535; 0.75,0.6; 0.875,0.7335; 1,1">
+                                          <p:stCondLst>
+                                            <p:cond delay="1656"/>
+                                          </p:stCondLst>
+                                        </p:cTn>
+                                        <p:tgtEl>
+                                          <p:spTgt spid="2"/>
+                                        </p:tgtEl>
+                                        <p:attrNameLst>
+                                          <p:attrName>ppt_y</p:attrName>
+                                        </p:attrNameLst>
+                                      </p:cBhvr>
+                                      <p:tavLst>
+                                        <p:tav tm="0" fmla="#ppt_y-sin(pi*$)/81">
+                                          <p:val>
+                                            <p:fltVal val="0"/>
+                                          </p:val>
+                                        </p:tav>
+                                        <p:tav tm="100000">
+                                          <p:val>
+                                            <p:fltVal val="1"/>
+                                          </p:val>
+                                        </p:tav>
+                                      </p:tavLst>
+                                    </p:anim>
+                                    <p:animScale>
+                                      <p:cBhvr>
+                                        <p:cTn id="13" dur="26">
+                                          <p:stCondLst>
+                                            <p:cond delay="650"/>
+                                          </p:stCondLst>
+                                        </p:cTn>
+                                        <p:tgtEl>
+                                          <p:spTgt spid="2"/>
+                                        </p:tgtEl>
+                                      </p:cBhvr>
+                                      <p:to x="100000" y="60000"/>
+                                    </p:animScale>
+                                    <p:animScale>
+                                      <p:cBhvr>
+                                        <p:cTn id="14" dur="166" decel="50000">
+                                          <p:stCondLst>
+                                            <p:cond delay="676"/>
+                                          </p:stCondLst>
+                                        </p:cTn>
+                                        <p:tgtEl>
+                                          <p:spTgt spid="2"/>
+                                        </p:tgtEl>
+                                      </p:cBhvr>
+                                      <p:to x="100000" y="100000"/>
+                                    </p:animScale>
+                                    <p:animScale>
+                                      <p:cBhvr>
+                                        <p:cTn id="15" dur="26">
+                                          <p:stCondLst>
+                                            <p:cond delay="1312"/>
+                                          </p:stCondLst>
+                                        </p:cTn>
+                                        <p:tgtEl>
+                                          <p:spTgt spid="2"/>
+                                        </p:tgtEl>
+                                      </p:cBhvr>
+                                      <p:to x="100000" y="80000"/>
+                                    </p:animScale>
+                                    <p:animScale>
+                                      <p:cBhvr>
+                                        <p:cTn id="16" dur="166" decel="50000">
+                                          <p:stCondLst>
+                                            <p:cond delay="1338"/>
+                                          </p:stCondLst>
+                                        </p:cTn>
+                                        <p:tgtEl>
+                                          <p:spTgt spid="2"/>
+                                        </p:tgtEl>
+                                      </p:cBhvr>
+                                      <p:to x="100000" y="100000"/>
+                                    </p:animScale>
+                                    <p:animScale>
+                                      <p:cBhvr>
+                                        <p:cTn id="17" dur="26">
+                                          <p:stCondLst>
+                                            <p:cond delay="1642"/>
+                                          </p:stCondLst>
+                                        </p:cTn>
+                                        <p:tgtEl>
+                                          <p:spTgt spid="2"/>
+                                        </p:tgtEl>
+                                      </p:cBhvr>
+                                      <p:to x="100000" y="90000"/>
+                                    </p:animScale>
+                                    <p:animScale>
+                                      <p:cBhvr>
+                                        <p:cTn id="18" dur="166" decel="50000">
+                                          <p:stCondLst>
+                                            <p:cond delay="1668"/>
+                                          </p:stCondLst>
+                                        </p:cTn>
+                                        <p:tgtEl>
+                                          <p:spTgt spid="2"/>
+                                        </p:tgtEl>
+                                      </p:cBhvr>
+                                      <p:to x="100000" y="100000"/>
+                                    </p:animScale>
+                                    <p:animScale>
+                                      <p:cBhvr>
+                                        <p:cTn id="19" dur="26">
+                                          <p:stCondLst>
+                                            <p:cond delay="1808"/>
+                                          </p:stCondLst>
+                                        </p:cTn>
+                                        <p:tgtEl>
+                                          <p:spTgt spid="2"/>
+                                        </p:tgtEl>
+                                      </p:cBhvr>
+                                      <p:to x="100000" y="95000"/>
+                                    </p:animScale>
+                                    <p:animScale>
+                                      <p:cBhvr>
+                                        <p:cTn id="20" dur="166" decel="50000">
+                                          <p:stCondLst>
+                                            <p:cond delay="1834"/>
+                                          </p:stCondLst>
+                                        </p:cTn>
+                                        <p:tgtEl>
+                                          <p:spTgt spid="2"/>
+                                        </p:tgtEl>
+                                      </p:cBhvr>
+                                      <p:to x="100000" y="100000"/>
+                                    </p:animScale>
+                                  </p:childTnLst>
+                                </p:cTn>
+                              </p:par>
+                            </p:childTnLst>
+                          </p:cTn>
+                        </p:par>
+                      </p:childTnLst>
+                    </p:cTn>
+                  </p:par>
+                  <p:par>
+                    <p:cTn id="21" fill="hold">
+                      <p:stCondLst>
+                        <p:cond delay="indefinite"/>
+                      </p:stCondLst>
+                      <p:childTnLst>
+                        <p:par>
+                          <p:cTn id="22" fill="hold">
+                            <p:stCondLst>
+                              <p:cond delay="0"/>
+                            </p:stCondLst>
+                            <p:childTnLst>
+                              <p:par>
+                                <p:cTn id="23" presetID="42" presetClass="entr" presetSubtype="0" fill="hold" nodeType="clickEffect">
+                                  <p:stCondLst>
+                                    <p:cond delay="0"/>
+                                  </p:stCondLst>
+                                  <p:childTnLst>
+                                    <p:set>
+                                      <p:cBhvr>
+                                        <p:cTn id="24" dur="1" fill="hold">
+                                          <p:stCondLst>
+                                            <p:cond delay="0"/>
+                                          </p:stCondLst>
+                                        </p:cTn>
+                                        <p:tgtEl>
+                                          <p:spTgt spid="3">
+                                            <p:txEl>
+                                              <p:pRg st="0" end="0"/>
+                                            </p:txEl>
+                                          </p:spTgt>
+                                        </p:tgtEl>
+                                        <p:attrNameLst>
+                                          <p:attrName>style.visibility</p:attrName>
+                                        </p:attrNameLst>
+                                      </p:cBhvr>
+                                      <p:to>
+                                        <p:strVal val="visible"/>
+                                      </p:to>
+                                    </p:set>
+                                    <p:animEffect transition="in" filter="fade">
+                                      <p:cBhvr>
+                                        <p:cTn id="25" dur="1000"/>
+                                        <p:tgtEl>
+                                          <p:spTgt spid="3">
+                                            <p:txEl>
+                                              <p:pRg st="0" end="0"/>
+                                            </p:txEl>
+                                          </p:spTgt>
+                                        </p:tgtEl>
+                                      </p:cBhvr>
+                                    </p:animEffect>
+                                    <p:anim calcmode="lin" valueType="num">
+                                      <p:cBhvr>
+                                        <p:cTn id="26" dur="1000" fill="hold"/>
+                                        <p:tgtEl>
+                                          <p:spTgt spid="3">
+                                            <p:txEl>
+                                              <p:pRg st="0" end="0"/>
+                                            </p:txEl>
+                                          </p:spTgt>
+                                        </p:tgtEl>
+                                        <p:attrNameLst>
+                                          <p:attrName>ppt_x</p:attrName>
+                                        </p:attrNameLst>
+                                      </p:cBhvr>
+                                      <p:tavLst>
+                                        <p:tav tm="0">
+                                          <p:val>
+                                            <p:strVal val="#ppt_x"/>
+                                          </p:val>
+                                        </p:tav>
+                                        <p:tav tm="100000">
+                                          <p:val>
+                                            <p:strVal val="#ppt_x"/>
+                                          </p:val>
+                                        </p:tav>
+                                      </p:tavLst>
+                                    </p:anim>
+                                    <p:anim calcmode="lin" valueType="num">
+                                      <p:cBhvr>
+                                        <p:cTn id="27" dur="1000" fill="hold"/>
+                                        <p:tgtEl>
+                                          <p:spTgt spid="3">
+                                            <p:txEl>
+                                              <p:pRg st="0" end="0"/>
+                                            </p:txEl>
+                                          </p:spTgt>
+                                        </p:tgtEl>
+                                        <p:attrNameLst>
+                                          <p:attrName>ppt_y</p:attrName>
+                                        </p:attrNameLst>
+                                      </p:cBhvr>
+                                      <p:tavLst>
+                                        <p:tav tm="0">
+                                          <p:val>
+                                            <p:strVal val="#ppt_y+.1"/>
+                                          </p:val>
+                                        </p:tav>
+                                        <p:tav tm="100000">
+                                          <p:val>
+                                            <p:strVal val="#ppt_y"/>
+                                          </p:val>
+                                        </p:tav>
+                                      </p:tavLst>
+                                    </p:anim>
+                                  </p:childTnLst>
+                                </p:cTn>
+                              </p:par>
+                            </p:childTnLst>
+                          </p:cTn>
+                        </p:par>
+                      </p:childTnLst>
+                    </p:cTn>
+                  </p:par>
+                  <p:par>
+                    <p:cTn id="28" fill="hold">
+                      <p:stCondLst>
+                        <p:cond delay="indefinite"/>
+                      </p:stCondLst>
+                      <p:childTnLst>
+                        <p:par>
+                          <p:cTn id="29" fill="hold">
+                            <p:stCondLst>
+                              <p:cond delay="0"/>
+                            </p:stCondLst>
+                            <p:childTnLst>
+                              <p:par>
+                                <p:cTn id="30" presetID="42" presetClass="entr" presetSubtype="0" fill="hold" nodeType="clickEffect">
+                                  <p:stCondLst>
+                                    <p:cond delay="0"/>
+                                  </p:stCondLst>
+                                  <p:childTnLst>
+                                    <p:set>
+                                      <p:cBhvr>
+                                        <p:cTn id="31" dur="1" fill="hold">
+                                          <p:stCondLst>
+                                            <p:cond delay="0"/>
+                                          </p:stCondLst>
+                                        </p:cTn>
+                                        <p:tgtEl>
+                                          <p:spTgt spid="3">
+                                            <p:txEl>
+                                              <p:pRg st="1" end="1"/>
+                                            </p:txEl>
+                                          </p:spTgt>
+                                        </p:tgtEl>
+                                        <p:attrNameLst>
+                                          <p:attrName>style.visibility</p:attrName>
+                                        </p:attrNameLst>
+                                      </p:cBhvr>
+                                      <p:to>
+                                        <p:strVal val="visible"/>
+                                      </p:to>
+                                    </p:set>
+                                    <p:animEffect transition="in" filter="fade">
+                                      <p:cBhvr>
+                                        <p:cTn id="32" dur="1000"/>
+                                        <p:tgtEl>
+                                          <p:spTgt spid="3">
+                                            <p:txEl>
+                                              <p:pRg st="1" end="1"/>
+                                            </p:txEl>
+                                          </p:spTgt>
+                                        </p:tgtEl>
+                                      </p:cBhvr>
+                                    </p:animEffect>
+                                    <p:anim calcmode="lin" valueType="num">
+                                      <p:cBhvr>
+                                        <p:cTn id="33" dur="1000" fill="hold"/>
+                                        <p:tgtEl>
+                                          <p:spTgt spid="3">
+                                            <p:txEl>
+                                              <p:pRg st="1" end="1"/>
+                                            </p:txEl>
+                                          </p:spTgt>
+                                        </p:tgtEl>
+                                        <p:attrNameLst>
+                                          <p:attrName>ppt_x</p:attrName>
+                                        </p:attrNameLst>
+                                      </p:cBhvr>
+                                      <p:tavLst>
+                                        <p:tav tm="0">
+                                          <p:val>
+                                            <p:strVal val="#ppt_x"/>
+                                          </p:val>
+                                        </p:tav>
+                                        <p:tav tm="100000">
+                                          <p:val>
+                                            <p:strVal val="#ppt_x"/>
+                                          </p:val>
+                                        </p:tav>
+                                      </p:tavLst>
+                                    </p:anim>
+                                    <p:anim calcmode="lin" valueType="num">
+                                      <p:cBhvr>
+                                        <p:cTn id="34" dur="1000" fill="hold"/>
+                                        <p:tgtEl>
+                                          <p:spTgt spid="3">
+                                            <p:txEl>
+                                              <p:pRg st="1" end="1"/>
+                                            </p:txEl>
+                                          </p:spTgt>
+                                        </p:tgtEl>
+                                        <p:attrNameLst>
+                                          <p:attrName>ppt_y</p:attrName>
+                                        </p:attrNameLst>
+                                      </p:cBhvr>
+                                      <p:tavLst>
+                                        <p:tav tm="0">
+                                          <p:val>
+                                            <p:strVal val="#ppt_y+.1"/>
+                                          </p:val>
+                                        </p:tav>
+                                        <p:tav tm="100000">
+                                          <p:val>
+                                            <p:strVal val="#ppt_y"/>
+                                          </p:val>
+                                        </p:tav>
+                                      </p:tavLst>
+                                    </p:anim>
+                                  </p:childTnLst>
+                                </p:cTn>
+                              </p:par>
+                            </p:childTnLst>
+                          </p:cTn>
+                        </p:par>
+                      </p:childTnLst>
+                    </p:cTn>
+                  </p:par>
+                  <p:par>
+                    <p:cTn id="35" fill="hold">
+                      <p:stCondLst>
+                        <p:cond delay="indefinite"/>
+                      </p:stCondLst>
+                      <p:childTnLst>
+                        <p:par>
+                          <p:cTn id="36" fill="hold">
+                            <p:stCondLst>
+                              <p:cond delay="0"/>
+                            </p:stCondLst>
+                            <p:childTnLst>
+                              <p:par>
+                                <p:cTn id="37" presetID="42" presetClass="entr" presetSubtype="0" fill="hold" nodeType="clickEffect">
+                                  <p:stCondLst>
+                                    <p:cond delay="0"/>
+                                  </p:stCondLst>
+                                  <p:childTnLst>
+                                    <p:set>
+                                      <p:cBhvr>
+                                        <p:cTn id="38" dur="1" fill="hold">
+                                          <p:stCondLst>
+                                            <p:cond delay="0"/>
+                                          </p:stCondLst>
+                                        </p:cTn>
+                                        <p:tgtEl>
+                                          <p:spTgt spid="3">
+                                            <p:txEl>
+                                              <p:pRg st="2" end="2"/>
+                                            </p:txEl>
+                                          </p:spTgt>
+                                        </p:tgtEl>
+                                        <p:attrNameLst>
+                                          <p:attrName>style.visibility</p:attrName>
+                                        </p:attrNameLst>
+                                      </p:cBhvr>
+                                      <p:to>
+                                        <p:strVal val="visible"/>
+                                      </p:to>
+                                    </p:set>
+                                    <p:animEffect transition="in" filter="fade">
+                                      <p:cBhvr>
+                                        <p:cTn id="39" dur="1000"/>
+                                        <p:tgtEl>
+                                          <p:spTgt spid="3">
+                                            <p:txEl>
+                                              <p:pRg st="2" end="2"/>
+                                            </p:txEl>
+                                          </p:spTgt>
+                                        </p:tgtEl>
+                                      </p:cBhvr>
+                                    </p:animEffect>
+                                    <p:anim calcmode="lin" valueType="num">
+                                      <p:cBhvr>
+                                        <p:cTn id="40" dur="1000" fill="hold"/>
+                                        <p:tgtEl>
+                                          <p:spTgt spid="3">
+                                            <p:txEl>
+                                              <p:pRg st="2" end="2"/>
+                                            </p:txEl>
+                                          </p:spTgt>
+                                        </p:tgtEl>
+                                        <p:attrNameLst>
+                                          <p:attrName>ppt_x</p:attrName>
+                                        </p:attrNameLst>
+                                      </p:cBhvr>
+                                      <p:tavLst>
+                                        <p:tav tm="0">
+                                          <p:val>
+                                            <p:strVal val="#ppt_x"/>
+                                          </p:val>
+                                        </p:tav>
+                                        <p:tav tm="100000">
+                                          <p:val>
+                                            <p:strVal val="#ppt_x"/>
+                                          </p:val>
+                                        </p:tav>
+                                      </p:tavLst>
+                                    </p:anim>
+                                    <p:anim calcmode="lin" valueType="num">
+                                      <p:cBhvr>
+                                        <p:cTn id="41" dur="1000" fill="hold"/>
+                                        <p:tgtEl>
+                                          <p:spTgt spid="3">
+                                            <p:txEl>
+                                              <p:pRg st="2" end="2"/>
+                                            </p:txEl>
+                                          </p:spTgt>
+                                        </p:tgtEl>
+                                        <p:attrNameLst>
+                                          <p:attrName>ppt_y</p:attrName>
+                                        </p:attrNameLst>
+                                      </p:cBhvr>
+                                      <p:tavLst>
+                                        <p:tav tm="0">
+                                          <p:val>
+                                            <p:strVal val="#ppt_y+.1"/>
+                                          </p:val>
+                                        </p:tav>
+                                        <p:tav tm="100000">
+                                          <p:val>
+                                            <p:strVal val="#ppt_y"/>
+                                          </p:val>
+                                        </p:tav>
+                                      </p:tavLst>
+                                    </p:anim>
+                                  </p:childTnLst>
+                                </p:cTn>
+                              </p:par>
+                            </p:childTnLst>
+                          </p:cTn>
+                        </p:par>
+                      </p:childTnLst>
+                    </p:cTn>
+                  </p:par>
+                  <p:par>
+                    <p:cTn id="42" fill="hold">
+                      <p:stCondLst>
+                        <p:cond delay="indefinite"/>
+                      </p:stCondLst>
+                      <p:childTnLst>
+                        <p:par>
+                          <p:cTn id="43" fill="hold">
+                            <p:stCondLst>
+                              <p:cond delay="0"/>
+                            </p:stCondLst>
+                            <p:childTnLst>
+                              <p:par>
+                                <p:cTn id="44" presetID="42" presetClass="entr" presetSubtype="0" fill="hold" nodeType="clickEffect">
+                                  <p:stCondLst>
+                                    <p:cond delay="0"/>
+                                  </p:stCondLst>
+                                  <p:childTnLst>
+                                    <p:set>
+                                      <p:cBhvr>
+                                        <p:cTn id="45" dur="1" fill="hold">
+                                          <p:stCondLst>
+                                            <p:cond delay="0"/>
+                                          </p:stCondLst>
+                                        </p:cTn>
+                                        <p:tgtEl>
+                                          <p:spTgt spid="3">
+                                            <p:txEl>
+                                              <p:pRg st="3" end="3"/>
+                                            </p:txEl>
+                                          </p:spTgt>
+                                        </p:tgtEl>
+                                        <p:attrNameLst>
+                                          <p:attrName>style.visibility</p:attrName>
+                                        </p:attrNameLst>
+                                      </p:cBhvr>
+                                      <p:to>
+                                        <p:strVal val="visible"/>
+                                      </p:to>
+                                    </p:set>
+                                    <p:animEffect transition="in" filter="fade">
+                                      <p:cBhvr>
+                                        <p:cTn id="46" dur="1000"/>
+                                        <p:tgtEl>
+                                          <p:spTgt spid="3">
+                                            <p:txEl>
+                                              <p:pRg st="3" end="3"/>
+                                            </p:txEl>
+                                          </p:spTgt>
+                                        </p:tgtEl>
+                                      </p:cBhvr>
+                                    </p:animEffect>
+                                    <p:anim calcmode="lin" valueType="num">
+                                      <p:cBhvr>
+                                        <p:cTn id="47" dur="1000" fill="hold"/>
+                                        <p:tgtEl>
+                                          <p:spTgt spid="3">
+                                            <p:txEl>
+                                              <p:pRg st="3" end="3"/>
+                                            </p:txEl>
+                                          </p:spTgt>
+                                        </p:tgtEl>
+                                        <p:attrNameLst>
+                                          <p:attrName>ppt_x</p:attrName>
+                                        </p:attrNameLst>
+                                      </p:cBhvr>
+                                      <p:tavLst>
+                                        <p:tav tm="0">
+                                          <p:val>
+                                            <p:strVal val="#ppt_x"/>
+                                          </p:val>
+                                        </p:tav>
+                                        <p:tav tm="100000">
+                                          <p:val>
+                                            <p:strVal val="#ppt_x"/>
+                                          </p:val>
+                                        </p:tav>
+                                      </p:tavLst>
+                                    </p:anim>
+                                    <p:anim calcmode="lin" valueType="num">
+                                      <p:cBhvr>
+                                        <p:cTn id="48" dur="1000" fill="hold"/>
+                                        <p:tgtEl>
+                                          <p:spTgt spid="3">
+                                            <p:txEl>
+                                              <p:pRg st="3" end="3"/>
+                                            </p:txEl>
+                                          </p:spTgt>
+                                        </p:tgtEl>
+                                        <p:attrNameLst>
+                                          <p:attrName>ppt_y</p:attrName>
+                                        </p:attrNameLst>
+                                      </p:cBhvr>
+                                      <p:tavLst>
+                                        <p:tav tm="0">
+                                          <p:val>
+                                            <p:strVal val="#ppt_y+.1"/>
+                                          </p:val>
+                                        </p:tav>
+                                        <p:tav tm="100000">
+                                          <p:val>
+                                            <p:strVal val="#ppt_y"/>
+                                          </p:val>
+                                        </p:tav>
+                                      </p:tavLst>
+                                    </p:anim>
+                                  </p:childTnLst>
+                                </p:cTn>
+                              </p:par>
+                            </p:childTnLst>
+                          </p:cTn>
+                        </p:par>
+                      </p:childTnLst>
+                    </p:cTn>
+                  </p:par>
+                  <p:par>
+                    <p:cTn id="49" fill="hold">
+                      <p:stCondLst>
+                        <p:cond delay="indefinite"/>
+                      </p:stCondLst>
+                      <p:childTnLst>
+                        <p:par>
+                          <p:cTn id="50" fill="hold">
+                            <p:stCondLst>
+                              <p:cond delay="0"/>
+                            </p:stCondLst>
+                            <p:childTnLst>
+                              <p:par>
+                                <p:cTn id="51" presetID="42" presetClass="entr" presetSubtype="0" fill="hold" nodeType="clickEffect">
+                                  <p:stCondLst>
+                                    <p:cond delay="0"/>
+                                  </p:stCondLst>
+                                  <p:childTnLst>
+                                    <p:set>
+                                      <p:cBhvr>
+                                        <p:cTn id="52" dur="1" fill="hold">
+                                          <p:stCondLst>
+                                            <p:cond delay="0"/>
+                                          </p:stCondLst>
+                                        </p:cTn>
+                                        <p:tgtEl>
+                                          <p:spTgt spid="3">
+                                            <p:txEl>
+                                              <p:pRg st="4" end="4"/>
+                                            </p:txEl>
+                                          </p:spTgt>
+                                        </p:tgtEl>
+                                        <p:attrNameLst>
+                                          <p:attrName>style.visibility</p:attrName>
+                                        </p:attrNameLst>
+                                      </p:cBhvr>
+                                      <p:to>
+                                        <p:strVal val="visible"/>
+                                      </p:to>
+                                    </p:set>
+                                    <p:animEffect transition="in" filter="fade">
+                                      <p:cBhvr>
+                                        <p:cTn id="53" dur="1000"/>
+                                        <p:tgtEl>
+                                          <p:spTgt spid="3">
+                                            <p:txEl>
+                                              <p:pRg st="4" end="4"/>
+                                            </p:txEl>
+                                          </p:spTgt>
+                                        </p:tgtEl>
+                                      </p:cBhvr>
+                                    </p:animEffect>
+                                    <p:anim calcmode="lin" valueType="num">
+                                      <p:cBhvr>
+                                        <p:cTn id="54" dur="1000" fill="hold"/>
+                                        <p:tgtEl>
+                                          <p:spTgt spid="3">
+                                            <p:txEl>
+                                              <p:pRg st="4" end="4"/>
+                                            </p:txEl>
+                                          </p:spTgt>
+                                        </p:tgtEl>
+                                        <p:attrNameLst>
+                                          <p:attrName>ppt_x</p:attrName>
+                                        </p:attrNameLst>
+                                      </p:cBhvr>
+                                      <p:tavLst>
+                                        <p:tav tm="0">
+                                          <p:val>
+                                            <p:strVal val="#ppt_x"/>
+                                          </p:val>
+                                        </p:tav>
+                                        <p:tav tm="100000">
+                                          <p:val>
+                                            <p:strVal val="#ppt_x"/>
+                                          </p:val>
+                                        </p:tav>
+                                      </p:tavLst>
+                                    </p:anim>
+                                    <p:anim calcmode="lin" valueType="num">
+                                      <p:cBhvr>
+                                        <p:cTn id="55" dur="1000" fill="hold"/>
+                                        <p:tgtEl>
+                                          <p:spTgt spid="3">
+                                            <p:txEl>
+                                              <p:pRg st="4" end="4"/>
+                                            </p:txEl>
+                                          </p:spTgt>
+                                        </p:tgtEl>
+                                        <p:attrNameLst>
+                                          <p:attrName>ppt_y</p:attrName>
+                                        </p:attrNameLst>
+                                      </p:cBhvr>
+                                      <p:tavLst>
+                                        <p:tav tm="0">
+                                          <p:val>
+                                            <p:strVal val="#ppt_y+.1"/>
+                                          </p:val>
+                                        </p:tav>
+                                        <p:tav tm="100000">
+                                          <p:val>
+                                            <p:strVal val="#ppt_y"/>
+                                          </p:val>
+                                        </p:tav>
+                                      </p:tavLst>
+                                    </p:anim>
+                                  </p:childTnLst>
+                                </p:cTn>
+                              </p:par>
+                            </p:childTnLst>
+                          </p:cTn>
+                        </p:par>
+                      </p:childTnLst>
+                    </p:cTn>
+                  </p:par>
+                </p:childTnLst>
+              </p:cTn>
+              <p:prevCondLst>
+                <p:cond evt="onPrev" delay="0">
+                  <p:tgtEl>
+                    <p:sldTgt/>
+                  </p:tgtEl>
+                </p:cond>
+              </p:prevCondLst>
+              <p:nextCondLst>
+                <p:cond evt="onNext" delay="0">
+                  <p:tgtEl>
+                    <p:sldTgt/>
+                  </p:tgtEl>
+                </p:cond>
+              </p:nextCondLst>
+            </p:seq>
+          </p:childTnLst>
+        </p:cTn>
       </p:par>
     </p:tnLst>
+    <p:bldLst>
+      <p:bldP spid="2" grpId="0"/>
+    </p:bldLst>
   </p:timing>
 </p:sld>
 </file>
@@ -11530,18 +17368,17 @@
           <a:lstStyle/>
           <a:p>
             <a:r>
-              <a:rPr lang="hu-HU" dirty="0" smtClean="0"/>
+              <a:rPr lang="hu-HU" dirty="0"/>
               <a:t>A </a:t>
             </a:r>
             <a:r>
-              <a:rPr lang="hu-HU" dirty="0" err="1" smtClean="0"/>
+              <a:rPr lang="hu-HU" dirty="0" err="1"/>
               <a:t>főprogram</a:t>
             </a:r>
             <a:r>
-              <a:rPr lang="hu-HU" dirty="0" smtClean="0"/>
+              <a:rPr lang="hu-HU" dirty="0"/>
               <a:t>:</a:t>
             </a:r>
-            <a:endParaRPr lang="hu-HU" dirty="0"/>
           </a:p>
         </p:txBody>
       </p:sp>
@@ -11637,14 +17474,14 @@
           <a:p>
             <a:pPr algn="ctr"/>
             <a:r>
-              <a:rPr lang="hu-HU" dirty="0" smtClean="0"/>
+              <a:rPr lang="hu-HU" dirty="0"/>
               <a:t>Szépség hibák javítása:</a:t>
             </a:r>
           </a:p>
           <a:p>
             <a:pPr algn="ctr"/>
             <a:r>
-              <a:rPr lang="hu-HU" dirty="0" smtClean="0"/>
+              <a:rPr lang="hu-HU" dirty="0"/>
               <a:t>Maschek Márk</a:t>
             </a:r>
           </a:p>
@@ -11674,14 +17511,14 @@
           <a:p>
             <a:pPr algn="ctr"/>
             <a:r>
-              <a:rPr lang="hu-HU" dirty="0" smtClean="0"/>
+              <a:rPr lang="hu-HU" dirty="0"/>
               <a:t>Szókitaláló játék:</a:t>
             </a:r>
           </a:p>
           <a:p>
             <a:pPr algn="ctr"/>
             <a:r>
-              <a:rPr lang="hu-HU" dirty="0" smtClean="0"/>
+              <a:rPr lang="hu-HU" dirty="0"/>
               <a:t>Maschek Márk</a:t>
             </a:r>
           </a:p>
@@ -11711,14 +17548,14 @@
           <a:p>
             <a:pPr algn="ctr"/>
             <a:r>
-              <a:rPr lang="hu-HU" dirty="0" smtClean="0"/>
+              <a:rPr lang="hu-HU" dirty="0"/>
               <a:t>Beléptető rendszer:</a:t>
             </a:r>
           </a:p>
           <a:p>
             <a:pPr algn="ctr"/>
             <a:r>
-              <a:rPr lang="hu-HU" dirty="0" smtClean="0"/>
+              <a:rPr lang="hu-HU" dirty="0"/>
               <a:t>Kovács Zsolt</a:t>
             </a:r>
           </a:p>
@@ -11748,17 +17585,16 @@
           <a:p>
             <a:pPr algn="ctr"/>
             <a:r>
-              <a:rPr lang="hu-HU" dirty="0" smtClean="0"/>
+              <a:rPr lang="hu-HU" dirty="0"/>
               <a:t>Adatbázis beolvasása:</a:t>
             </a:r>
             <a:br>
-              <a:rPr lang="hu-HU" dirty="0" smtClean="0"/>
+              <a:rPr lang="hu-HU" dirty="0"/>
             </a:br>
             <a:r>
-              <a:rPr lang="hu-HU" dirty="0" smtClean="0"/>
+              <a:rPr lang="hu-HU" dirty="0"/>
               <a:t>Sós Alex</a:t>
             </a:r>
-            <a:endParaRPr lang="hu-HU" dirty="0"/>
           </a:p>
         </p:txBody>
       </p:sp>
@@ -11772,13 +17608,13 @@
   <p:clrMapOvr>
     <a:masterClrMapping/>
   </p:clrMapOvr>
-  <mc:AlternateContent xmlns:mc="http://schemas.openxmlformats.org/markup-compatibility/2006">
-    <mc:Choice xmlns:p14="http://schemas.microsoft.com/office/powerpoint/2010/main" Requires="p14">
+  <mc:AlternateContent xmlns:mc="http://schemas.openxmlformats.org/markup-compatibility/2006" xmlns:p14="http://schemas.microsoft.com/office/powerpoint/2010/main">
+    <mc:Choice Requires="p14">
       <p:transition spd="slow" p14:dur="1200">
         <p:dissolve/>
       </p:transition>
     </mc:Choice>
-    <mc:Fallback>
+    <mc:Fallback xmlns="">
       <p:transition spd="slow">
         <p:dissolve/>
       </p:transition>
@@ -11787,9 +17623,995 @@
   <p:timing>
     <p:tnLst>
       <p:par>
-        <p:cTn id="1" dur="indefinite" restart="never" nodeType="tmRoot"/>
+        <p:cTn id="1" dur="indefinite" restart="never" nodeType="tmRoot">
+          <p:childTnLst>
+            <p:seq concurrent="1" nextAc="seek">
+              <p:cTn id="2" dur="indefinite" nodeType="mainSeq">
+                <p:childTnLst>
+                  <p:par>
+                    <p:cTn id="3" fill="hold">
+                      <p:stCondLst>
+                        <p:cond delay="indefinite"/>
+                      </p:stCondLst>
+                      <p:childTnLst>
+                        <p:par>
+                          <p:cTn id="4" fill="hold">
+                            <p:stCondLst>
+                              <p:cond delay="0"/>
+                            </p:stCondLst>
+                            <p:childTnLst>
+                              <p:par>
+                                <p:cTn id="5" presetID="14" presetClass="entr" presetSubtype="10" fill="hold" grpId="0" nodeType="clickEffect">
+                                  <p:stCondLst>
+                                    <p:cond delay="0"/>
+                                  </p:stCondLst>
+                                  <p:childTnLst>
+                                    <p:set>
+                                      <p:cBhvr>
+                                        <p:cTn id="6" dur="1" fill="hold">
+                                          <p:stCondLst>
+                                            <p:cond delay="0"/>
+                                          </p:stCondLst>
+                                        </p:cTn>
+                                        <p:tgtEl>
+                                          <p:spTgt spid="5"/>
+                                        </p:tgtEl>
+                                        <p:attrNameLst>
+                                          <p:attrName>style.visibility</p:attrName>
+                                        </p:attrNameLst>
+                                      </p:cBhvr>
+                                      <p:to>
+                                        <p:strVal val="visible"/>
+                                      </p:to>
+                                    </p:set>
+                                    <p:animEffect transition="in" filter="randombar(horizontal)">
+                                      <p:cBhvr>
+                                        <p:cTn id="7" dur="500"/>
+                                        <p:tgtEl>
+                                          <p:spTgt spid="5"/>
+                                        </p:tgtEl>
+                                      </p:cBhvr>
+                                    </p:animEffect>
+                                  </p:childTnLst>
+                                </p:cTn>
+                              </p:par>
+                            </p:childTnLst>
+                          </p:cTn>
+                        </p:par>
+                      </p:childTnLst>
+                    </p:cTn>
+                  </p:par>
+                  <p:par>
+                    <p:cTn id="8" fill="hold">
+                      <p:stCondLst>
+                        <p:cond delay="indefinite"/>
+                      </p:stCondLst>
+                      <p:childTnLst>
+                        <p:par>
+                          <p:cTn id="9" fill="hold">
+                            <p:stCondLst>
+                              <p:cond delay="0"/>
+                            </p:stCondLst>
+                            <p:childTnLst>
+                              <p:par>
+                                <p:cTn id="10" presetID="42" presetClass="entr" presetSubtype="0" fill="hold" nodeType="clickEffect">
+                                  <p:stCondLst>
+                                    <p:cond delay="0"/>
+                                  </p:stCondLst>
+                                  <p:childTnLst>
+                                    <p:set>
+                                      <p:cBhvr>
+                                        <p:cTn id="11" dur="1" fill="hold">
+                                          <p:stCondLst>
+                                            <p:cond delay="0"/>
+                                          </p:stCondLst>
+                                        </p:cTn>
+                                        <p:tgtEl>
+                                          <p:spTgt spid="8">
+                                            <p:txEl>
+                                              <p:pRg st="0" end="0"/>
+                                            </p:txEl>
+                                          </p:spTgt>
+                                        </p:tgtEl>
+                                        <p:attrNameLst>
+                                          <p:attrName>style.visibility</p:attrName>
+                                        </p:attrNameLst>
+                                      </p:cBhvr>
+                                      <p:to>
+                                        <p:strVal val="visible"/>
+                                      </p:to>
+                                    </p:set>
+                                    <p:animEffect transition="in" filter="fade">
+                                      <p:cBhvr>
+                                        <p:cTn id="12" dur="1000"/>
+                                        <p:tgtEl>
+                                          <p:spTgt spid="8">
+                                            <p:txEl>
+                                              <p:pRg st="0" end="0"/>
+                                            </p:txEl>
+                                          </p:spTgt>
+                                        </p:tgtEl>
+                                      </p:cBhvr>
+                                    </p:animEffect>
+                                    <p:anim calcmode="lin" valueType="num">
+                                      <p:cBhvr>
+                                        <p:cTn id="13" dur="1000" fill="hold"/>
+                                        <p:tgtEl>
+                                          <p:spTgt spid="8">
+                                            <p:txEl>
+                                              <p:pRg st="0" end="0"/>
+                                            </p:txEl>
+                                          </p:spTgt>
+                                        </p:tgtEl>
+                                        <p:attrNameLst>
+                                          <p:attrName>ppt_x</p:attrName>
+                                        </p:attrNameLst>
+                                      </p:cBhvr>
+                                      <p:tavLst>
+                                        <p:tav tm="0">
+                                          <p:val>
+                                            <p:strVal val="#ppt_x"/>
+                                          </p:val>
+                                        </p:tav>
+                                        <p:tav tm="100000">
+                                          <p:val>
+                                            <p:strVal val="#ppt_x"/>
+                                          </p:val>
+                                        </p:tav>
+                                      </p:tavLst>
+                                    </p:anim>
+                                    <p:anim calcmode="lin" valueType="num">
+                                      <p:cBhvr>
+                                        <p:cTn id="14" dur="1000" fill="hold"/>
+                                        <p:tgtEl>
+                                          <p:spTgt spid="8">
+                                            <p:txEl>
+                                              <p:pRg st="0" end="0"/>
+                                            </p:txEl>
+                                          </p:spTgt>
+                                        </p:tgtEl>
+                                        <p:attrNameLst>
+                                          <p:attrName>ppt_y</p:attrName>
+                                        </p:attrNameLst>
+                                      </p:cBhvr>
+                                      <p:tavLst>
+                                        <p:tav tm="0">
+                                          <p:val>
+                                            <p:strVal val="#ppt_y+.1"/>
+                                          </p:val>
+                                        </p:tav>
+                                        <p:tav tm="100000">
+                                          <p:val>
+                                            <p:strVal val="#ppt_y"/>
+                                          </p:val>
+                                        </p:tav>
+                                      </p:tavLst>
+                                    </p:anim>
+                                  </p:childTnLst>
+                                </p:cTn>
+                              </p:par>
+                              <p:par>
+                                <p:cTn id="15" presetID="42" presetClass="entr" presetSubtype="0" fill="hold" nodeType="withEffect">
+                                  <p:stCondLst>
+                                    <p:cond delay="0"/>
+                                  </p:stCondLst>
+                                  <p:childTnLst>
+                                    <p:set>
+                                      <p:cBhvr>
+                                        <p:cTn id="16" dur="1" fill="hold">
+                                          <p:stCondLst>
+                                            <p:cond delay="0"/>
+                                          </p:stCondLst>
+                                        </p:cTn>
+                                        <p:tgtEl>
+                                          <p:spTgt spid="8">
+                                            <p:txEl>
+                                              <p:pRg st="1" end="1"/>
+                                            </p:txEl>
+                                          </p:spTgt>
+                                        </p:tgtEl>
+                                        <p:attrNameLst>
+                                          <p:attrName>style.visibility</p:attrName>
+                                        </p:attrNameLst>
+                                      </p:cBhvr>
+                                      <p:to>
+                                        <p:strVal val="visible"/>
+                                      </p:to>
+                                    </p:set>
+                                    <p:animEffect transition="in" filter="fade">
+                                      <p:cBhvr>
+                                        <p:cTn id="17" dur="1000"/>
+                                        <p:tgtEl>
+                                          <p:spTgt spid="8">
+                                            <p:txEl>
+                                              <p:pRg st="1" end="1"/>
+                                            </p:txEl>
+                                          </p:spTgt>
+                                        </p:tgtEl>
+                                      </p:cBhvr>
+                                    </p:animEffect>
+                                    <p:anim calcmode="lin" valueType="num">
+                                      <p:cBhvr>
+                                        <p:cTn id="18" dur="1000" fill="hold"/>
+                                        <p:tgtEl>
+                                          <p:spTgt spid="8">
+                                            <p:txEl>
+                                              <p:pRg st="1" end="1"/>
+                                            </p:txEl>
+                                          </p:spTgt>
+                                        </p:tgtEl>
+                                        <p:attrNameLst>
+                                          <p:attrName>ppt_x</p:attrName>
+                                        </p:attrNameLst>
+                                      </p:cBhvr>
+                                      <p:tavLst>
+                                        <p:tav tm="0">
+                                          <p:val>
+                                            <p:strVal val="#ppt_x"/>
+                                          </p:val>
+                                        </p:tav>
+                                        <p:tav tm="100000">
+                                          <p:val>
+                                            <p:strVal val="#ppt_x"/>
+                                          </p:val>
+                                        </p:tav>
+                                      </p:tavLst>
+                                    </p:anim>
+                                    <p:anim calcmode="lin" valueType="num">
+                                      <p:cBhvr>
+                                        <p:cTn id="19" dur="1000" fill="hold"/>
+                                        <p:tgtEl>
+                                          <p:spTgt spid="8">
+                                            <p:txEl>
+                                              <p:pRg st="1" end="1"/>
+                                            </p:txEl>
+                                          </p:spTgt>
+                                        </p:tgtEl>
+                                        <p:attrNameLst>
+                                          <p:attrName>ppt_y</p:attrName>
+                                        </p:attrNameLst>
+                                      </p:cBhvr>
+                                      <p:tavLst>
+                                        <p:tav tm="0">
+                                          <p:val>
+                                            <p:strVal val="#ppt_y+.1"/>
+                                          </p:val>
+                                        </p:tav>
+                                        <p:tav tm="100000">
+                                          <p:val>
+                                            <p:strVal val="#ppt_y"/>
+                                          </p:val>
+                                        </p:tav>
+                                      </p:tavLst>
+                                    </p:anim>
+                                  </p:childTnLst>
+                                </p:cTn>
+                              </p:par>
+                            </p:childTnLst>
+                          </p:cTn>
+                        </p:par>
+                      </p:childTnLst>
+                    </p:cTn>
+                  </p:par>
+                  <p:par>
+                    <p:cTn id="20" fill="hold">
+                      <p:stCondLst>
+                        <p:cond delay="indefinite"/>
+                      </p:stCondLst>
+                      <p:childTnLst>
+                        <p:par>
+                          <p:cTn id="21" fill="hold">
+                            <p:stCondLst>
+                              <p:cond delay="0"/>
+                            </p:stCondLst>
+                            <p:childTnLst>
+                              <p:par>
+                                <p:cTn id="22" presetID="42" presetClass="entr" presetSubtype="0" fill="hold" nodeType="clickEffect">
+                                  <p:stCondLst>
+                                    <p:cond delay="0"/>
+                                  </p:stCondLst>
+                                  <p:childTnLst>
+                                    <p:set>
+                                      <p:cBhvr>
+                                        <p:cTn id="23" dur="1" fill="hold">
+                                          <p:stCondLst>
+                                            <p:cond delay="0"/>
+                                          </p:stCondLst>
+                                        </p:cTn>
+                                        <p:tgtEl>
+                                          <p:spTgt spid="9">
+                                            <p:txEl>
+                                              <p:pRg st="0" end="0"/>
+                                            </p:txEl>
+                                          </p:spTgt>
+                                        </p:tgtEl>
+                                        <p:attrNameLst>
+                                          <p:attrName>style.visibility</p:attrName>
+                                        </p:attrNameLst>
+                                      </p:cBhvr>
+                                      <p:to>
+                                        <p:strVal val="visible"/>
+                                      </p:to>
+                                    </p:set>
+                                    <p:animEffect transition="in" filter="fade">
+                                      <p:cBhvr>
+                                        <p:cTn id="24" dur="1000"/>
+                                        <p:tgtEl>
+                                          <p:spTgt spid="9">
+                                            <p:txEl>
+                                              <p:pRg st="0" end="0"/>
+                                            </p:txEl>
+                                          </p:spTgt>
+                                        </p:tgtEl>
+                                      </p:cBhvr>
+                                    </p:animEffect>
+                                    <p:anim calcmode="lin" valueType="num">
+                                      <p:cBhvr>
+                                        <p:cTn id="25" dur="1000" fill="hold"/>
+                                        <p:tgtEl>
+                                          <p:spTgt spid="9">
+                                            <p:txEl>
+                                              <p:pRg st="0" end="0"/>
+                                            </p:txEl>
+                                          </p:spTgt>
+                                        </p:tgtEl>
+                                        <p:attrNameLst>
+                                          <p:attrName>ppt_x</p:attrName>
+                                        </p:attrNameLst>
+                                      </p:cBhvr>
+                                      <p:tavLst>
+                                        <p:tav tm="0">
+                                          <p:val>
+                                            <p:strVal val="#ppt_x"/>
+                                          </p:val>
+                                        </p:tav>
+                                        <p:tav tm="100000">
+                                          <p:val>
+                                            <p:strVal val="#ppt_x"/>
+                                          </p:val>
+                                        </p:tav>
+                                      </p:tavLst>
+                                    </p:anim>
+                                    <p:anim calcmode="lin" valueType="num">
+                                      <p:cBhvr>
+                                        <p:cTn id="26" dur="1000" fill="hold"/>
+                                        <p:tgtEl>
+                                          <p:spTgt spid="9">
+                                            <p:txEl>
+                                              <p:pRg st="0" end="0"/>
+                                            </p:txEl>
+                                          </p:spTgt>
+                                        </p:tgtEl>
+                                        <p:attrNameLst>
+                                          <p:attrName>ppt_y</p:attrName>
+                                        </p:attrNameLst>
+                                      </p:cBhvr>
+                                      <p:tavLst>
+                                        <p:tav tm="0">
+                                          <p:val>
+                                            <p:strVal val="#ppt_y+.1"/>
+                                          </p:val>
+                                        </p:tav>
+                                        <p:tav tm="100000">
+                                          <p:val>
+                                            <p:strVal val="#ppt_y"/>
+                                          </p:val>
+                                        </p:tav>
+                                      </p:tavLst>
+                                    </p:anim>
+                                  </p:childTnLst>
+                                </p:cTn>
+                              </p:par>
+                            </p:childTnLst>
+                          </p:cTn>
+                        </p:par>
+                      </p:childTnLst>
+                    </p:cTn>
+                  </p:par>
+                  <p:par>
+                    <p:cTn id="27" fill="hold">
+                      <p:stCondLst>
+                        <p:cond delay="indefinite"/>
+                      </p:stCondLst>
+                      <p:childTnLst>
+                        <p:par>
+                          <p:cTn id="28" fill="hold">
+                            <p:stCondLst>
+                              <p:cond delay="0"/>
+                            </p:stCondLst>
+                            <p:childTnLst>
+                              <p:par>
+                                <p:cTn id="29" presetID="17" presetClass="entr" presetSubtype="10" fill="hold" nodeType="clickEffect">
+                                  <p:stCondLst>
+                                    <p:cond delay="0"/>
+                                  </p:stCondLst>
+                                  <p:childTnLst>
+                                    <p:set>
+                                      <p:cBhvr>
+                                        <p:cTn id="30" dur="1" fill="hold">
+                                          <p:stCondLst>
+                                            <p:cond delay="0"/>
+                                          </p:stCondLst>
+                                        </p:cTn>
+                                        <p:tgtEl>
+                                          <p:spTgt spid="6">
+                                            <p:txEl>
+                                              <p:pRg st="0" end="0"/>
+                                            </p:txEl>
+                                          </p:spTgt>
+                                        </p:tgtEl>
+                                        <p:attrNameLst>
+                                          <p:attrName>style.visibility</p:attrName>
+                                        </p:attrNameLst>
+                                      </p:cBhvr>
+                                      <p:to>
+                                        <p:strVal val="visible"/>
+                                      </p:to>
+                                    </p:set>
+                                    <p:anim calcmode="lin" valueType="num">
+                                      <p:cBhvr>
+                                        <p:cTn id="31" dur="500" fill="hold"/>
+                                        <p:tgtEl>
+                                          <p:spTgt spid="6">
+                                            <p:txEl>
+                                              <p:pRg st="0" end="0"/>
+                                            </p:txEl>
+                                          </p:spTgt>
+                                        </p:tgtEl>
+                                        <p:attrNameLst>
+                                          <p:attrName>ppt_w</p:attrName>
+                                        </p:attrNameLst>
+                                      </p:cBhvr>
+                                      <p:tavLst>
+                                        <p:tav tm="0">
+                                          <p:val>
+                                            <p:fltVal val="0"/>
+                                          </p:val>
+                                        </p:tav>
+                                        <p:tav tm="100000">
+                                          <p:val>
+                                            <p:strVal val="#ppt_w"/>
+                                          </p:val>
+                                        </p:tav>
+                                      </p:tavLst>
+                                    </p:anim>
+                                    <p:anim calcmode="lin" valueType="num">
+                                      <p:cBhvr>
+                                        <p:cTn id="32" dur="500" fill="hold"/>
+                                        <p:tgtEl>
+                                          <p:spTgt spid="6">
+                                            <p:txEl>
+                                              <p:pRg st="0" end="0"/>
+                                            </p:txEl>
+                                          </p:spTgt>
+                                        </p:tgtEl>
+                                        <p:attrNameLst>
+                                          <p:attrName>ppt_h</p:attrName>
+                                        </p:attrNameLst>
+                                      </p:cBhvr>
+                                      <p:tavLst>
+                                        <p:tav tm="0">
+                                          <p:val>
+                                            <p:strVal val="#ppt_h"/>
+                                          </p:val>
+                                        </p:tav>
+                                        <p:tav tm="100000">
+                                          <p:val>
+                                            <p:strVal val="#ppt_h"/>
+                                          </p:val>
+                                        </p:tav>
+                                      </p:tavLst>
+                                    </p:anim>
+                                  </p:childTnLst>
+                                </p:cTn>
+                              </p:par>
+                              <p:par>
+                                <p:cTn id="33" presetID="17" presetClass="entr" presetSubtype="10" fill="hold" nodeType="withEffect">
+                                  <p:stCondLst>
+                                    <p:cond delay="0"/>
+                                  </p:stCondLst>
+                                  <p:childTnLst>
+                                    <p:set>
+                                      <p:cBhvr>
+                                        <p:cTn id="34" dur="1" fill="hold">
+                                          <p:stCondLst>
+                                            <p:cond delay="0"/>
+                                          </p:stCondLst>
+                                        </p:cTn>
+                                        <p:tgtEl>
+                                          <p:spTgt spid="6">
+                                            <p:txEl>
+                                              <p:pRg st="1" end="1"/>
+                                            </p:txEl>
+                                          </p:spTgt>
+                                        </p:tgtEl>
+                                        <p:attrNameLst>
+                                          <p:attrName>style.visibility</p:attrName>
+                                        </p:attrNameLst>
+                                      </p:cBhvr>
+                                      <p:to>
+                                        <p:strVal val="visible"/>
+                                      </p:to>
+                                    </p:set>
+                                    <p:anim calcmode="lin" valueType="num">
+                                      <p:cBhvr>
+                                        <p:cTn id="35" dur="500" fill="hold"/>
+                                        <p:tgtEl>
+                                          <p:spTgt spid="6">
+                                            <p:txEl>
+                                              <p:pRg st="1" end="1"/>
+                                            </p:txEl>
+                                          </p:spTgt>
+                                        </p:tgtEl>
+                                        <p:attrNameLst>
+                                          <p:attrName>ppt_w</p:attrName>
+                                        </p:attrNameLst>
+                                      </p:cBhvr>
+                                      <p:tavLst>
+                                        <p:tav tm="0">
+                                          <p:val>
+                                            <p:fltVal val="0"/>
+                                          </p:val>
+                                        </p:tav>
+                                        <p:tav tm="100000">
+                                          <p:val>
+                                            <p:strVal val="#ppt_w"/>
+                                          </p:val>
+                                        </p:tav>
+                                      </p:tavLst>
+                                    </p:anim>
+                                    <p:anim calcmode="lin" valueType="num">
+                                      <p:cBhvr>
+                                        <p:cTn id="36" dur="500" fill="hold"/>
+                                        <p:tgtEl>
+                                          <p:spTgt spid="6">
+                                            <p:txEl>
+                                              <p:pRg st="1" end="1"/>
+                                            </p:txEl>
+                                          </p:spTgt>
+                                        </p:tgtEl>
+                                        <p:attrNameLst>
+                                          <p:attrName>ppt_h</p:attrName>
+                                        </p:attrNameLst>
+                                      </p:cBhvr>
+                                      <p:tavLst>
+                                        <p:tav tm="0">
+                                          <p:val>
+                                            <p:strVal val="#ppt_h"/>
+                                          </p:val>
+                                        </p:tav>
+                                        <p:tav tm="100000">
+                                          <p:val>
+                                            <p:strVal val="#ppt_h"/>
+                                          </p:val>
+                                        </p:tav>
+                                      </p:tavLst>
+                                    </p:anim>
+                                  </p:childTnLst>
+                                </p:cTn>
+                              </p:par>
+                            </p:childTnLst>
+                          </p:cTn>
+                        </p:par>
+                      </p:childTnLst>
+                    </p:cTn>
+                  </p:par>
+                  <p:par>
+                    <p:cTn id="37" fill="hold">
+                      <p:stCondLst>
+                        <p:cond delay="indefinite"/>
+                      </p:stCondLst>
+                      <p:childTnLst>
+                        <p:par>
+                          <p:cTn id="38" fill="hold">
+                            <p:stCondLst>
+                              <p:cond delay="0"/>
+                            </p:stCondLst>
+                            <p:childTnLst>
+                              <p:par>
+                                <p:cTn id="39" presetID="30" presetClass="entr" presetSubtype="0" fill="hold" nodeType="clickEffect">
+                                  <p:stCondLst>
+                                    <p:cond delay="0"/>
+                                  </p:stCondLst>
+                                  <p:childTnLst>
+                                    <p:set>
+                                      <p:cBhvr>
+                                        <p:cTn id="40" dur="1" fill="hold">
+                                          <p:stCondLst>
+                                            <p:cond delay="0"/>
+                                          </p:stCondLst>
+                                        </p:cTn>
+                                        <p:tgtEl>
+                                          <p:spTgt spid="7">
+                                            <p:txEl>
+                                              <p:pRg st="0" end="0"/>
+                                            </p:txEl>
+                                          </p:spTgt>
+                                        </p:tgtEl>
+                                        <p:attrNameLst>
+                                          <p:attrName>style.visibility</p:attrName>
+                                        </p:attrNameLst>
+                                      </p:cBhvr>
+                                      <p:to>
+                                        <p:strVal val="visible"/>
+                                      </p:to>
+                                    </p:set>
+                                    <p:animEffect transition="in" filter="fade">
+                                      <p:cBhvr>
+                                        <p:cTn id="41" dur="800" decel="100000"/>
+                                        <p:tgtEl>
+                                          <p:spTgt spid="7">
+                                            <p:txEl>
+                                              <p:pRg st="0" end="0"/>
+                                            </p:txEl>
+                                          </p:spTgt>
+                                        </p:tgtEl>
+                                      </p:cBhvr>
+                                    </p:animEffect>
+                                    <p:anim calcmode="lin" valueType="num">
+                                      <p:cBhvr>
+                                        <p:cTn id="42" dur="800" decel="100000" fill="hold"/>
+                                        <p:tgtEl>
+                                          <p:spTgt spid="7">
+                                            <p:txEl>
+                                              <p:pRg st="0" end="0"/>
+                                            </p:txEl>
+                                          </p:spTgt>
+                                        </p:tgtEl>
+                                        <p:attrNameLst>
+                                          <p:attrName>style.rotation</p:attrName>
+                                        </p:attrNameLst>
+                                      </p:cBhvr>
+                                      <p:tavLst>
+                                        <p:tav tm="0">
+                                          <p:val>
+                                            <p:fltVal val="-90"/>
+                                          </p:val>
+                                        </p:tav>
+                                        <p:tav tm="100000">
+                                          <p:val>
+                                            <p:fltVal val="0"/>
+                                          </p:val>
+                                        </p:tav>
+                                      </p:tavLst>
+                                    </p:anim>
+                                    <p:anim calcmode="lin" valueType="num">
+                                      <p:cBhvr>
+                                        <p:cTn id="43" dur="800" decel="100000" fill="hold"/>
+                                        <p:tgtEl>
+                                          <p:spTgt spid="7">
+                                            <p:txEl>
+                                              <p:pRg st="0" end="0"/>
+                                            </p:txEl>
+                                          </p:spTgt>
+                                        </p:tgtEl>
+                                        <p:attrNameLst>
+                                          <p:attrName>ppt_x</p:attrName>
+                                        </p:attrNameLst>
+                                      </p:cBhvr>
+                                      <p:tavLst>
+                                        <p:tav tm="0">
+                                          <p:val>
+                                            <p:strVal val="#ppt_x+0.4"/>
+                                          </p:val>
+                                        </p:tav>
+                                        <p:tav tm="100000">
+                                          <p:val>
+                                            <p:strVal val="#ppt_x-0.05"/>
+                                          </p:val>
+                                        </p:tav>
+                                      </p:tavLst>
+                                    </p:anim>
+                                    <p:anim calcmode="lin" valueType="num">
+                                      <p:cBhvr>
+                                        <p:cTn id="44" dur="800" decel="100000" fill="hold"/>
+                                        <p:tgtEl>
+                                          <p:spTgt spid="7">
+                                            <p:txEl>
+                                              <p:pRg st="0" end="0"/>
+                                            </p:txEl>
+                                          </p:spTgt>
+                                        </p:tgtEl>
+                                        <p:attrNameLst>
+                                          <p:attrName>ppt_y</p:attrName>
+                                        </p:attrNameLst>
+                                      </p:cBhvr>
+                                      <p:tavLst>
+                                        <p:tav tm="0">
+                                          <p:val>
+                                            <p:strVal val="#ppt_y-0.4"/>
+                                          </p:val>
+                                        </p:tav>
+                                        <p:tav tm="100000">
+                                          <p:val>
+                                            <p:strVal val="#ppt_y+0.1"/>
+                                          </p:val>
+                                        </p:tav>
+                                      </p:tavLst>
+                                    </p:anim>
+                                    <p:anim calcmode="lin" valueType="num">
+                                      <p:cBhvr>
+                                        <p:cTn id="45" dur="200" accel="100000" fill="hold">
+                                          <p:stCondLst>
+                                            <p:cond delay="800"/>
+                                          </p:stCondLst>
+                                        </p:cTn>
+                                        <p:tgtEl>
+                                          <p:spTgt spid="7">
+                                            <p:txEl>
+                                              <p:pRg st="0" end="0"/>
+                                            </p:txEl>
+                                          </p:spTgt>
+                                        </p:tgtEl>
+                                        <p:attrNameLst>
+                                          <p:attrName>ppt_x</p:attrName>
+                                        </p:attrNameLst>
+                                      </p:cBhvr>
+                                      <p:tavLst>
+                                        <p:tav tm="0">
+                                          <p:val>
+                                            <p:strVal val="#ppt_x-0.05"/>
+                                          </p:val>
+                                        </p:tav>
+                                        <p:tav tm="100000">
+                                          <p:val>
+                                            <p:strVal val="#ppt_x"/>
+                                          </p:val>
+                                        </p:tav>
+                                      </p:tavLst>
+                                    </p:anim>
+                                    <p:anim calcmode="lin" valueType="num">
+                                      <p:cBhvr>
+                                        <p:cTn id="46" dur="200" accel="100000" fill="hold">
+                                          <p:stCondLst>
+                                            <p:cond delay="800"/>
+                                          </p:stCondLst>
+                                        </p:cTn>
+                                        <p:tgtEl>
+                                          <p:spTgt spid="7">
+                                            <p:txEl>
+                                              <p:pRg st="0" end="0"/>
+                                            </p:txEl>
+                                          </p:spTgt>
+                                        </p:tgtEl>
+                                        <p:attrNameLst>
+                                          <p:attrName>ppt_y</p:attrName>
+                                        </p:attrNameLst>
+                                      </p:cBhvr>
+                                      <p:tavLst>
+                                        <p:tav tm="0">
+                                          <p:val>
+                                            <p:strVal val="#ppt_y+0.1"/>
+                                          </p:val>
+                                        </p:tav>
+                                        <p:tav tm="100000">
+                                          <p:val>
+                                            <p:strVal val="#ppt_y"/>
+                                          </p:val>
+                                        </p:tav>
+                                      </p:tavLst>
+                                    </p:anim>
+                                  </p:childTnLst>
+                                </p:cTn>
+                              </p:par>
+                              <p:par>
+                                <p:cTn id="47" presetID="30" presetClass="entr" presetSubtype="0" fill="hold" nodeType="withEffect">
+                                  <p:stCondLst>
+                                    <p:cond delay="0"/>
+                                  </p:stCondLst>
+                                  <p:childTnLst>
+                                    <p:set>
+                                      <p:cBhvr>
+                                        <p:cTn id="48" dur="1" fill="hold">
+                                          <p:stCondLst>
+                                            <p:cond delay="0"/>
+                                          </p:stCondLst>
+                                        </p:cTn>
+                                        <p:tgtEl>
+                                          <p:spTgt spid="7">
+                                            <p:txEl>
+                                              <p:pRg st="1" end="1"/>
+                                            </p:txEl>
+                                          </p:spTgt>
+                                        </p:tgtEl>
+                                        <p:attrNameLst>
+                                          <p:attrName>style.visibility</p:attrName>
+                                        </p:attrNameLst>
+                                      </p:cBhvr>
+                                      <p:to>
+                                        <p:strVal val="visible"/>
+                                      </p:to>
+                                    </p:set>
+                                    <p:animEffect transition="in" filter="fade">
+                                      <p:cBhvr>
+                                        <p:cTn id="49" dur="800" decel="100000"/>
+                                        <p:tgtEl>
+                                          <p:spTgt spid="7">
+                                            <p:txEl>
+                                              <p:pRg st="1" end="1"/>
+                                            </p:txEl>
+                                          </p:spTgt>
+                                        </p:tgtEl>
+                                      </p:cBhvr>
+                                    </p:animEffect>
+                                    <p:anim calcmode="lin" valueType="num">
+                                      <p:cBhvr>
+                                        <p:cTn id="50" dur="800" decel="100000" fill="hold"/>
+                                        <p:tgtEl>
+                                          <p:spTgt spid="7">
+                                            <p:txEl>
+                                              <p:pRg st="1" end="1"/>
+                                            </p:txEl>
+                                          </p:spTgt>
+                                        </p:tgtEl>
+                                        <p:attrNameLst>
+                                          <p:attrName>style.rotation</p:attrName>
+                                        </p:attrNameLst>
+                                      </p:cBhvr>
+                                      <p:tavLst>
+                                        <p:tav tm="0">
+                                          <p:val>
+                                            <p:fltVal val="-90"/>
+                                          </p:val>
+                                        </p:tav>
+                                        <p:tav tm="100000">
+                                          <p:val>
+                                            <p:fltVal val="0"/>
+                                          </p:val>
+                                        </p:tav>
+                                      </p:tavLst>
+                                    </p:anim>
+                                    <p:anim calcmode="lin" valueType="num">
+                                      <p:cBhvr>
+                                        <p:cTn id="51" dur="800" decel="100000" fill="hold"/>
+                                        <p:tgtEl>
+                                          <p:spTgt spid="7">
+                                            <p:txEl>
+                                              <p:pRg st="1" end="1"/>
+                                            </p:txEl>
+                                          </p:spTgt>
+                                        </p:tgtEl>
+                                        <p:attrNameLst>
+                                          <p:attrName>ppt_x</p:attrName>
+                                        </p:attrNameLst>
+                                      </p:cBhvr>
+                                      <p:tavLst>
+                                        <p:tav tm="0">
+                                          <p:val>
+                                            <p:strVal val="#ppt_x+0.4"/>
+                                          </p:val>
+                                        </p:tav>
+                                        <p:tav tm="100000">
+                                          <p:val>
+                                            <p:strVal val="#ppt_x-0.05"/>
+                                          </p:val>
+                                        </p:tav>
+                                      </p:tavLst>
+                                    </p:anim>
+                                    <p:anim calcmode="lin" valueType="num">
+                                      <p:cBhvr>
+                                        <p:cTn id="52" dur="800" decel="100000" fill="hold"/>
+                                        <p:tgtEl>
+                                          <p:spTgt spid="7">
+                                            <p:txEl>
+                                              <p:pRg st="1" end="1"/>
+                                            </p:txEl>
+                                          </p:spTgt>
+                                        </p:tgtEl>
+                                        <p:attrNameLst>
+                                          <p:attrName>ppt_y</p:attrName>
+                                        </p:attrNameLst>
+                                      </p:cBhvr>
+                                      <p:tavLst>
+                                        <p:tav tm="0">
+                                          <p:val>
+                                            <p:strVal val="#ppt_y-0.4"/>
+                                          </p:val>
+                                        </p:tav>
+                                        <p:tav tm="100000">
+                                          <p:val>
+                                            <p:strVal val="#ppt_y+0.1"/>
+                                          </p:val>
+                                        </p:tav>
+                                      </p:tavLst>
+                                    </p:anim>
+                                    <p:anim calcmode="lin" valueType="num">
+                                      <p:cBhvr>
+                                        <p:cTn id="53" dur="200" accel="100000" fill="hold">
+                                          <p:stCondLst>
+                                            <p:cond delay="800"/>
+                                          </p:stCondLst>
+                                        </p:cTn>
+                                        <p:tgtEl>
+                                          <p:spTgt spid="7">
+                                            <p:txEl>
+                                              <p:pRg st="1" end="1"/>
+                                            </p:txEl>
+                                          </p:spTgt>
+                                        </p:tgtEl>
+                                        <p:attrNameLst>
+                                          <p:attrName>ppt_x</p:attrName>
+                                        </p:attrNameLst>
+                                      </p:cBhvr>
+                                      <p:tavLst>
+                                        <p:tav tm="0">
+                                          <p:val>
+                                            <p:strVal val="#ppt_x-0.05"/>
+                                          </p:val>
+                                        </p:tav>
+                                        <p:tav tm="100000">
+                                          <p:val>
+                                            <p:strVal val="#ppt_x"/>
+                                          </p:val>
+                                        </p:tav>
+                                      </p:tavLst>
+                                    </p:anim>
+                                    <p:anim calcmode="lin" valueType="num">
+                                      <p:cBhvr>
+                                        <p:cTn id="54" dur="200" accel="100000" fill="hold">
+                                          <p:stCondLst>
+                                            <p:cond delay="800"/>
+                                          </p:stCondLst>
+                                        </p:cTn>
+                                        <p:tgtEl>
+                                          <p:spTgt spid="7">
+                                            <p:txEl>
+                                              <p:pRg st="1" end="1"/>
+                                            </p:txEl>
+                                          </p:spTgt>
+                                        </p:tgtEl>
+                                        <p:attrNameLst>
+                                          <p:attrName>ppt_y</p:attrName>
+                                        </p:attrNameLst>
+                                      </p:cBhvr>
+                                      <p:tavLst>
+                                        <p:tav tm="0">
+                                          <p:val>
+                                            <p:strVal val="#ppt_y+0.1"/>
+                                          </p:val>
+                                        </p:tav>
+                                        <p:tav tm="100000">
+                                          <p:val>
+                                            <p:strVal val="#ppt_y"/>
+                                          </p:val>
+                                        </p:tav>
+                                      </p:tavLst>
+                                    </p:anim>
+                                  </p:childTnLst>
+                                </p:cTn>
+                              </p:par>
+                            </p:childTnLst>
+                          </p:cTn>
+                        </p:par>
+                      </p:childTnLst>
+                    </p:cTn>
+                  </p:par>
+                </p:childTnLst>
+              </p:cTn>
+              <p:prevCondLst>
+                <p:cond evt="onPrev" delay="0">
+                  <p:tgtEl>
+                    <p:sldTgt/>
+                  </p:tgtEl>
+                </p:cond>
+              </p:prevCondLst>
+              <p:nextCondLst>
+                <p:cond evt="onNext" delay="0">
+                  <p:tgtEl>
+                    <p:sldTgt/>
+                  </p:tgtEl>
+                </p:cond>
+              </p:nextCondLst>
+            </p:seq>
+          </p:childTnLst>
+        </p:cTn>
       </p:par>
     </p:tnLst>
+    <p:bldLst>
+      <p:bldGraphic spid="5" grpId="0">
+        <p:bldAsOne/>
+      </p:bldGraphic>
+    </p:bldLst>
   </p:timing>
 </p:sld>
 </file>
